--- a/AVM/Лекции/Lektsia_5_-_Interpolirovanie.pptx
+++ b/AVM/Лекции/Lektsia_5_-_Interpolirovanie.pptx
@@ -225,7 +225,7 @@
           <a:p>
             <a:fld id="{091B936D-92A2-4120-B415-ED62FA71D51F}" type="datetimeFigureOut">
               <a:rPr lang="ru-RU" smtClean="0"/>
-              <a:t>07.10.2020</a:t>
+              <a:t>01.11.2022</a:t>
             </a:fld>
             <a:endParaRPr lang="ru-RU"/>
           </a:p>
@@ -289,38 +289,37 @@
           <a:p>
             <a:pPr lvl="0"/>
             <a:r>
-              <a:rPr lang="ru-RU" smtClean="0"/>
+              <a:rPr lang="ru-RU"/>
               <a:t>Образец текста</a:t>
             </a:r>
           </a:p>
           <a:p>
             <a:pPr lvl="1"/>
             <a:r>
-              <a:rPr lang="ru-RU" smtClean="0"/>
+              <a:rPr lang="ru-RU"/>
               <a:t>Второй уровень</a:t>
             </a:r>
           </a:p>
           <a:p>
             <a:pPr lvl="2"/>
             <a:r>
-              <a:rPr lang="ru-RU" smtClean="0"/>
+              <a:rPr lang="ru-RU"/>
               <a:t>Третий уровень</a:t>
             </a:r>
           </a:p>
           <a:p>
             <a:pPr lvl="3"/>
             <a:r>
-              <a:rPr lang="ru-RU" smtClean="0"/>
+              <a:rPr lang="ru-RU"/>
               <a:t>Четвертый уровень</a:t>
             </a:r>
           </a:p>
           <a:p>
             <a:pPr lvl="4"/>
             <a:r>
-              <a:rPr lang="ru-RU" smtClean="0"/>
+              <a:rPr lang="ru-RU"/>
               <a:t>Пятый уровень</a:t>
             </a:r>
-            <a:endParaRPr lang="ru-RU"/>
           </a:p>
         </p:txBody>
       </p:sp>
@@ -783,10 +782,9 @@
           <a:lstStyle/>
           <a:p>
             <a:r>
-              <a:rPr lang="ru-RU" smtClean="0"/>
+              <a:rPr lang="ru-RU"/>
               <a:t>Образец заголовка</a:t>
             </a:r>
-            <a:endParaRPr lang="ru-RU"/>
           </a:p>
         </p:txBody>
       </p:sp>
@@ -902,10 +900,9 @@
           </a:lstStyle>
           <a:p>
             <a:r>
-              <a:rPr lang="ru-RU" smtClean="0"/>
+              <a:rPr lang="ru-RU"/>
               <a:t>Образец подзаголовка</a:t>
             </a:r>
-            <a:endParaRPr lang="ru-RU"/>
           </a:p>
         </p:txBody>
       </p:sp>
@@ -926,7 +923,7 @@
           <a:p>
             <a:fld id="{C6EBC364-0C06-4081-BBA9-BAC27FA0B848}" type="datetimeFigureOut">
               <a:rPr lang="ru-RU" smtClean="0"/>
-              <a:t>07.10.2020</a:t>
+              <a:t>01.11.2022</a:t>
             </a:fld>
             <a:endParaRPr lang="ru-RU"/>
           </a:p>
@@ -1020,10 +1017,9 @@
           <a:lstStyle/>
           <a:p>
             <a:r>
-              <a:rPr lang="ru-RU" smtClean="0"/>
+              <a:rPr lang="ru-RU"/>
               <a:t>Образец заголовка</a:t>
             </a:r>
-            <a:endParaRPr lang="ru-RU"/>
           </a:p>
         </p:txBody>
       </p:sp>
@@ -1044,38 +1040,37 @@
           <a:p>
             <a:pPr lvl="0"/>
             <a:r>
-              <a:rPr lang="ru-RU" smtClean="0"/>
+              <a:rPr lang="ru-RU"/>
               <a:t>Образец текста</a:t>
             </a:r>
           </a:p>
           <a:p>
             <a:pPr lvl="1"/>
             <a:r>
-              <a:rPr lang="ru-RU" smtClean="0"/>
+              <a:rPr lang="ru-RU"/>
               <a:t>Второй уровень</a:t>
             </a:r>
           </a:p>
           <a:p>
             <a:pPr lvl="2"/>
             <a:r>
-              <a:rPr lang="ru-RU" smtClean="0"/>
+              <a:rPr lang="ru-RU"/>
               <a:t>Третий уровень</a:t>
             </a:r>
           </a:p>
           <a:p>
             <a:pPr lvl="3"/>
             <a:r>
-              <a:rPr lang="ru-RU" smtClean="0"/>
+              <a:rPr lang="ru-RU"/>
               <a:t>Четвертый уровень</a:t>
             </a:r>
           </a:p>
           <a:p>
             <a:pPr lvl="4"/>
             <a:r>
-              <a:rPr lang="ru-RU" smtClean="0"/>
+              <a:rPr lang="ru-RU"/>
               <a:t>Пятый уровень</a:t>
             </a:r>
-            <a:endParaRPr lang="ru-RU"/>
           </a:p>
         </p:txBody>
       </p:sp>
@@ -1096,7 +1091,7 @@
           <a:p>
             <a:fld id="{C6EBC364-0C06-4081-BBA9-BAC27FA0B848}" type="datetimeFigureOut">
               <a:rPr lang="ru-RU" smtClean="0"/>
-              <a:t>07.10.2020</a:t>
+              <a:t>01.11.2022</a:t>
             </a:fld>
             <a:endParaRPr lang="ru-RU"/>
           </a:p>
@@ -1195,10 +1190,9 @@
           <a:lstStyle/>
           <a:p>
             <a:r>
-              <a:rPr lang="ru-RU" smtClean="0"/>
+              <a:rPr lang="ru-RU"/>
               <a:t>Образец заголовка</a:t>
             </a:r>
-            <a:endParaRPr lang="ru-RU"/>
           </a:p>
         </p:txBody>
       </p:sp>
@@ -1224,38 +1218,37 @@
           <a:p>
             <a:pPr lvl="0"/>
             <a:r>
-              <a:rPr lang="ru-RU" smtClean="0"/>
+              <a:rPr lang="ru-RU"/>
               <a:t>Образец текста</a:t>
             </a:r>
           </a:p>
           <a:p>
             <a:pPr lvl="1"/>
             <a:r>
-              <a:rPr lang="ru-RU" smtClean="0"/>
+              <a:rPr lang="ru-RU"/>
               <a:t>Второй уровень</a:t>
             </a:r>
           </a:p>
           <a:p>
             <a:pPr lvl="2"/>
             <a:r>
-              <a:rPr lang="ru-RU" smtClean="0"/>
+              <a:rPr lang="ru-RU"/>
               <a:t>Третий уровень</a:t>
             </a:r>
           </a:p>
           <a:p>
             <a:pPr lvl="3"/>
             <a:r>
-              <a:rPr lang="ru-RU" smtClean="0"/>
+              <a:rPr lang="ru-RU"/>
               <a:t>Четвертый уровень</a:t>
             </a:r>
           </a:p>
           <a:p>
             <a:pPr lvl="4"/>
             <a:r>
-              <a:rPr lang="ru-RU" smtClean="0"/>
+              <a:rPr lang="ru-RU"/>
               <a:t>Пятый уровень</a:t>
             </a:r>
-            <a:endParaRPr lang="ru-RU"/>
           </a:p>
         </p:txBody>
       </p:sp>
@@ -1276,7 +1269,7 @@
           <a:p>
             <a:fld id="{C6EBC364-0C06-4081-BBA9-BAC27FA0B848}" type="datetimeFigureOut">
               <a:rPr lang="ru-RU" smtClean="0"/>
-              <a:t>07.10.2020</a:t>
+              <a:t>01.11.2022</a:t>
             </a:fld>
             <a:endParaRPr lang="ru-RU"/>
           </a:p>
@@ -1370,10 +1363,9 @@
           <a:lstStyle/>
           <a:p>
             <a:r>
-              <a:rPr lang="ru-RU" smtClean="0"/>
+              <a:rPr lang="ru-RU"/>
               <a:t>Образец заголовка</a:t>
             </a:r>
-            <a:endParaRPr lang="ru-RU"/>
           </a:p>
         </p:txBody>
       </p:sp>
@@ -1394,38 +1386,37 @@
           <a:p>
             <a:pPr lvl="0"/>
             <a:r>
-              <a:rPr lang="ru-RU" smtClean="0"/>
+              <a:rPr lang="ru-RU"/>
               <a:t>Образец текста</a:t>
             </a:r>
           </a:p>
           <a:p>
             <a:pPr lvl="1"/>
             <a:r>
-              <a:rPr lang="ru-RU" smtClean="0"/>
+              <a:rPr lang="ru-RU"/>
               <a:t>Второй уровень</a:t>
             </a:r>
           </a:p>
           <a:p>
             <a:pPr lvl="2"/>
             <a:r>
-              <a:rPr lang="ru-RU" smtClean="0"/>
+              <a:rPr lang="ru-RU"/>
               <a:t>Третий уровень</a:t>
             </a:r>
           </a:p>
           <a:p>
             <a:pPr lvl="3"/>
             <a:r>
-              <a:rPr lang="ru-RU" smtClean="0"/>
+              <a:rPr lang="ru-RU"/>
               <a:t>Четвертый уровень</a:t>
             </a:r>
           </a:p>
           <a:p>
             <a:pPr lvl="4"/>
             <a:r>
-              <a:rPr lang="ru-RU" smtClean="0"/>
+              <a:rPr lang="ru-RU"/>
               <a:t>Пятый уровень</a:t>
             </a:r>
-            <a:endParaRPr lang="ru-RU"/>
           </a:p>
         </p:txBody>
       </p:sp>
@@ -1446,7 +1437,7 @@
           <a:p>
             <a:fld id="{C6EBC364-0C06-4081-BBA9-BAC27FA0B848}" type="datetimeFigureOut">
               <a:rPr lang="ru-RU" smtClean="0"/>
-              <a:t>07.10.2020</a:t>
+              <a:t>01.11.2022</a:t>
             </a:fld>
             <a:endParaRPr lang="ru-RU"/>
           </a:p>
@@ -1549,10 +1540,9 @@
           </a:lstStyle>
           <a:p>
             <a:r>
-              <a:rPr lang="ru-RU" smtClean="0"/>
+              <a:rPr lang="ru-RU"/>
               <a:t>Образец заголовка</a:t>
             </a:r>
-            <a:endParaRPr lang="ru-RU"/>
           </a:p>
         </p:txBody>
       </p:sp>
@@ -1669,7 +1659,7 @@
           <a:p>
             <a:pPr lvl="0"/>
             <a:r>
-              <a:rPr lang="ru-RU" smtClean="0"/>
+              <a:rPr lang="ru-RU"/>
               <a:t>Образец текста</a:t>
             </a:r>
           </a:p>
@@ -1692,7 +1682,7 @@
           <a:p>
             <a:fld id="{C6EBC364-0C06-4081-BBA9-BAC27FA0B848}" type="datetimeFigureOut">
               <a:rPr lang="ru-RU" smtClean="0"/>
-              <a:t>07.10.2020</a:t>
+              <a:t>01.11.2022</a:t>
             </a:fld>
             <a:endParaRPr lang="ru-RU"/>
           </a:p>
@@ -1786,10 +1776,9 @@
           <a:lstStyle/>
           <a:p>
             <a:r>
-              <a:rPr lang="ru-RU" smtClean="0"/>
+              <a:rPr lang="ru-RU"/>
               <a:t>Образец заголовка</a:t>
             </a:r>
-            <a:endParaRPr lang="ru-RU"/>
           </a:p>
         </p:txBody>
       </p:sp>
@@ -1843,38 +1832,37 @@
           <a:p>
             <a:pPr lvl="0"/>
             <a:r>
-              <a:rPr lang="ru-RU" smtClean="0"/>
+              <a:rPr lang="ru-RU"/>
               <a:t>Образец текста</a:t>
             </a:r>
           </a:p>
           <a:p>
             <a:pPr lvl="1"/>
             <a:r>
-              <a:rPr lang="ru-RU" smtClean="0"/>
+              <a:rPr lang="ru-RU"/>
               <a:t>Второй уровень</a:t>
             </a:r>
           </a:p>
           <a:p>
             <a:pPr lvl="2"/>
             <a:r>
-              <a:rPr lang="ru-RU" smtClean="0"/>
+              <a:rPr lang="ru-RU"/>
               <a:t>Третий уровень</a:t>
             </a:r>
           </a:p>
           <a:p>
             <a:pPr lvl="3"/>
             <a:r>
-              <a:rPr lang="ru-RU" smtClean="0"/>
+              <a:rPr lang="ru-RU"/>
               <a:t>Четвертый уровень</a:t>
             </a:r>
           </a:p>
           <a:p>
             <a:pPr lvl="4"/>
             <a:r>
-              <a:rPr lang="ru-RU" smtClean="0"/>
+              <a:rPr lang="ru-RU"/>
               <a:t>Пятый уровень</a:t>
             </a:r>
-            <a:endParaRPr lang="ru-RU"/>
           </a:p>
         </p:txBody>
       </p:sp>
@@ -1928,38 +1916,37 @@
           <a:p>
             <a:pPr lvl="0"/>
             <a:r>
-              <a:rPr lang="ru-RU" smtClean="0"/>
+              <a:rPr lang="ru-RU"/>
               <a:t>Образец текста</a:t>
             </a:r>
           </a:p>
           <a:p>
             <a:pPr lvl="1"/>
             <a:r>
-              <a:rPr lang="ru-RU" smtClean="0"/>
+              <a:rPr lang="ru-RU"/>
               <a:t>Второй уровень</a:t>
             </a:r>
           </a:p>
           <a:p>
             <a:pPr lvl="2"/>
             <a:r>
-              <a:rPr lang="ru-RU" smtClean="0"/>
+              <a:rPr lang="ru-RU"/>
               <a:t>Третий уровень</a:t>
             </a:r>
           </a:p>
           <a:p>
             <a:pPr lvl="3"/>
             <a:r>
-              <a:rPr lang="ru-RU" smtClean="0"/>
+              <a:rPr lang="ru-RU"/>
               <a:t>Четвертый уровень</a:t>
             </a:r>
           </a:p>
           <a:p>
             <a:pPr lvl="4"/>
             <a:r>
-              <a:rPr lang="ru-RU" smtClean="0"/>
+              <a:rPr lang="ru-RU"/>
               <a:t>Пятый уровень</a:t>
             </a:r>
-            <a:endParaRPr lang="ru-RU"/>
           </a:p>
         </p:txBody>
       </p:sp>
@@ -1980,7 +1967,7 @@
           <a:p>
             <a:fld id="{C6EBC364-0C06-4081-BBA9-BAC27FA0B848}" type="datetimeFigureOut">
               <a:rPr lang="ru-RU" smtClean="0"/>
-              <a:t>07.10.2020</a:t>
+              <a:t>01.11.2022</a:t>
             </a:fld>
             <a:endParaRPr lang="ru-RU"/>
           </a:p>
@@ -2078,10 +2065,9 @@
           </a:lstStyle>
           <a:p>
             <a:r>
-              <a:rPr lang="ru-RU" smtClean="0"/>
+              <a:rPr lang="ru-RU"/>
               <a:t>Образец заголовка</a:t>
             </a:r>
-            <a:endParaRPr lang="ru-RU"/>
           </a:p>
         </p:txBody>
       </p:sp>
@@ -2144,7 +2130,7 @@
           <a:p>
             <a:pPr lvl="0"/>
             <a:r>
-              <a:rPr lang="ru-RU" smtClean="0"/>
+              <a:rPr lang="ru-RU"/>
               <a:t>Образец текста</a:t>
             </a:r>
           </a:p>
@@ -2200,38 +2186,37 @@
           <a:p>
             <a:pPr lvl="0"/>
             <a:r>
-              <a:rPr lang="ru-RU" smtClean="0"/>
+              <a:rPr lang="ru-RU"/>
               <a:t>Образец текста</a:t>
             </a:r>
           </a:p>
           <a:p>
             <a:pPr lvl="1"/>
             <a:r>
-              <a:rPr lang="ru-RU" smtClean="0"/>
+              <a:rPr lang="ru-RU"/>
               <a:t>Второй уровень</a:t>
             </a:r>
           </a:p>
           <a:p>
             <a:pPr lvl="2"/>
             <a:r>
-              <a:rPr lang="ru-RU" smtClean="0"/>
+              <a:rPr lang="ru-RU"/>
               <a:t>Третий уровень</a:t>
             </a:r>
           </a:p>
           <a:p>
             <a:pPr lvl="3"/>
             <a:r>
-              <a:rPr lang="ru-RU" smtClean="0"/>
+              <a:rPr lang="ru-RU"/>
               <a:t>Четвертый уровень</a:t>
             </a:r>
           </a:p>
           <a:p>
             <a:pPr lvl="4"/>
             <a:r>
-              <a:rPr lang="ru-RU" smtClean="0"/>
+              <a:rPr lang="ru-RU"/>
               <a:t>Пятый уровень</a:t>
             </a:r>
-            <a:endParaRPr lang="ru-RU"/>
           </a:p>
         </p:txBody>
       </p:sp>
@@ -2294,7 +2279,7 @@
           <a:p>
             <a:pPr lvl="0"/>
             <a:r>
-              <a:rPr lang="ru-RU" smtClean="0"/>
+              <a:rPr lang="ru-RU"/>
               <a:t>Образец текста</a:t>
             </a:r>
           </a:p>
@@ -2350,38 +2335,37 @@
           <a:p>
             <a:pPr lvl="0"/>
             <a:r>
-              <a:rPr lang="ru-RU" smtClean="0"/>
+              <a:rPr lang="ru-RU"/>
               <a:t>Образец текста</a:t>
             </a:r>
           </a:p>
           <a:p>
             <a:pPr lvl="1"/>
             <a:r>
-              <a:rPr lang="ru-RU" smtClean="0"/>
+              <a:rPr lang="ru-RU"/>
               <a:t>Второй уровень</a:t>
             </a:r>
           </a:p>
           <a:p>
             <a:pPr lvl="2"/>
             <a:r>
-              <a:rPr lang="ru-RU" smtClean="0"/>
+              <a:rPr lang="ru-RU"/>
               <a:t>Третий уровень</a:t>
             </a:r>
           </a:p>
           <a:p>
             <a:pPr lvl="3"/>
             <a:r>
-              <a:rPr lang="ru-RU" smtClean="0"/>
+              <a:rPr lang="ru-RU"/>
               <a:t>Четвертый уровень</a:t>
             </a:r>
           </a:p>
           <a:p>
             <a:pPr lvl="4"/>
             <a:r>
-              <a:rPr lang="ru-RU" smtClean="0"/>
+              <a:rPr lang="ru-RU"/>
               <a:t>Пятый уровень</a:t>
             </a:r>
-            <a:endParaRPr lang="ru-RU"/>
           </a:p>
         </p:txBody>
       </p:sp>
@@ -2402,7 +2386,7 @@
           <a:p>
             <a:fld id="{C6EBC364-0C06-4081-BBA9-BAC27FA0B848}" type="datetimeFigureOut">
               <a:rPr lang="ru-RU" smtClean="0"/>
-              <a:t>07.10.2020</a:t>
+              <a:t>01.11.2022</a:t>
             </a:fld>
             <a:endParaRPr lang="ru-RU"/>
           </a:p>
@@ -2496,10 +2480,9 @@
           <a:lstStyle/>
           <a:p>
             <a:r>
-              <a:rPr lang="ru-RU" smtClean="0"/>
+              <a:rPr lang="ru-RU"/>
               <a:t>Образец заголовка</a:t>
             </a:r>
-            <a:endParaRPr lang="ru-RU"/>
           </a:p>
         </p:txBody>
       </p:sp>
@@ -2520,7 +2503,7 @@
           <a:p>
             <a:fld id="{C6EBC364-0C06-4081-BBA9-BAC27FA0B848}" type="datetimeFigureOut">
               <a:rPr lang="ru-RU" smtClean="0"/>
-              <a:t>07.10.2020</a:t>
+              <a:t>01.11.2022</a:t>
             </a:fld>
             <a:endParaRPr lang="ru-RU"/>
           </a:p>
@@ -2615,7 +2598,7 @@
           <a:p>
             <a:fld id="{C6EBC364-0C06-4081-BBA9-BAC27FA0B848}" type="datetimeFigureOut">
               <a:rPr lang="ru-RU" smtClean="0"/>
-              <a:t>07.10.2020</a:t>
+              <a:t>01.11.2022</a:t>
             </a:fld>
             <a:endParaRPr lang="ru-RU"/>
           </a:p>
@@ -2718,10 +2701,9 @@
           </a:lstStyle>
           <a:p>
             <a:r>
-              <a:rPr lang="ru-RU" smtClean="0"/>
+              <a:rPr lang="ru-RU"/>
               <a:t>Образец заголовка</a:t>
             </a:r>
-            <a:endParaRPr lang="ru-RU"/>
           </a:p>
         </p:txBody>
       </p:sp>
@@ -2775,38 +2757,37 @@
           <a:p>
             <a:pPr lvl="0"/>
             <a:r>
-              <a:rPr lang="ru-RU" smtClean="0"/>
+              <a:rPr lang="ru-RU"/>
               <a:t>Образец текста</a:t>
             </a:r>
           </a:p>
           <a:p>
             <a:pPr lvl="1"/>
             <a:r>
-              <a:rPr lang="ru-RU" smtClean="0"/>
+              <a:rPr lang="ru-RU"/>
               <a:t>Второй уровень</a:t>
             </a:r>
           </a:p>
           <a:p>
             <a:pPr lvl="2"/>
             <a:r>
-              <a:rPr lang="ru-RU" smtClean="0"/>
+              <a:rPr lang="ru-RU"/>
               <a:t>Третий уровень</a:t>
             </a:r>
           </a:p>
           <a:p>
             <a:pPr lvl="3"/>
             <a:r>
-              <a:rPr lang="ru-RU" smtClean="0"/>
+              <a:rPr lang="ru-RU"/>
               <a:t>Четвертый уровень</a:t>
             </a:r>
           </a:p>
           <a:p>
             <a:pPr lvl="4"/>
             <a:r>
-              <a:rPr lang="ru-RU" smtClean="0"/>
+              <a:rPr lang="ru-RU"/>
               <a:t>Пятый уровень</a:t>
             </a:r>
-            <a:endParaRPr lang="ru-RU"/>
           </a:p>
         </p:txBody>
       </p:sp>
@@ -2869,7 +2850,7 @@
           <a:p>
             <a:pPr lvl="0"/>
             <a:r>
-              <a:rPr lang="ru-RU" smtClean="0"/>
+              <a:rPr lang="ru-RU"/>
               <a:t>Образец текста</a:t>
             </a:r>
           </a:p>
@@ -2892,7 +2873,7 @@
           <a:p>
             <a:fld id="{C6EBC364-0C06-4081-BBA9-BAC27FA0B848}" type="datetimeFigureOut">
               <a:rPr lang="ru-RU" smtClean="0"/>
-              <a:t>07.10.2020</a:t>
+              <a:t>01.11.2022</a:t>
             </a:fld>
             <a:endParaRPr lang="ru-RU"/>
           </a:p>
@@ -2995,10 +2976,9 @@
           </a:lstStyle>
           <a:p>
             <a:r>
-              <a:rPr lang="ru-RU" smtClean="0"/>
+              <a:rPr lang="ru-RU"/>
               <a:t>Образец заголовка</a:t>
             </a:r>
-            <a:endParaRPr lang="ru-RU"/>
           </a:p>
         </p:txBody>
       </p:sp>
@@ -3122,7 +3102,7 @@
           <a:p>
             <a:pPr lvl="0"/>
             <a:r>
-              <a:rPr lang="ru-RU" smtClean="0"/>
+              <a:rPr lang="ru-RU"/>
               <a:t>Образец текста</a:t>
             </a:r>
           </a:p>
@@ -3145,7 +3125,7 @@
           <a:p>
             <a:fld id="{C6EBC364-0C06-4081-BBA9-BAC27FA0B848}" type="datetimeFigureOut">
               <a:rPr lang="ru-RU" smtClean="0"/>
-              <a:t>07.10.2020</a:t>
+              <a:t>01.11.2022</a:t>
             </a:fld>
             <a:endParaRPr lang="ru-RU"/>
           </a:p>
@@ -3254,10 +3234,9 @@
           <a:lstStyle/>
           <a:p>
             <a:r>
-              <a:rPr lang="ru-RU" smtClean="0"/>
+              <a:rPr lang="ru-RU"/>
               <a:t>Образец заголовка</a:t>
             </a:r>
-            <a:endParaRPr lang="ru-RU"/>
           </a:p>
         </p:txBody>
       </p:sp>
@@ -3288,38 +3267,37 @@
           <a:p>
             <a:pPr lvl="0"/>
             <a:r>
-              <a:rPr lang="ru-RU" smtClean="0"/>
+              <a:rPr lang="ru-RU"/>
               <a:t>Образец текста</a:t>
             </a:r>
           </a:p>
           <a:p>
             <a:pPr lvl="1"/>
             <a:r>
-              <a:rPr lang="ru-RU" smtClean="0"/>
+              <a:rPr lang="ru-RU"/>
               <a:t>Второй уровень</a:t>
             </a:r>
           </a:p>
           <a:p>
             <a:pPr lvl="2"/>
             <a:r>
-              <a:rPr lang="ru-RU" smtClean="0"/>
+              <a:rPr lang="ru-RU"/>
               <a:t>Третий уровень</a:t>
             </a:r>
           </a:p>
           <a:p>
             <a:pPr lvl="3"/>
             <a:r>
-              <a:rPr lang="ru-RU" smtClean="0"/>
+              <a:rPr lang="ru-RU"/>
               <a:t>Четвертый уровень</a:t>
             </a:r>
           </a:p>
           <a:p>
             <a:pPr lvl="4"/>
             <a:r>
-              <a:rPr lang="ru-RU" smtClean="0"/>
+              <a:rPr lang="ru-RU"/>
               <a:t>Пятый уровень</a:t>
             </a:r>
-            <a:endParaRPr lang="ru-RU"/>
           </a:p>
         </p:txBody>
       </p:sp>
@@ -3358,7 +3336,7 @@
           <a:p>
             <a:fld id="{C6EBC364-0C06-4081-BBA9-BAC27FA0B848}" type="datetimeFigureOut">
               <a:rPr lang="ru-RU" smtClean="0"/>
-              <a:t>07.10.2020</a:t>
+              <a:t>01.11.2022</a:t>
             </a:fld>
             <a:endParaRPr lang="ru-RU"/>
           </a:p>
@@ -3757,7 +3735,7 @@
           <a:p>
             <a:pPr algn="ctr"/>
             <a:r>
-              <a:rPr lang="ru-RU" sz="5400" b="1" cap="all" spc="0" dirty="0" smtClean="0">
+              <a:rPr lang="ru-RU" sz="5400" b="1" cap="all" spc="0" dirty="0">
                 <a:ln w="9000" cmpd="sng">
                   <a:solidFill>
                     <a:schemeClr val="accent4">
@@ -3802,7 +3780,7 @@
               <a:t>Алгоритмы вычислительной</a:t>
             </a:r>
             <a:br>
-              <a:rPr lang="ru-RU" sz="5400" b="1" cap="all" spc="0" dirty="0" smtClean="0">
+              <a:rPr lang="ru-RU" sz="5400" b="1" cap="all" spc="0" dirty="0">
                 <a:ln w="9000" cmpd="sng">
                   <a:solidFill>
                     <a:schemeClr val="accent4">
@@ -3846,7 +3824,7 @@
               </a:rPr>
             </a:br>
             <a:r>
-              <a:rPr lang="ru-RU" sz="5400" b="1" cap="all" spc="0" dirty="0" smtClean="0">
+              <a:rPr lang="ru-RU" sz="5400" b="1" cap="all" spc="0" dirty="0">
                 <a:ln w="9000" cmpd="sng">
                   <a:solidFill>
                     <a:schemeClr val="accent4">
@@ -3890,48 +3868,6 @@
               </a:rPr>
               <a:t>математики</a:t>
             </a:r>
-            <a:endParaRPr lang="ru-RU" sz="5400" b="1" cap="all" spc="0" dirty="0">
-              <a:ln w="9000" cmpd="sng">
-                <a:solidFill>
-                  <a:schemeClr val="accent4">
-                    <a:shade val="50000"/>
-                    <a:satMod val="120000"/>
-                  </a:schemeClr>
-                </a:solidFill>
-                <a:prstDash val="solid"/>
-              </a:ln>
-              <a:gradFill>
-                <a:gsLst>
-                  <a:gs pos="0">
-                    <a:schemeClr val="accent4">
-                      <a:shade val="20000"/>
-                      <a:satMod val="245000"/>
-                    </a:schemeClr>
-                  </a:gs>
-                  <a:gs pos="43000">
-                    <a:schemeClr val="accent4">
-                      <a:satMod val="255000"/>
-                    </a:schemeClr>
-                  </a:gs>
-                  <a:gs pos="48000">
-                    <a:schemeClr val="accent4">
-                      <a:shade val="85000"/>
-                      <a:satMod val="255000"/>
-                    </a:schemeClr>
-                  </a:gs>
-                  <a:gs pos="100000">
-                    <a:schemeClr val="accent4">
-                      <a:shade val="20000"/>
-                      <a:satMod val="245000"/>
-                    </a:schemeClr>
-                  </a:gs>
-                </a:gsLst>
-                <a:lin ang="5400000"/>
-              </a:gradFill>
-              <a:effectLst>
-                <a:reflection blurRad="12700" stA="28000" endPos="45000" dist="1000" dir="5400000" sy="-100000" algn="bl" rotWithShape="0"/>
-              </a:effectLst>
-            </a:endParaRPr>
           </a:p>
         </p:txBody>
       </p:sp>
@@ -3959,7 +3895,7 @@
           <a:p>
             <a:pPr algn="ctr"/>
             <a:r>
-              <a:rPr lang="ru-RU" sz="5400" b="1" dirty="0" smtClean="0">
+              <a:rPr lang="ru-RU" sz="5400" b="1" dirty="0">
                 <a:ln w="9000" cmpd="sng">
                   <a:solidFill>
                     <a:schemeClr val="accent4">
@@ -4058,13 +3994,6 @@
   <p:clrMapOvr>
     <a:masterClrMapping/>
   </p:clrMapOvr>
-  <p:timing>
-    <p:tnLst>
-      <p:par>
-        <p:cTn id="1" dur="indefinite" restart="never" nodeType="tmRoot"/>
-      </p:par>
-    </p:tnLst>
-  </p:timing>
 </p:sld>
 </file>
 
@@ -4109,7 +4038,7 @@
           <a:p>
             <a:pPr algn="ctr"/>
             <a:r>
-              <a:rPr lang="ru-RU" sz="3600" b="1" dirty="0" smtClean="0">
+              <a:rPr lang="ru-RU" sz="3600" b="1" dirty="0">
                 <a:ln w="9000" cmpd="sng">
                   <a:solidFill>
                     <a:schemeClr val="accent4">
@@ -4536,7 +4465,7 @@
           <a:lstStyle/>
           <a:p>
             <a:r>
-              <a:rPr lang="ru-RU" sz="2000" b="1" dirty="0" smtClean="0">
+              <a:rPr lang="ru-RU" sz="2000" b="1" dirty="0">
                 <a:solidFill>
                   <a:srgbClr val="7030A0"/>
                 </a:solidFill>
@@ -4544,27 +4473,13 @@
               <a:t>Полином 1 степени (линейная функция)</a:t>
             </a:r>
             <a:r>
-              <a:rPr lang="en-US" sz="2000" b="1" dirty="0" smtClean="0">
+              <a:rPr lang="en-US" sz="2000" b="1" dirty="0">
                 <a:solidFill>
                   <a:srgbClr val="7030A0"/>
                 </a:solidFill>
               </a:rPr>
               <a:t>:</a:t>
             </a:r>
-            <a:endParaRPr lang="ru-RU" sz="2000" b="1" dirty="0" smtClean="0">
-              <a:solidFill>
-                <a:srgbClr val="7030A0"/>
-              </a:solidFill>
-            </a:endParaRPr>
-          </a:p>
-          <a:p>
-            <a:endParaRPr lang="en-US" sz="2000" b="1" dirty="0" smtClean="0">
-              <a:solidFill>
-                <a:srgbClr val="7030A0"/>
-              </a:solidFill>
-            </a:endParaRPr>
-          </a:p>
-          <a:p>
             <a:endParaRPr lang="ru-RU" sz="2000" b="1" dirty="0">
               <a:solidFill>
                 <a:srgbClr val="7030A0"/>
@@ -4572,41 +4487,7 @@
             </a:endParaRPr>
           </a:p>
           <a:p>
-            <a:r>
-              <a:rPr lang="ru-RU" sz="2000" b="1" dirty="0">
-                <a:solidFill>
-                  <a:srgbClr val="7030A0"/>
-                </a:solidFill>
-              </a:rPr>
-              <a:t>Полином </a:t>
-            </a:r>
-            <a:r>
-              <a:rPr lang="ru-RU" sz="2000" b="1" dirty="0" smtClean="0">
-                <a:solidFill>
-                  <a:srgbClr val="7030A0"/>
-                </a:solidFill>
-              </a:rPr>
-              <a:t>2 </a:t>
-            </a:r>
-            <a:r>
-              <a:rPr lang="ru-RU" sz="2000" b="1" dirty="0">
-                <a:solidFill>
-                  <a:srgbClr val="7030A0"/>
-                </a:solidFill>
-              </a:rPr>
-              <a:t>степени </a:t>
-            </a:r>
-            <a:r>
-              <a:rPr lang="ru-RU" sz="2000" b="1" dirty="0" smtClean="0">
-                <a:solidFill>
-                  <a:srgbClr val="7030A0"/>
-                </a:solidFill>
-              </a:rPr>
-              <a:t>(квадратичная функция):</a:t>
-            </a:r>
-          </a:p>
-          <a:p>
-            <a:endParaRPr lang="en-US" sz="2000" b="1" dirty="0" smtClean="0">
+            <a:endParaRPr lang="en-US" sz="2000" b="1" dirty="0">
               <a:solidFill>
                 <a:srgbClr val="7030A0"/>
               </a:solidFill>
@@ -4626,18 +4507,34 @@
                   <a:srgbClr val="7030A0"/>
                 </a:solidFill>
               </a:rPr>
-              <a:t>Полином </a:t>
+              <a:t>Полином 2 степени (квадратичная функция):</a:t>
+            </a:r>
+          </a:p>
+          <a:p>
+            <a:endParaRPr lang="en-US" sz="2000" b="1" dirty="0">
+              <a:solidFill>
+                <a:srgbClr val="7030A0"/>
+              </a:solidFill>
+            </a:endParaRPr>
+          </a:p>
+          <a:p>
+            <a:endParaRPr lang="ru-RU" sz="2000" b="1" dirty="0">
+              <a:solidFill>
+                <a:srgbClr val="7030A0"/>
+              </a:solidFill>
+            </a:endParaRPr>
+          </a:p>
+          <a:p>
+            <a:r>
+              <a:rPr lang="ru-RU" sz="2000" b="1" dirty="0">
+                <a:solidFill>
+                  <a:srgbClr val="7030A0"/>
+                </a:solidFill>
+              </a:rPr>
+              <a:t>Полином степени </a:t>
             </a:r>
             <a:r>
-              <a:rPr lang="ru-RU" sz="2000" b="1" dirty="0" smtClean="0">
-                <a:solidFill>
-                  <a:srgbClr val="7030A0"/>
-                </a:solidFill>
-              </a:rPr>
-              <a:t>степени </a:t>
-            </a:r>
-            <a:r>
-              <a:rPr lang="en-US" sz="2000" b="1" i="1" dirty="0" smtClean="0">
+              <a:rPr lang="en-US" sz="2000" b="1" i="1" dirty="0">
                 <a:solidFill>
                   <a:srgbClr val="7030A0"/>
                 </a:solidFill>
@@ -4647,14 +4544,14 @@
               <a:t>m</a:t>
             </a:r>
             <a:r>
-              <a:rPr lang="en-US" sz="2000" b="1" dirty="0" smtClean="0">
+              <a:rPr lang="en-US" sz="2000" b="1" dirty="0">
                 <a:solidFill>
                   <a:srgbClr val="7030A0"/>
                 </a:solidFill>
               </a:rPr>
               <a:t>:</a:t>
             </a:r>
-            <a:endParaRPr lang="ru-RU" sz="2000" b="1" dirty="0" smtClean="0">
+            <a:endParaRPr lang="ru-RU" sz="2000" b="1" dirty="0">
               <a:solidFill>
                 <a:srgbClr val="7030A0"/>
               </a:solidFill>
@@ -4684,12 +4581,12 @@
           <a:graphicData uri="http://schemas.openxmlformats.org/presentationml/2006/ole">
             <mc:AlternateContent xmlns:mc="http://schemas.openxmlformats.org/markup-compatibility/2006">
               <mc:Choice xmlns:v="urn:schemas-microsoft-com:vml" Requires="v">
-                <p:oleObj spid="_x0000_s50218" name="Формула" r:id="rId3" imgW="965160" imgH="241200" progId="Equation.3">
+                <p:oleObj name="Формула" r:id="rId2" imgW="965160" imgH="241200" progId="Equation.3">
                   <p:embed/>
                 </p:oleObj>
               </mc:Choice>
               <mc:Fallback>
-                <p:oleObj name="Формула" r:id="rId3" imgW="965160" imgH="241200" progId="Equation.3">
+                <p:oleObj name="Формула" r:id="rId2" imgW="965160" imgH="241200" progId="Equation.3">
                   <p:embed/>
                   <p:pic>
                     <p:nvPicPr>
@@ -4700,7 +4597,7 @@
                       <p:nvPr/>
                     </p:nvPicPr>
                     <p:blipFill>
-                      <a:blip r:embed="rId4"/>
+                      <a:blip r:embed="rId3"/>
                       <a:srcRect/>
                       <a:stretch>
                         <a:fillRect/>
@@ -4767,12 +4664,12 @@
           <a:graphicData uri="http://schemas.openxmlformats.org/presentationml/2006/ole">
             <mc:AlternateContent xmlns:mc="http://schemas.openxmlformats.org/markup-compatibility/2006">
               <mc:Choice xmlns:v="urn:schemas-microsoft-com:vml" Requires="v">
-                <p:oleObj spid="_x0000_s50219" name="Формула" r:id="rId5" imgW="1422360" imgH="253800" progId="Equation.3">
+                <p:oleObj name="Формула" r:id="rId4" imgW="1422360" imgH="253800" progId="Equation.3">
                   <p:embed/>
                 </p:oleObj>
               </mc:Choice>
               <mc:Fallback>
-                <p:oleObj name="Формула" r:id="rId5" imgW="1422360" imgH="253800" progId="Equation.3">
+                <p:oleObj name="Формула" r:id="rId4" imgW="1422360" imgH="253800" progId="Equation.3">
                   <p:embed/>
                   <p:pic>
                     <p:nvPicPr>
@@ -4783,7 +4680,7 @@
                       <p:nvPr/>
                     </p:nvPicPr>
                     <p:blipFill>
-                      <a:blip r:embed="rId6"/>
+                      <a:blip r:embed="rId5"/>
                       <a:srcRect/>
                       <a:stretch>
                         <a:fillRect/>
@@ -4837,25 +4734,25 @@
           <p:nvPr>
             <p:extLst>
               <p:ext uri="{D42A27DB-BD31-4B8C-83A1-F6EECF244321}">
-                <p14:modId xmlns:p14="http://schemas.microsoft.com/office/powerpoint/2010/main" val="839384033"/>
+                <p14:modId xmlns:p14="http://schemas.microsoft.com/office/powerpoint/2010/main" val="4069112014"/>
               </p:ext>
             </p:extLst>
           </p:nvPr>
         </p:nvGraphicFramePr>
         <p:xfrm>
-          <a:off x="3776320" y="3733849"/>
+          <a:off x="3776320" y="3717032"/>
           <a:ext cx="1544638" cy="703263"/>
         </p:xfrm>
         <a:graphic>
           <a:graphicData uri="http://schemas.openxmlformats.org/presentationml/2006/ole">
             <mc:AlternateContent xmlns:mc="http://schemas.openxmlformats.org/markup-compatibility/2006">
               <mc:Choice xmlns:v="urn:schemas-microsoft-com:vml" Requires="v">
-                <p:oleObj spid="_x0000_s50220" name="Формула" r:id="rId7" imgW="1002960" imgH="457200" progId="Equation.3">
+                <p:oleObj name="Формула" r:id="rId6" imgW="1002960" imgH="457200" progId="Equation.3">
                   <p:embed/>
                 </p:oleObj>
               </mc:Choice>
               <mc:Fallback>
-                <p:oleObj name="Формула" r:id="rId7" imgW="1002960" imgH="457200" progId="Equation.3">
+                <p:oleObj name="Формула" r:id="rId6" imgW="1002960" imgH="457200" progId="Equation.3">
                   <p:embed/>
                   <p:pic>
                     <p:nvPicPr>
@@ -4866,7 +4763,7 @@
                       <p:nvPr/>
                     </p:nvPicPr>
                     <p:blipFill>
-                      <a:blip r:embed="rId8"/>
+                      <a:blip r:embed="rId7"/>
                       <a:srcRect/>
                       <a:stretch>
                         <a:fillRect/>
@@ -4874,7 +4771,7 @@
                     </p:blipFill>
                     <p:spPr bwMode="auto">
                       <a:xfrm>
-                        <a:off x="3776320" y="3733849"/>
+                        <a:off x="3776320" y="3717032"/>
                         <a:ext cx="1544638" cy="703263"/>
                       </a:xfrm>
                       <a:prstGeom prst="rect">
@@ -4921,13 +4818,6 @@
   <p:clrMapOvr>
     <a:masterClrMapping/>
   </p:clrMapOvr>
-  <p:timing>
-    <p:tnLst>
-      <p:par>
-        <p:cTn id="1" dur="indefinite" restart="never" nodeType="tmRoot"/>
-      </p:par>
-    </p:tnLst>
-  </p:timing>
 </p:sld>
 </file>
 
@@ -5162,7 +5052,7 @@
           <a:p>
             <a:pPr algn="ctr"/>
             <a:r>
-              <a:rPr lang="ru-RU" sz="3600" b="1" dirty="0" smtClean="0">
+              <a:rPr lang="ru-RU" sz="3600" b="1" dirty="0">
                 <a:ln w="9000" cmpd="sng">
                   <a:solidFill>
                     <a:schemeClr val="accent4">
@@ -5722,7 +5612,7 @@
           <a:lstStyle/>
           <a:p>
             <a:r>
-              <a:rPr lang="ru-RU" sz="2000" b="1" dirty="0" smtClean="0">
+              <a:rPr lang="ru-RU" sz="2000" b="1" dirty="0">
                 <a:solidFill>
                   <a:srgbClr val="7030A0"/>
                 </a:solidFill>
@@ -5739,7 +5629,7 @@
           </a:p>
           <a:p>
             <a:r>
-              <a:rPr lang="ru-RU" sz="2000" b="1" dirty="0" smtClean="0">
+              <a:rPr lang="ru-RU" sz="2000" b="1" dirty="0">
                 <a:solidFill>
                   <a:srgbClr val="7030A0"/>
                 </a:solidFill>
@@ -5827,7 +5717,7 @@
                 <a:tabLst/>
                 <a:defRPr/>
               </a:pPr>
-              <a:endParaRPr kumimoji="0" lang="ru-RU" sz="1600" b="0" i="0" u="none" strike="noStrike" kern="0" cap="none" spc="0" normalizeH="0" baseline="0" noProof="0" smtClean="0">
+              <a:endParaRPr kumimoji="0" lang="ru-RU" sz="1600" b="0" i="0" u="none" strike="noStrike" kern="0" cap="none" spc="0" normalizeH="0" baseline="0" noProof="0">
                 <a:ln>
                   <a:noFill/>
                 </a:ln>
@@ -5906,7 +5796,7 @@
                 <a:tabLst/>
                 <a:defRPr/>
               </a:pPr>
-              <a:endParaRPr kumimoji="0" lang="ru-RU" sz="1600" b="0" i="0" u="none" strike="noStrike" kern="0" cap="none" spc="0" normalizeH="0" baseline="0" noProof="0" smtClean="0">
+              <a:endParaRPr kumimoji="0" lang="ru-RU" sz="1600" b="0" i="0" u="none" strike="noStrike" kern="0" cap="none" spc="0" normalizeH="0" baseline="0" noProof="0">
                 <a:ln>
                   <a:noFill/>
                 </a:ln>
@@ -5995,7 +5885,7 @@
                 <a:defRPr/>
               </a:pPr>
               <a:r>
-                <a:rPr kumimoji="0" lang="en-US" altLang="ru-RU" sz="1600" b="1" i="0" u="none" strike="noStrike" kern="0" cap="none" spc="0" normalizeH="0" baseline="0" noProof="0" smtClean="0">
+                <a:rPr kumimoji="0" lang="en-US" altLang="ru-RU" sz="1600" b="1" i="0" u="none" strike="noStrike" kern="0" cap="none" spc="0" normalizeH="0" baseline="0" noProof="0">
                   <a:ln>
                     <a:noFill/>
                   </a:ln>
@@ -6009,7 +5899,7 @@
                 </a:rPr>
                 <a:t>0</a:t>
               </a:r>
-              <a:endParaRPr kumimoji="0" lang="ru-RU" altLang="ru-RU" sz="1600" b="1" i="0" u="none" strike="noStrike" kern="0" cap="none" spc="0" normalizeH="0" baseline="-25000" noProof="0" smtClean="0">
+              <a:endParaRPr kumimoji="0" lang="ru-RU" altLang="ru-RU" sz="1600" b="1" i="0" u="none" strike="noStrike" kern="0" cap="none" spc="0" normalizeH="0" baseline="-25000" noProof="0">
                 <a:ln>
                   <a:noFill/>
                 </a:ln>
@@ -6098,7 +5988,7 @@
                 <a:defRPr/>
               </a:pPr>
               <a:r>
-                <a:rPr kumimoji="0" lang="en-US" altLang="ru-RU" sz="1600" b="1" i="1" u="none" strike="noStrike" kern="0" cap="none" spc="0" normalizeH="0" baseline="0" noProof="0" smtClean="0">
+                <a:rPr kumimoji="0" lang="en-US" altLang="ru-RU" sz="1600" b="1" i="1" u="none" strike="noStrike" kern="0" cap="none" spc="0" normalizeH="0" baseline="0" noProof="0">
                   <a:ln>
                     <a:noFill/>
                   </a:ln>
@@ -6112,7 +6002,7 @@
                 </a:rPr>
                 <a:t>y</a:t>
               </a:r>
-              <a:endParaRPr kumimoji="0" lang="ru-RU" altLang="ru-RU" sz="1600" b="1" i="0" u="none" strike="noStrike" kern="0" cap="none" spc="0" normalizeH="0" baseline="-25000" noProof="0" smtClean="0">
+              <a:endParaRPr kumimoji="0" lang="ru-RU" altLang="ru-RU" sz="1600" b="1" i="0" u="none" strike="noStrike" kern="0" cap="none" spc="0" normalizeH="0" baseline="-25000" noProof="0">
                 <a:ln>
                   <a:noFill/>
                 </a:ln>
@@ -6201,7 +6091,7 @@
                 <a:defRPr/>
               </a:pPr>
               <a:r>
-                <a:rPr kumimoji="0" lang="en-US" altLang="ru-RU" sz="1600" b="1" i="1" u="none" strike="noStrike" kern="0" cap="none" spc="0" normalizeH="0" baseline="0" noProof="0" smtClean="0">
+                <a:rPr kumimoji="0" lang="en-US" altLang="ru-RU" sz="1600" b="1" i="1" u="none" strike="noStrike" kern="0" cap="none" spc="0" normalizeH="0" baseline="0" noProof="0">
                   <a:ln>
                     <a:noFill/>
                   </a:ln>
@@ -6215,7 +6105,7 @@
                 </a:rPr>
                 <a:t>x</a:t>
               </a:r>
-              <a:endParaRPr kumimoji="0" lang="ru-RU" altLang="ru-RU" sz="1600" b="1" i="0" u="none" strike="noStrike" kern="0" cap="none" spc="0" normalizeH="0" baseline="-25000" noProof="0" smtClean="0">
+              <a:endParaRPr kumimoji="0" lang="ru-RU" altLang="ru-RU" sz="1600" b="1" i="0" u="none" strike="noStrike" kern="0" cap="none" spc="0" normalizeH="0" baseline="-25000" noProof="0">
                 <a:ln>
                   <a:noFill/>
                 </a:ln>
@@ -6296,7 +6186,7 @@
               <a:tabLst/>
               <a:defRPr/>
             </a:pPr>
-            <a:endParaRPr kumimoji="0" lang="ru-RU" sz="2400" b="0" i="0" u="none" strike="noStrike" kern="0" cap="none" spc="0" normalizeH="0" baseline="0" noProof="0" smtClean="0">
+            <a:endParaRPr kumimoji="0" lang="ru-RU" sz="2400" b="0" i="0" u="none" strike="noStrike" kern="0" cap="none" spc="0" normalizeH="0" baseline="0" noProof="0">
               <a:ln>
                 <a:noFill/>
               </a:ln>
@@ -6376,7 +6266,7 @@
               <a:tabLst/>
               <a:defRPr/>
             </a:pPr>
-            <a:endParaRPr kumimoji="0" lang="ru-RU" sz="2400" b="0" i="0" u="none" strike="noStrike" kern="0" cap="none" spc="0" normalizeH="0" baseline="0" noProof="0" smtClean="0">
+            <a:endParaRPr kumimoji="0" lang="ru-RU" sz="2400" b="0" i="0" u="none" strike="noStrike" kern="0" cap="none" spc="0" normalizeH="0" baseline="0" noProof="0">
               <a:ln>
                 <a:noFill/>
               </a:ln>
@@ -6456,7 +6346,7 @@
               <a:tabLst/>
               <a:defRPr/>
             </a:pPr>
-            <a:endParaRPr kumimoji="0" lang="ru-RU" sz="2400" b="0" i="0" u="none" strike="noStrike" kern="0" cap="none" spc="0" normalizeH="0" baseline="0" noProof="0" smtClean="0">
+            <a:endParaRPr kumimoji="0" lang="ru-RU" sz="2400" b="0" i="0" u="none" strike="noStrike" kern="0" cap="none" spc="0" normalizeH="0" baseline="0" noProof="0">
               <a:ln>
                 <a:noFill/>
               </a:ln>
@@ -6481,13 +6371,6 @@
   <p:clrMapOvr>
     <a:masterClrMapping/>
   </p:clrMapOvr>
-  <p:timing>
-    <p:tnLst>
-      <p:par>
-        <p:cTn id="1" dur="indefinite" restart="never" nodeType="tmRoot"/>
-      </p:par>
-    </p:tnLst>
-  </p:timing>
 </p:sld>
 </file>
 
@@ -6532,7 +6415,7 @@
           <a:p>
             <a:pPr algn="ctr"/>
             <a:r>
-              <a:rPr lang="ru-RU" sz="3600" b="1" dirty="0" smtClean="0">
+              <a:rPr lang="ru-RU" sz="3600" b="1" dirty="0">
                 <a:ln w="9000" cmpd="sng">
                   <a:solidFill>
                     <a:schemeClr val="accent4">
@@ -6959,44 +6842,12 @@
           <a:lstStyle/>
           <a:p>
             <a:r>
-              <a:rPr lang="ru-RU" sz="2000" b="1" dirty="0" smtClean="0">
+              <a:rPr lang="ru-RU" sz="2000" b="1" dirty="0">
                 <a:solidFill>
                   <a:srgbClr val="7030A0"/>
                 </a:solidFill>
               </a:rPr>
-              <a:t>Степень интерполяционного </a:t>
-            </a:r>
-            <a:r>
-              <a:rPr lang="ru-RU" sz="2000" b="1" dirty="0">
-                <a:solidFill>
-                  <a:srgbClr val="7030A0"/>
-                </a:solidFill>
-              </a:rPr>
-              <a:t>полинома </a:t>
-            </a:r>
-            <a:r>
-              <a:rPr lang="ru-RU" sz="2000" b="1" dirty="0" smtClean="0">
-                <a:solidFill>
-                  <a:srgbClr val="7030A0"/>
-                </a:solidFill>
-              </a:rPr>
-              <a:t>выбирается </a:t>
-            </a:r>
-            <a:r>
-              <a:rPr lang="ru-RU" sz="2000" b="1" dirty="0">
-                <a:solidFill>
-                  <a:srgbClr val="7030A0"/>
-                </a:solidFill>
-              </a:rPr>
-              <a:t>так, чтобы она совпадала с порядком практически постоянных </a:t>
-            </a:r>
-            <a:r>
-              <a:rPr lang="ru-RU" sz="2000" b="1" dirty="0" smtClean="0">
-                <a:solidFill>
-                  <a:srgbClr val="7030A0"/>
-                </a:solidFill>
-              </a:rPr>
-              <a:t>конечных разностей</a:t>
+              <a:t>Степень интерполяционного полинома выбирается так, чтобы она совпадала с порядком практически постоянных конечных разностей</a:t>
             </a:r>
           </a:p>
           <a:p>
@@ -7008,7 +6859,7 @@
           </a:p>
           <a:p>
             <a:r>
-              <a:rPr lang="ru-RU" sz="2000" b="1" dirty="0" smtClean="0">
+              <a:rPr lang="ru-RU" sz="2000" b="1" dirty="0">
                 <a:solidFill>
                   <a:srgbClr val="7030A0"/>
                 </a:solidFill>
@@ -7027,7 +6878,7 @@
           <p:nvPr/>
         </p:nvPicPr>
         <p:blipFill>
-          <a:blip r:embed="rId3" cstate="print">
+          <a:blip r:embed="rId2" cstate="print">
             <a:extLst>
               <a:ext uri="{28A0092B-C50C-407E-A947-70E740481C1C}">
                 <a14:useLocalDpi xmlns:a14="http://schemas.microsoft.com/office/drawing/2010/main" val="0"/>
@@ -7157,12 +7008,12 @@
           <a:graphicData uri="http://schemas.openxmlformats.org/presentationml/2006/ole">
             <mc:AlternateContent xmlns:mc="http://schemas.openxmlformats.org/markup-compatibility/2006">
               <mc:Choice xmlns:v="urn:schemas-microsoft-com:vml" Requires="v">
-                <p:oleObj spid="_x0000_s51212" name="Формула" r:id="rId4" imgW="1422360" imgH="914400" progId="Equation.3">
+                <p:oleObj name="Формула" r:id="rId3" imgW="1422360" imgH="914400" progId="Equation.3">
                   <p:embed/>
                 </p:oleObj>
               </mc:Choice>
               <mc:Fallback>
-                <p:oleObj name="Формула" r:id="rId4" imgW="1422360" imgH="914400" progId="Equation.3">
+                <p:oleObj name="Формула" r:id="rId3" imgW="1422360" imgH="914400" progId="Equation.3">
                   <p:embed/>
                   <p:pic>
                     <p:nvPicPr>
@@ -7173,7 +7024,7 @@
                       <p:nvPr/>
                     </p:nvPicPr>
                     <p:blipFill>
-                      <a:blip r:embed="rId5"/>
+                      <a:blip r:embed="rId4"/>
                       <a:srcRect/>
                       <a:stretch>
                         <a:fillRect/>
@@ -7288,15 +7139,7 @@
                   <a:srgbClr val="7030A0"/>
                 </a:solidFill>
               </a:rPr>
-              <a:t> с наименьшим </a:t>
-            </a:r>
-            <a:r>
-              <a:rPr lang="ru-RU" sz="2000" b="1" dirty="0" smtClean="0">
-                <a:solidFill>
-                  <a:srgbClr val="7030A0"/>
-                </a:solidFill>
-              </a:rPr>
-              <a:t>разбросом конечных разностей  </a:t>
+              <a:t> с наименьшим разбросом конечных разностей  </a:t>
             </a:r>
             <a:r>
               <a:rPr lang="ru-RU" sz="2000" b="1" i="1" dirty="0" err="1">
@@ -7324,31 +7167,7 @@
                   <a:srgbClr val="7030A0"/>
                 </a:solidFill>
               </a:rPr>
-              <a:t> </a:t>
-            </a:r>
-            <a:r>
-              <a:rPr lang="ru-RU" sz="2000" b="1" dirty="0" smtClean="0">
-                <a:solidFill>
-                  <a:srgbClr val="7030A0"/>
-                </a:solidFill>
-              </a:rPr>
-              <a:t>указывает </a:t>
-            </a:r>
-            <a:r>
-              <a:rPr lang="ru-RU" sz="2000" b="1" dirty="0">
-                <a:solidFill>
-                  <a:srgbClr val="7030A0"/>
-                </a:solidFill>
-              </a:rPr>
-              <a:t>на искомую степень интерполяционного </a:t>
-            </a:r>
-            <a:r>
-              <a:rPr lang="ru-RU" sz="2000" b="1" dirty="0" smtClean="0">
-                <a:solidFill>
-                  <a:srgbClr val="7030A0"/>
-                </a:solidFill>
-              </a:rPr>
-              <a:t>полинома</a:t>
+              <a:t> указывает на искомую степень интерполяционного полинома</a:t>
             </a:r>
           </a:p>
           <a:p>
@@ -7360,7 +7179,7 @@
           </a:p>
           <a:p>
             <a:r>
-              <a:rPr lang="ru-RU" sz="2000" b="1" dirty="0" smtClean="0">
+              <a:rPr lang="ru-RU" sz="2000" b="1" dirty="0">
                 <a:solidFill>
                   <a:srgbClr val="7030A0"/>
                 </a:solidFill>
@@ -7380,13 +7199,6 @@
   <p:clrMapOvr>
     <a:masterClrMapping/>
   </p:clrMapOvr>
-  <p:timing>
-    <p:tnLst>
-      <p:par>
-        <p:cTn id="1" dur="indefinite" restart="never" nodeType="tmRoot"/>
-      </p:par>
-    </p:tnLst>
-  </p:timing>
 </p:sld>
 </file>
 
@@ -7430,7 +7242,7 @@
           <a:lstStyle/>
           <a:p>
             <a:r>
-              <a:rPr lang="ru-RU" sz="2000" b="1" dirty="0" smtClean="0">
+              <a:rPr lang="ru-RU" sz="2000" b="1" dirty="0">
                 <a:solidFill>
                   <a:srgbClr val="7030A0"/>
                 </a:solidFill>
@@ -7438,27 +7250,13 @@
               <a:t>В свёрнутом общем виде</a:t>
             </a:r>
             <a:r>
-              <a:rPr lang="en-US" sz="2000" b="1" dirty="0" smtClean="0">
+              <a:rPr lang="en-US" sz="2000" b="1" dirty="0">
                 <a:solidFill>
                   <a:srgbClr val="7030A0"/>
                 </a:solidFill>
               </a:rPr>
               <a:t>:</a:t>
             </a:r>
-            <a:endParaRPr lang="ru-RU" sz="2000" b="1" dirty="0" smtClean="0">
-              <a:solidFill>
-                <a:srgbClr val="7030A0"/>
-              </a:solidFill>
-            </a:endParaRPr>
-          </a:p>
-          <a:p>
-            <a:endParaRPr lang="ru-RU" sz="2000" b="1" dirty="0" smtClean="0">
-              <a:solidFill>
-                <a:srgbClr val="7030A0"/>
-              </a:solidFill>
-            </a:endParaRPr>
-          </a:p>
-          <a:p>
             <a:endParaRPr lang="ru-RU" sz="2000" b="1" dirty="0">
               <a:solidFill>
                 <a:srgbClr val="7030A0"/>
@@ -7466,13 +7264,6 @@
             </a:endParaRPr>
           </a:p>
           <a:p>
-            <a:endParaRPr lang="en-US" sz="2000" b="1" dirty="0" smtClean="0">
-              <a:solidFill>
-                <a:srgbClr val="7030A0"/>
-              </a:solidFill>
-            </a:endParaRPr>
-          </a:p>
-          <a:p>
             <a:endParaRPr lang="ru-RU" sz="2000" b="1" dirty="0">
               <a:solidFill>
                 <a:srgbClr val="7030A0"/>
@@ -7480,8 +7271,29 @@
             </a:endParaRPr>
           </a:p>
           <a:p>
+            <a:endParaRPr lang="ru-RU" sz="2000" b="1" dirty="0">
+              <a:solidFill>
+                <a:srgbClr val="7030A0"/>
+              </a:solidFill>
+            </a:endParaRPr>
+          </a:p>
+          <a:p>
+            <a:endParaRPr lang="en-US" sz="2000" b="1" dirty="0">
+              <a:solidFill>
+                <a:srgbClr val="7030A0"/>
+              </a:solidFill>
+            </a:endParaRPr>
+          </a:p>
+          <a:p>
+            <a:endParaRPr lang="ru-RU" sz="2000" b="1" dirty="0">
+              <a:solidFill>
+                <a:srgbClr val="7030A0"/>
+              </a:solidFill>
+            </a:endParaRPr>
+          </a:p>
+          <a:p>
             <a:r>
-              <a:rPr lang="ru-RU" sz="2000" b="1" dirty="0" smtClean="0">
+              <a:rPr lang="ru-RU" sz="2000" b="1" dirty="0">
                 <a:solidFill>
                   <a:srgbClr val="7030A0"/>
                 </a:solidFill>
@@ -7490,7 +7302,7 @@
             </a:r>
           </a:p>
           <a:p>
-            <a:endParaRPr lang="en-US" sz="2000" b="1" dirty="0" smtClean="0">
+            <a:endParaRPr lang="en-US" sz="2000" b="1" dirty="0">
               <a:solidFill>
                 <a:srgbClr val="7030A0"/>
               </a:solidFill>
@@ -7510,25 +7322,17 @@
                   <a:srgbClr val="7030A0"/>
                 </a:solidFill>
               </a:rPr>
-              <a:t>Полином </a:t>
+              <a:t>Полином Лагранжа 2 степени</a:t>
             </a:r>
             <a:r>
-              <a:rPr lang="ru-RU" sz="2000" b="1" dirty="0" smtClean="0">
-                <a:solidFill>
-                  <a:srgbClr val="7030A0"/>
-                </a:solidFill>
-              </a:rPr>
-              <a:t>Лагранжа 2 степени</a:t>
-            </a:r>
-            <a:r>
-              <a:rPr lang="en-US" sz="2000" b="1" dirty="0" smtClean="0">
+              <a:rPr lang="en-US" sz="2000" b="1" dirty="0">
                 <a:solidFill>
                   <a:srgbClr val="7030A0"/>
                 </a:solidFill>
               </a:rPr>
               <a:t>:</a:t>
             </a:r>
-            <a:endParaRPr lang="ru-RU" sz="2000" b="1" dirty="0" smtClean="0">
+            <a:endParaRPr lang="ru-RU" sz="2000" b="1" dirty="0">
               <a:solidFill>
                 <a:srgbClr val="7030A0"/>
               </a:solidFill>
@@ -7560,7 +7364,7 @@
           <a:p>
             <a:pPr algn="ctr"/>
             <a:r>
-              <a:rPr lang="ru-RU" sz="3600" b="1" dirty="0" smtClean="0">
+              <a:rPr lang="ru-RU" sz="3600" b="1" dirty="0">
                 <a:ln w="9000" cmpd="sng">
                   <a:solidFill>
                     <a:schemeClr val="accent4">
@@ -7973,7 +7777,7 @@
           <p:nvPr/>
         </p:nvPicPr>
         <p:blipFill>
-          <a:blip r:embed="rId4" cstate="print">
+          <a:blip r:embed="rId3" cstate="print">
             <a:extLst>
               <a:ext uri="{28A0092B-C50C-407E-A947-70E740481C1C}">
                 <a14:useLocalDpi xmlns:a14="http://schemas.microsoft.com/office/drawing/2010/main" val="0"/>
@@ -8104,7 +7908,7 @@
           <a:lstStyle/>
           <a:p>
             <a:r>
-              <a:rPr lang="ru-RU" sz="2000" b="1" dirty="0" smtClean="0">
+              <a:rPr lang="ru-RU" sz="2000" b="1" dirty="0">
                 <a:solidFill>
                   <a:srgbClr val="7030A0"/>
                 </a:solidFill>
@@ -8112,7 +7916,7 @@
               <a:t>Для параметрической идентификации математической модели в форме интерполяционного полинома Лагранжа степени </a:t>
             </a:r>
             <a:r>
-              <a:rPr lang="en-US" sz="2000" b="1" i="1" dirty="0" smtClean="0">
+              <a:rPr lang="en-US" sz="2000" b="1" i="1" dirty="0">
                 <a:solidFill>
                   <a:srgbClr val="7030A0"/>
                 </a:solidFill>
@@ -8122,7 +7926,7 @@
               <a:t>m</a:t>
             </a:r>
             <a:r>
-              <a:rPr lang="ru-RU" sz="2000" b="1" dirty="0" smtClean="0">
+              <a:rPr lang="ru-RU" sz="2000" b="1" dirty="0">
                 <a:solidFill>
                   <a:srgbClr val="7030A0"/>
                 </a:solidFill>
@@ -8130,7 +7934,7 @@
               <a:t> потребуется</a:t>
             </a:r>
             <a:r>
-              <a:rPr lang="en-US" sz="2000" b="1" dirty="0" smtClean="0">
+              <a:rPr lang="en-US" sz="2000" b="1" dirty="0">
                 <a:solidFill>
                   <a:srgbClr val="7030A0"/>
                 </a:solidFill>
@@ -8138,7 +7942,7 @@
               <a:t> </a:t>
             </a:r>
             <a:r>
-              <a:rPr lang="en-US" sz="2000" b="1" i="1" dirty="0" smtClean="0">
+              <a:rPr lang="en-US" sz="2000" b="1" i="1" dirty="0">
                 <a:solidFill>
                   <a:srgbClr val="7030A0"/>
                 </a:solidFill>
@@ -8148,7 +7952,7 @@
               <a:t>m</a:t>
             </a:r>
             <a:r>
-              <a:rPr lang="ru-RU" sz="2000" b="1" dirty="0" smtClean="0">
+              <a:rPr lang="ru-RU" sz="2000" b="1" dirty="0">
                 <a:solidFill>
                   <a:srgbClr val="7030A0"/>
                 </a:solidFill>
@@ -8158,7 +7962,7 @@
               <a:t>+1</a:t>
             </a:r>
             <a:r>
-              <a:rPr lang="en-US" sz="2000" b="1" dirty="0" smtClean="0">
+              <a:rPr lang="en-US" sz="2000" b="1" dirty="0">
                 <a:solidFill>
                   <a:srgbClr val="7030A0"/>
                 </a:solidFill>
@@ -8166,7 +7970,7 @@
               <a:t> </a:t>
             </a:r>
             <a:r>
-              <a:rPr lang="ru-RU" sz="2000" b="1" dirty="0" smtClean="0">
+              <a:rPr lang="ru-RU" sz="2000" b="1" dirty="0">
                 <a:solidFill>
                   <a:srgbClr val="7030A0"/>
                 </a:solidFill>
@@ -8261,12 +8065,12 @@
           <a:graphicData uri="http://schemas.openxmlformats.org/presentationml/2006/ole">
             <mc:AlternateContent xmlns:mc="http://schemas.openxmlformats.org/markup-compatibility/2006">
               <mc:Choice xmlns:v="urn:schemas-microsoft-com:vml" Requires="v">
-                <p:oleObj spid="_x0000_s53276" name="Формула" r:id="rId5" imgW="4698720" imgH="495000" progId="Equation.3">
+                <p:oleObj name="Формула" r:id="rId4" imgW="4698720" imgH="495000" progId="Equation.3">
                   <p:embed/>
                 </p:oleObj>
               </mc:Choice>
               <mc:Fallback>
-                <p:oleObj name="Формула" r:id="rId5" imgW="4698720" imgH="495000" progId="Equation.3">
+                <p:oleObj name="Формула" r:id="rId4" imgW="4698720" imgH="495000" progId="Equation.3">
                   <p:embed/>
                   <p:pic>
                     <p:nvPicPr>
@@ -8277,7 +8081,7 @@
                       <p:nvPr/>
                     </p:nvPicPr>
                     <p:blipFill>
-                      <a:blip r:embed="rId6"/>
+                      <a:blip r:embed="rId5"/>
                       <a:srcRect/>
                       <a:stretch>
                         <a:fillRect/>
@@ -8322,12 +8126,12 @@
           <a:graphicData uri="http://schemas.openxmlformats.org/presentationml/2006/ole">
             <mc:AlternateContent xmlns:mc="http://schemas.openxmlformats.org/markup-compatibility/2006">
               <mc:Choice xmlns:v="urn:schemas-microsoft-com:vml" Requires="v">
-                <p:oleObj spid="_x0000_s53277" name="Формула" r:id="rId7" imgW="1701720" imgH="1054080" progId="Equation.3">
+                <p:oleObj name="Формула" r:id="rId6" imgW="1701720" imgH="1054080" progId="Equation.3">
                   <p:embed/>
                 </p:oleObj>
               </mc:Choice>
               <mc:Fallback>
-                <p:oleObj name="Формула" r:id="rId7" imgW="1701720" imgH="1054080" progId="Equation.3">
+                <p:oleObj name="Формула" r:id="rId6" imgW="1701720" imgH="1054080" progId="Equation.3">
                   <p:embed/>
                   <p:pic>
                     <p:nvPicPr>
@@ -8338,7 +8142,7 @@
                       <p:nvPr/>
                     </p:nvPicPr>
                     <p:blipFill>
-                      <a:blip r:embed="rId8"/>
+                      <a:blip r:embed="rId7"/>
                       <a:srcRect/>
                       <a:stretch>
                         <a:fillRect/>
@@ -8386,12 +8190,12 @@
           <a:graphicData uri="http://schemas.openxmlformats.org/presentationml/2006/ole">
             <mc:AlternateContent xmlns:mc="http://schemas.openxmlformats.org/markup-compatibility/2006">
               <mc:Choice xmlns:v="urn:schemas-microsoft-com:vml" Requires="v">
-                <p:oleObj spid="_x0000_s53278" name="Формула" r:id="rId9" imgW="5105160" imgH="495000" progId="Equation.3">
+                <p:oleObj name="Формула" r:id="rId8" imgW="5105160" imgH="495000" progId="Equation.3">
                   <p:embed/>
                 </p:oleObj>
               </mc:Choice>
               <mc:Fallback>
-                <p:oleObj name="Формула" r:id="rId9" imgW="5105160" imgH="495000" progId="Equation.3">
+                <p:oleObj name="Формула" r:id="rId8" imgW="5105160" imgH="495000" progId="Equation.3">
                   <p:embed/>
                   <p:pic>
                     <p:nvPicPr>
@@ -8402,7 +8206,7 @@
                       <p:nvPr/>
                     </p:nvPicPr>
                     <p:blipFill>
-                      <a:blip r:embed="rId10"/>
+                      <a:blip r:embed="rId9"/>
                       <a:srcRect/>
                       <a:stretch>
                         <a:fillRect/>
@@ -8457,13 +8261,6 @@
   <p:clrMapOvr>
     <a:masterClrMapping/>
   </p:clrMapOvr>
-  <p:timing>
-    <p:tnLst>
-      <p:par>
-        <p:cTn id="1" dur="indefinite" restart="never" nodeType="tmRoot"/>
-      </p:par>
-    </p:tnLst>
-  </p:timing>
 </p:sld>
 </file>
 
@@ -8508,7 +8305,7 @@
           <a:p>
             <a:pPr algn="ctr"/>
             <a:r>
-              <a:rPr lang="ru-RU" sz="3600" b="1" dirty="0" smtClean="0">
+              <a:rPr lang="ru-RU" sz="3600" b="1" dirty="0">
                 <a:ln w="9000" cmpd="sng">
                   <a:solidFill>
                     <a:schemeClr val="accent4">
@@ -8732,7 +8529,7 @@
           <p:nvPr/>
         </p:nvPicPr>
         <p:blipFill>
-          <a:blip r:embed="rId3">
+          <a:blip r:embed="rId2">
             <a:extLst>
               <a:ext uri="{28A0092B-C50C-407E-A947-70E740481C1C}">
                 <a14:useLocalDpi xmlns:a14="http://schemas.microsoft.com/office/drawing/2010/main" val="0"/>
@@ -8863,7 +8660,7 @@
           <a:lstStyle/>
           <a:p>
             <a:r>
-              <a:rPr lang="ru-RU" sz="2000" b="1" dirty="0" smtClean="0">
+              <a:rPr lang="ru-RU" sz="2000" b="1" dirty="0">
                 <a:solidFill>
                   <a:srgbClr val="7030A0"/>
                 </a:solidFill>
@@ -8871,34 +8668,13 @@
               <a:t>Разделённая разность 1 порядка</a:t>
             </a:r>
             <a:r>
-              <a:rPr lang="en-US" sz="2000" b="1" dirty="0" smtClean="0">
+              <a:rPr lang="en-US" sz="2000" b="1" dirty="0">
                 <a:solidFill>
                   <a:srgbClr val="7030A0"/>
                 </a:solidFill>
               </a:rPr>
               <a:t>:</a:t>
             </a:r>
-            <a:endParaRPr lang="ru-RU" sz="2000" b="1" dirty="0" smtClean="0">
-              <a:solidFill>
-                <a:srgbClr val="7030A0"/>
-              </a:solidFill>
-            </a:endParaRPr>
-          </a:p>
-          <a:p>
-            <a:endParaRPr lang="ru-RU" sz="2000" b="1" dirty="0" smtClean="0">
-              <a:solidFill>
-                <a:srgbClr val="7030A0"/>
-              </a:solidFill>
-            </a:endParaRPr>
-          </a:p>
-          <a:p>
-            <a:endParaRPr lang="en-US" sz="2000" b="1" dirty="0" smtClean="0">
-              <a:solidFill>
-                <a:srgbClr val="7030A0"/>
-              </a:solidFill>
-            </a:endParaRPr>
-          </a:p>
-          <a:p>
             <a:endParaRPr lang="ru-RU" sz="2000" b="1" dirty="0">
               <a:solidFill>
                 <a:srgbClr val="7030A0"/>
@@ -8906,38 +8682,6 @@
             </a:endParaRPr>
           </a:p>
           <a:p>
-            <a:r>
-              <a:rPr lang="ru-RU" sz="2000" b="1" dirty="0">
-                <a:solidFill>
-                  <a:srgbClr val="7030A0"/>
-                </a:solidFill>
-              </a:rPr>
-              <a:t>Разделённая </a:t>
-            </a:r>
-            <a:r>
-              <a:rPr lang="ru-RU" sz="2000" b="1" dirty="0" smtClean="0">
-                <a:solidFill>
-                  <a:srgbClr val="7030A0"/>
-                </a:solidFill>
-              </a:rPr>
-              <a:t>разность 2 порядка:</a:t>
-            </a:r>
-          </a:p>
-          <a:p>
-            <a:endParaRPr lang="en-US" sz="2000" b="1" dirty="0" smtClean="0">
-              <a:solidFill>
-                <a:srgbClr val="7030A0"/>
-              </a:solidFill>
-            </a:endParaRPr>
-          </a:p>
-          <a:p>
-            <a:endParaRPr lang="ru-RU" sz="2000" b="1" dirty="0" smtClean="0">
-              <a:solidFill>
-                <a:srgbClr val="7030A0"/>
-              </a:solidFill>
-            </a:endParaRPr>
-          </a:p>
-          <a:p>
             <a:endParaRPr lang="ru-RU" sz="2000" b="1" dirty="0">
               <a:solidFill>
                 <a:srgbClr val="7030A0"/>
@@ -8945,24 +8689,61 @@
             </a:endParaRPr>
           </a:p>
           <a:p>
+            <a:endParaRPr lang="en-US" sz="2000" b="1" dirty="0">
+              <a:solidFill>
+                <a:srgbClr val="7030A0"/>
+              </a:solidFill>
+            </a:endParaRPr>
+          </a:p>
+          <a:p>
+            <a:endParaRPr lang="ru-RU" sz="2000" b="1" dirty="0">
+              <a:solidFill>
+                <a:srgbClr val="7030A0"/>
+              </a:solidFill>
+            </a:endParaRPr>
+          </a:p>
+          <a:p>
             <a:r>
               <a:rPr lang="ru-RU" sz="2000" b="1" dirty="0">
                 <a:solidFill>
                   <a:srgbClr val="7030A0"/>
                 </a:solidFill>
               </a:rPr>
-              <a:t>Разделённая </a:t>
+              <a:t>Разделённая разность 2 порядка:</a:t>
+            </a:r>
+          </a:p>
+          <a:p>
+            <a:endParaRPr lang="en-US" sz="2000" b="1" dirty="0">
+              <a:solidFill>
+                <a:srgbClr val="7030A0"/>
+              </a:solidFill>
+            </a:endParaRPr>
+          </a:p>
+          <a:p>
+            <a:endParaRPr lang="ru-RU" sz="2000" b="1" dirty="0">
+              <a:solidFill>
+                <a:srgbClr val="7030A0"/>
+              </a:solidFill>
+            </a:endParaRPr>
+          </a:p>
+          <a:p>
+            <a:endParaRPr lang="ru-RU" sz="2000" b="1" dirty="0">
+              <a:solidFill>
+                <a:srgbClr val="7030A0"/>
+              </a:solidFill>
+            </a:endParaRPr>
+          </a:p>
+          <a:p>
+            <a:r>
+              <a:rPr lang="ru-RU" sz="2000" b="1" dirty="0">
+                <a:solidFill>
+                  <a:srgbClr val="7030A0"/>
+                </a:solidFill>
+              </a:rPr>
+              <a:t>Разделённая разность порядка </a:t>
             </a:r>
             <a:r>
-              <a:rPr lang="ru-RU" sz="2000" b="1" dirty="0" smtClean="0">
-                <a:solidFill>
-                  <a:srgbClr val="7030A0"/>
-                </a:solidFill>
-              </a:rPr>
-              <a:t>разность порядка </a:t>
-            </a:r>
-            <a:r>
-              <a:rPr lang="en-US" sz="2000" b="1" i="1" dirty="0" smtClean="0">
+              <a:rPr lang="en-US" sz="2000" b="1" i="1" dirty="0">
                 <a:solidFill>
                   <a:srgbClr val="7030A0"/>
                 </a:solidFill>
@@ -8972,14 +8753,14 @@
               <a:t>m</a:t>
             </a:r>
             <a:r>
-              <a:rPr lang="en-US" sz="2000" b="1" dirty="0" smtClean="0">
+              <a:rPr lang="en-US" sz="2000" b="1" dirty="0">
                 <a:solidFill>
                   <a:srgbClr val="7030A0"/>
                 </a:solidFill>
               </a:rPr>
               <a:t>:</a:t>
             </a:r>
-            <a:endParaRPr lang="ru-RU" sz="2000" b="1" dirty="0" smtClean="0">
+            <a:endParaRPr lang="ru-RU" sz="2000" b="1" dirty="0">
               <a:solidFill>
                 <a:srgbClr val="7030A0"/>
               </a:solidFill>
@@ -9198,12 +8979,12 @@
           <a:graphicData uri="http://schemas.openxmlformats.org/presentationml/2006/ole">
             <mc:AlternateContent xmlns:mc="http://schemas.openxmlformats.org/markup-compatibility/2006">
               <mc:Choice xmlns:v="urn:schemas-microsoft-com:vml" Requires="v">
-                <p:oleObj spid="_x0000_s55321" name="Формула" r:id="rId4" imgW="914400" imgH="495000" progId="Equation.3">
+                <p:oleObj name="Формула" r:id="rId3" imgW="914400" imgH="495000" progId="Equation.3">
                   <p:embed/>
                 </p:oleObj>
               </mc:Choice>
               <mc:Fallback>
-                <p:oleObj name="Формула" r:id="rId4" imgW="914400" imgH="495000" progId="Equation.3">
+                <p:oleObj name="Формула" r:id="rId3" imgW="914400" imgH="495000" progId="Equation.3">
                   <p:embed/>
                   <p:pic>
                     <p:nvPicPr>
@@ -9214,7 +8995,7 @@
                       <p:nvPr/>
                     </p:nvPicPr>
                     <p:blipFill>
-                      <a:blip r:embed="rId5"/>
+                      <a:blip r:embed="rId4"/>
                       <a:srcRect/>
                       <a:stretch>
                         <a:fillRect/>
@@ -9322,12 +9103,12 @@
           <a:graphicData uri="http://schemas.openxmlformats.org/presentationml/2006/ole">
             <mc:AlternateContent xmlns:mc="http://schemas.openxmlformats.org/markup-compatibility/2006">
               <mc:Choice xmlns:v="urn:schemas-microsoft-com:vml" Requires="v">
-                <p:oleObj spid="_x0000_s55322" name="Формула" r:id="rId6" imgW="1155600" imgH="507960" progId="Equation.3">
+                <p:oleObj name="Формула" r:id="rId5" imgW="1155600" imgH="507960" progId="Equation.3">
                   <p:embed/>
                 </p:oleObj>
               </mc:Choice>
               <mc:Fallback>
-                <p:oleObj name="Формула" r:id="rId6" imgW="1155600" imgH="507960" progId="Equation.3">
+                <p:oleObj name="Формула" r:id="rId5" imgW="1155600" imgH="507960" progId="Equation.3">
                   <p:embed/>
                   <p:pic>
                     <p:nvPicPr>
@@ -9338,7 +9119,7 @@
                       <p:nvPr/>
                     </p:nvPicPr>
                     <p:blipFill>
-                      <a:blip r:embed="rId7"/>
+                      <a:blip r:embed="rId6"/>
                       <a:srcRect/>
                       <a:stretch>
                         <a:fillRect/>
@@ -9392,12 +9173,12 @@
           <a:graphicData uri="http://schemas.openxmlformats.org/presentationml/2006/ole">
             <mc:AlternateContent xmlns:mc="http://schemas.openxmlformats.org/markup-compatibility/2006">
               <mc:Choice xmlns:v="urn:schemas-microsoft-com:vml" Requires="v">
-                <p:oleObj spid="_x0000_s55323" name="Формула" r:id="rId8" imgW="965160" imgH="507960" progId="Equation.3">
+                <p:oleObj name="Формула" r:id="rId7" imgW="965160" imgH="507960" progId="Equation.3">
                   <p:embed/>
                 </p:oleObj>
               </mc:Choice>
               <mc:Fallback>
-                <p:oleObj name="Формула" r:id="rId8" imgW="965160" imgH="507960" progId="Equation.3">
+                <p:oleObj name="Формула" r:id="rId7" imgW="965160" imgH="507960" progId="Equation.3">
                   <p:embed/>
                   <p:pic>
                     <p:nvPicPr>
@@ -9408,7 +9189,7 @@
                       <p:nvPr/>
                     </p:nvPicPr>
                     <p:blipFill>
-                      <a:blip r:embed="rId9"/>
+                      <a:blip r:embed="rId8"/>
                       <a:srcRect/>
                       <a:stretch>
                         <a:fillRect/>
@@ -9463,13 +9244,6 @@
   <p:clrMapOvr>
     <a:masterClrMapping/>
   </p:clrMapOvr>
-  <p:timing>
-    <p:tnLst>
-      <p:par>
-        <p:cTn id="1" dur="indefinite" restart="never" nodeType="tmRoot"/>
-      </p:par>
-    </p:tnLst>
-  </p:timing>
 </p:sld>
 </file>
 
@@ -9514,7 +9288,7 @@
           <a:p>
             <a:pPr algn="ctr"/>
             <a:r>
-              <a:rPr lang="ru-RU" sz="3600" b="1" dirty="0" smtClean="0">
+              <a:rPr lang="ru-RU" sz="3600" b="1" dirty="0">
                 <a:ln w="9000" cmpd="sng">
                   <a:solidFill>
                     <a:schemeClr val="accent4">
@@ -9982,13 +9756,6 @@
   <p:clrMapOvr>
     <a:masterClrMapping/>
   </p:clrMapOvr>
-  <p:timing>
-    <p:tnLst>
-      <p:par>
-        <p:cTn id="1" dur="indefinite" restart="never" nodeType="tmRoot"/>
-      </p:par>
-    </p:tnLst>
-  </p:timing>
 </p:sld>
 </file>
 
@@ -10032,7 +9799,7 @@
           <a:lstStyle/>
           <a:p>
             <a:r>
-              <a:rPr lang="ru-RU" sz="2000" b="1" dirty="0" smtClean="0">
+              <a:rPr lang="ru-RU" sz="2000" b="1" dirty="0">
                 <a:solidFill>
                   <a:srgbClr val="7030A0"/>
                 </a:solidFill>
@@ -10040,27 +9807,13 @@
               <a:t>В свёрнутом общем виде</a:t>
             </a:r>
             <a:r>
-              <a:rPr lang="en-US" sz="2000" b="1" dirty="0" smtClean="0">
+              <a:rPr lang="en-US" sz="2000" b="1" dirty="0">
                 <a:solidFill>
                   <a:srgbClr val="7030A0"/>
                 </a:solidFill>
               </a:rPr>
               <a:t>:</a:t>
             </a:r>
-            <a:endParaRPr lang="ru-RU" sz="2000" b="1" dirty="0" smtClean="0">
-              <a:solidFill>
-                <a:srgbClr val="7030A0"/>
-              </a:solidFill>
-            </a:endParaRPr>
-          </a:p>
-          <a:p>
-            <a:endParaRPr lang="ru-RU" sz="2000" b="1" dirty="0" smtClean="0">
-              <a:solidFill>
-                <a:srgbClr val="7030A0"/>
-              </a:solidFill>
-            </a:endParaRPr>
-          </a:p>
-          <a:p>
             <a:endParaRPr lang="ru-RU" sz="2000" b="1" dirty="0">
               <a:solidFill>
                 <a:srgbClr val="7030A0"/>
@@ -10075,8 +9828,22 @@
             </a:endParaRPr>
           </a:p>
           <a:p>
+            <a:endParaRPr lang="ru-RU" sz="2000" b="1" dirty="0">
+              <a:solidFill>
+                <a:srgbClr val="7030A0"/>
+              </a:solidFill>
+            </a:endParaRPr>
+          </a:p>
+          <a:p>
+            <a:endParaRPr lang="ru-RU" sz="2000" b="1" dirty="0">
+              <a:solidFill>
+                <a:srgbClr val="7030A0"/>
+              </a:solidFill>
+            </a:endParaRPr>
+          </a:p>
+          <a:p>
             <a:r>
-              <a:rPr lang="ru-RU" sz="2000" b="1" dirty="0" smtClean="0">
+              <a:rPr lang="ru-RU" sz="2000" b="1" dirty="0">
                 <a:solidFill>
                   <a:srgbClr val="7030A0"/>
                 </a:solidFill>
@@ -10085,7 +9852,7 @@
             </a:r>
           </a:p>
           <a:p>
-            <a:endParaRPr lang="en-US" sz="2000" b="1" dirty="0" smtClean="0">
+            <a:endParaRPr lang="en-US" sz="2000" b="1" dirty="0">
               <a:solidFill>
                 <a:srgbClr val="7030A0"/>
               </a:solidFill>
@@ -10100,7 +9867,7 @@
           </a:p>
           <a:p>
             <a:r>
-              <a:rPr lang="ru-RU" sz="2000" b="1" dirty="0" smtClean="0">
+              <a:rPr lang="ru-RU" sz="2000" b="1" dirty="0">
                 <a:solidFill>
                   <a:srgbClr val="7030A0"/>
                 </a:solidFill>
@@ -10108,14 +9875,14 @@
               <a:t>Формула Ньютона для полинома 2 степени</a:t>
             </a:r>
             <a:r>
-              <a:rPr lang="en-US" sz="2000" b="1" dirty="0" smtClean="0">
+              <a:rPr lang="en-US" sz="2000" b="1" dirty="0">
                 <a:solidFill>
                   <a:srgbClr val="7030A0"/>
                 </a:solidFill>
               </a:rPr>
               <a:t>:</a:t>
             </a:r>
-            <a:endParaRPr lang="ru-RU" sz="2000" b="1" dirty="0" smtClean="0">
+            <a:endParaRPr lang="ru-RU" sz="2000" b="1" dirty="0">
               <a:solidFill>
                 <a:srgbClr val="7030A0"/>
               </a:solidFill>
@@ -10147,7 +9914,7 @@
           <a:p>
             <a:pPr algn="ctr"/>
             <a:r>
-              <a:rPr lang="ru-RU" sz="3600" b="1" dirty="0" smtClean="0">
+              <a:rPr lang="ru-RU" sz="3600" b="1" dirty="0">
                 <a:ln w="9000" cmpd="sng">
                   <a:solidFill>
                     <a:schemeClr val="accent4">
@@ -10637,7 +10404,7 @@
           <a:lstStyle/>
           <a:p>
             <a:r>
-              <a:rPr lang="ru-RU" sz="2000" b="1" dirty="0" smtClean="0">
+              <a:rPr lang="ru-RU" sz="2000" b="1" dirty="0">
                 <a:solidFill>
                   <a:srgbClr val="7030A0"/>
                 </a:solidFill>
@@ -10645,7 +10412,7 @@
               <a:t>Для параметрической идентификации математической модели по интерполяционной формуле Ньютона степени </a:t>
             </a:r>
             <a:r>
-              <a:rPr lang="en-US" sz="2000" b="1" i="1" dirty="0" smtClean="0">
+              <a:rPr lang="en-US" sz="2000" b="1" i="1" dirty="0">
                 <a:solidFill>
                   <a:srgbClr val="7030A0"/>
                 </a:solidFill>
@@ -10655,7 +10422,7 @@
               <a:t>m</a:t>
             </a:r>
             <a:r>
-              <a:rPr lang="ru-RU" sz="2000" b="1" dirty="0" smtClean="0">
+              <a:rPr lang="ru-RU" sz="2000" b="1" dirty="0">
                 <a:solidFill>
                   <a:srgbClr val="7030A0"/>
                 </a:solidFill>
@@ -10663,7 +10430,7 @@
               <a:t> требуются нулевые разделённые разности вплоть до порядка </a:t>
             </a:r>
             <a:r>
-              <a:rPr lang="en-US" sz="2000" b="1" i="1" dirty="0" smtClean="0">
+              <a:rPr lang="en-US" sz="2000" b="1" i="1" dirty="0">
                 <a:solidFill>
                   <a:srgbClr val="7030A0"/>
                 </a:solidFill>
@@ -10673,7 +10440,7 @@
               <a:t>m</a:t>
             </a:r>
             <a:r>
-              <a:rPr lang="ru-RU" sz="2000" b="1" dirty="0" smtClean="0">
+              <a:rPr lang="ru-RU" sz="2000" b="1" dirty="0">
                 <a:solidFill>
                   <a:srgbClr val="7030A0"/>
                 </a:solidFill>
@@ -10681,7 +10448,7 @@
               <a:t>,</a:t>
             </a:r>
             <a:r>
-              <a:rPr lang="en-US" sz="2000" b="1" dirty="0" smtClean="0">
+              <a:rPr lang="en-US" sz="2000" b="1" dirty="0">
                 <a:solidFill>
                   <a:srgbClr val="7030A0"/>
                 </a:solidFill>
@@ -10689,7 +10456,7 @@
               <a:t> </a:t>
             </a:r>
             <a:r>
-              <a:rPr lang="ru-RU" sz="2000" b="1" dirty="0" smtClean="0">
+              <a:rPr lang="ru-RU" sz="2000" b="1" dirty="0">
                 <a:solidFill>
                   <a:srgbClr val="7030A0"/>
                 </a:solidFill>
@@ -10697,7 +10464,7 @@
               <a:t>полученные с использованием </a:t>
             </a:r>
             <a:r>
-              <a:rPr lang="en-US" sz="2000" b="1" i="1" dirty="0" smtClean="0">
+              <a:rPr lang="en-US" sz="2000" b="1" i="1" dirty="0">
                 <a:solidFill>
                   <a:srgbClr val="7030A0"/>
                 </a:solidFill>
@@ -10707,7 +10474,7 @@
               <a:t>m</a:t>
             </a:r>
             <a:r>
-              <a:rPr lang="ru-RU" sz="2000" b="1" dirty="0" smtClean="0">
+              <a:rPr lang="ru-RU" sz="2000" b="1" dirty="0">
                 <a:solidFill>
                   <a:srgbClr val="7030A0"/>
                 </a:solidFill>
@@ -10717,7 +10484,7 @@
               <a:t>+1</a:t>
             </a:r>
             <a:r>
-              <a:rPr lang="en-US" sz="2000" b="1" dirty="0" smtClean="0">
+              <a:rPr lang="en-US" sz="2000" b="1" dirty="0">
                 <a:solidFill>
                   <a:srgbClr val="7030A0"/>
                 </a:solidFill>
@@ -10725,7 +10492,7 @@
               <a:t> </a:t>
             </a:r>
             <a:r>
-              <a:rPr lang="ru-RU" sz="2000" b="1" dirty="0" smtClean="0">
+              <a:rPr lang="ru-RU" sz="2000" b="1" dirty="0">
                 <a:solidFill>
                   <a:srgbClr val="7030A0"/>
                 </a:solidFill>
@@ -10807,7 +10574,7 @@
           <p:nvPr/>
         </p:nvPicPr>
         <p:blipFill>
-          <a:blip r:embed="rId4">
+          <a:blip r:embed="rId3">
             <a:extLst>
               <a:ext uri="{28A0092B-C50C-407E-A947-70E740481C1C}">
                 <a14:useLocalDpi xmlns:a14="http://schemas.microsoft.com/office/drawing/2010/main" val="0"/>
@@ -10937,12 +10704,12 @@
           <a:graphicData uri="http://schemas.openxmlformats.org/presentationml/2006/ole">
             <mc:AlternateContent xmlns:mc="http://schemas.openxmlformats.org/markup-compatibility/2006">
               <mc:Choice xmlns:v="urn:schemas-microsoft-com:vml" Requires="v">
-                <p:oleObj spid="_x0000_s56347" name="Формула" r:id="rId5" imgW="2361960" imgH="469800" progId="Equation.3">
+                <p:oleObj name="Формула" r:id="rId4" imgW="2361960" imgH="469800" progId="Equation.3">
                   <p:embed/>
                 </p:oleObj>
               </mc:Choice>
               <mc:Fallback>
-                <p:oleObj name="Формула" r:id="rId5" imgW="2361960" imgH="469800" progId="Equation.3">
+                <p:oleObj name="Формула" r:id="rId4" imgW="2361960" imgH="469800" progId="Equation.3">
                   <p:embed/>
                   <p:pic>
                     <p:nvPicPr>
@@ -10953,7 +10720,7 @@
                       <p:nvPr/>
                     </p:nvPicPr>
                     <p:blipFill>
-                      <a:blip r:embed="rId6"/>
+                      <a:blip r:embed="rId5"/>
                       <a:srcRect/>
                       <a:stretch>
                         <a:fillRect/>
@@ -11007,12 +10774,12 @@
           <a:graphicData uri="http://schemas.openxmlformats.org/presentationml/2006/ole">
             <mc:AlternateContent xmlns:mc="http://schemas.openxmlformats.org/markup-compatibility/2006">
               <mc:Choice xmlns:v="urn:schemas-microsoft-com:vml" Requires="v">
-                <p:oleObj spid="_x0000_s56348" name="Формула" r:id="rId7" imgW="3390840" imgH="253800" progId="Equation.3">
+                <p:oleObj name="Формула" r:id="rId6" imgW="3390840" imgH="253800" progId="Equation.3">
                   <p:embed/>
                 </p:oleObj>
               </mc:Choice>
               <mc:Fallback>
-                <p:oleObj name="Формула" r:id="rId7" imgW="3390840" imgH="253800" progId="Equation.3">
+                <p:oleObj name="Формула" r:id="rId6" imgW="3390840" imgH="253800" progId="Equation.3">
                   <p:embed/>
                   <p:pic>
                     <p:nvPicPr>
@@ -11023,7 +10790,7 @@
                       <p:nvPr/>
                     </p:nvPicPr>
                     <p:blipFill>
-                      <a:blip r:embed="rId8"/>
+                      <a:blip r:embed="rId7"/>
                       <a:srcRect/>
                       <a:stretch>
                         <a:fillRect/>
@@ -11153,12 +10920,12 @@
           <a:graphicData uri="http://schemas.openxmlformats.org/presentationml/2006/ole">
             <mc:AlternateContent xmlns:mc="http://schemas.openxmlformats.org/markup-compatibility/2006">
               <mc:Choice xmlns:v="urn:schemas-microsoft-com:vml" Requires="v">
-                <p:oleObj spid="_x0000_s56349" name="Формула" r:id="rId9" imgW="5918040" imgH="253800" progId="Equation.3">
+                <p:oleObj name="Формула" r:id="rId8" imgW="5918040" imgH="253800" progId="Equation.3">
                   <p:embed/>
                 </p:oleObj>
               </mc:Choice>
               <mc:Fallback>
-                <p:oleObj name="Формула" r:id="rId9" imgW="5918040" imgH="253800" progId="Equation.3">
+                <p:oleObj name="Формула" r:id="rId8" imgW="5918040" imgH="253800" progId="Equation.3">
                   <p:embed/>
                   <p:pic>
                     <p:nvPicPr>
@@ -11169,7 +10936,7 @@
                       <p:nvPr/>
                     </p:nvPicPr>
                     <p:blipFill>
-                      <a:blip r:embed="rId10"/>
+                      <a:blip r:embed="rId9"/>
                       <a:srcRect/>
                       <a:stretch>
                         <a:fillRect/>
@@ -11202,13 +10969,6 @@
   <p:clrMapOvr>
     <a:masterClrMapping/>
   </p:clrMapOvr>
-  <p:timing>
-    <p:tnLst>
-      <p:par>
-        <p:cTn id="1" dur="indefinite" restart="never" nodeType="tmRoot"/>
-      </p:par>
-    </p:tnLst>
-  </p:timing>
 </p:sld>
 </file>
 
@@ -11253,7 +11013,7 @@
           <a:p>
             <a:pPr algn="ctr"/>
             <a:r>
-              <a:rPr lang="ru-RU" sz="3600" b="1" dirty="0" smtClean="0">
+              <a:rPr lang="ru-RU" sz="3600" b="1" dirty="0">
                 <a:ln w="9000" cmpd="sng">
                   <a:solidFill>
                     <a:schemeClr val="accent4">
@@ -11743,7 +11503,7 @@
           <a:lstStyle/>
           <a:p>
             <a:r>
-              <a:rPr lang="ru-RU" sz="2000" b="1" dirty="0" smtClean="0">
+              <a:rPr lang="ru-RU" sz="2000" b="1" dirty="0">
                 <a:solidFill>
                   <a:srgbClr val="7030A0"/>
                 </a:solidFill>
@@ -11771,40 +11531,12 @@
               <a:t>+1</a:t>
             </a:r>
             <a:r>
-              <a:rPr lang="ru-RU" sz="2000" b="1" dirty="0" smtClean="0">
+              <a:rPr lang="ru-RU" sz="2000" b="1" dirty="0">
                 <a:solidFill>
                   <a:srgbClr val="7030A0"/>
                 </a:solidFill>
               </a:rPr>
               <a:t> узлов интерполяции для расчёта коэффициентов полинома степени </a:t>
-            </a:r>
-            <a:r>
-              <a:rPr lang="en-US" sz="2000" b="1" i="1" dirty="0" smtClean="0">
-                <a:solidFill>
-                  <a:srgbClr val="7030A0"/>
-                </a:solidFill>
-                <a:latin typeface="Times New Roman" panose="02020603050405020304" pitchFamily="18" charset="0"/>
-                <a:cs typeface="Times New Roman" panose="02020603050405020304" pitchFamily="18" charset="0"/>
-              </a:rPr>
-              <a:t>m</a:t>
-            </a:r>
-            <a:r>
-              <a:rPr lang="ru-RU" sz="2000" b="1" dirty="0" smtClean="0">
-                <a:solidFill>
-                  <a:srgbClr val="7030A0"/>
-                </a:solidFill>
-              </a:rPr>
-              <a:t>.</a:t>
-            </a:r>
-          </a:p>
-          <a:p>
-            <a:r>
-              <a:rPr lang="ru-RU" sz="2000" b="1" dirty="0" smtClean="0">
-                <a:solidFill>
-                  <a:srgbClr val="7030A0"/>
-                </a:solidFill>
-              </a:rPr>
-              <a:t>2. Составляется система из </a:t>
             </a:r>
             <a:r>
               <a:rPr lang="en-US" sz="2000" b="1" i="1" dirty="0">
@@ -11821,18 +11553,18 @@
                 <a:solidFill>
                   <a:srgbClr val="7030A0"/>
                 </a:solidFill>
-                <a:latin typeface="Times New Roman" panose="02020603050405020304" pitchFamily="18" charset="0"/>
-                <a:cs typeface="Times New Roman" panose="02020603050405020304" pitchFamily="18" charset="0"/>
               </a:rPr>
-              <a:t>+1</a:t>
+              <a:t>.</a:t>
             </a:r>
+          </a:p>
+          <a:p>
             <a:r>
-              <a:rPr lang="ru-RU" sz="2000" b="1" dirty="0" smtClean="0">
+              <a:rPr lang="ru-RU" sz="2000" b="1" dirty="0">
                 <a:solidFill>
                   <a:srgbClr val="7030A0"/>
                 </a:solidFill>
               </a:rPr>
-              <a:t> линейных уравнений с </a:t>
+              <a:t>2. Составляется система из </a:t>
             </a:r>
             <a:r>
               <a:rPr lang="en-US" sz="2000" b="1" i="1" dirty="0">
@@ -11855,7 +11587,35 @@
               <a:t>+1</a:t>
             </a:r>
             <a:r>
-              <a:rPr lang="ru-RU" sz="2000" b="1" dirty="0" smtClean="0">
+              <a:rPr lang="ru-RU" sz="2000" b="1" dirty="0">
+                <a:solidFill>
+                  <a:srgbClr val="7030A0"/>
+                </a:solidFill>
+              </a:rPr>
+              <a:t> линейных уравнений с </a:t>
+            </a:r>
+            <a:r>
+              <a:rPr lang="en-US" sz="2000" b="1" i="1" dirty="0">
+                <a:solidFill>
+                  <a:srgbClr val="7030A0"/>
+                </a:solidFill>
+                <a:latin typeface="Times New Roman" panose="02020603050405020304" pitchFamily="18" charset="0"/>
+                <a:cs typeface="Times New Roman" panose="02020603050405020304" pitchFamily="18" charset="0"/>
+              </a:rPr>
+              <a:t>m</a:t>
+            </a:r>
+            <a:r>
+              <a:rPr lang="ru-RU" sz="2000" b="1" dirty="0">
+                <a:solidFill>
+                  <a:srgbClr val="7030A0"/>
+                </a:solidFill>
+                <a:latin typeface="Times New Roman" panose="02020603050405020304" pitchFamily="18" charset="0"/>
+                <a:cs typeface="Times New Roman" panose="02020603050405020304" pitchFamily="18" charset="0"/>
+              </a:rPr>
+              <a:t>+1</a:t>
+            </a:r>
+            <a:r>
+              <a:rPr lang="ru-RU" sz="2000" b="1" dirty="0">
                 <a:solidFill>
                   <a:srgbClr val="7030A0"/>
                 </a:solidFill>
@@ -12076,12 +11836,12 @@
           <a:graphicData uri="http://schemas.openxmlformats.org/presentationml/2006/ole">
             <mc:AlternateContent xmlns:mc="http://schemas.openxmlformats.org/markup-compatibility/2006">
               <mc:Choice xmlns:v="urn:schemas-microsoft-com:vml" Requires="v">
-                <p:oleObj spid="_x0000_s57347" name="Уравнение" r:id="rId4" imgW="2489040" imgH="1041120" progId="Equation.3">
+                <p:oleObj name="Уравнение" r:id="rId3" imgW="2489040" imgH="1041120" progId="Equation.3">
                   <p:embed/>
                 </p:oleObj>
               </mc:Choice>
               <mc:Fallback>
-                <p:oleObj name="Уравнение" r:id="rId4" imgW="2489040" imgH="1041120" progId="Equation.3">
+                <p:oleObj name="Уравнение" r:id="rId3" imgW="2489040" imgH="1041120" progId="Equation.3">
                   <p:embed/>
                   <p:pic>
                     <p:nvPicPr>
@@ -12092,7 +11852,7 @@
                       <p:nvPr/>
                     </p:nvPicPr>
                     <p:blipFill>
-                      <a:blip r:embed="rId5"/>
+                      <a:blip r:embed="rId4"/>
                       <a:srcRect/>
                       <a:stretch>
                         <a:fillRect/>
@@ -12147,13 +11907,55 @@
             <a:tbl>
               <a:tblPr/>
               <a:tblGrid>
-                <a:gridCol w="590016"/>
-                <a:gridCol w="590015"/>
-                <a:gridCol w="590016"/>
-                <a:gridCol w="588507"/>
-                <a:gridCol w="590015"/>
-                <a:gridCol w="590016"/>
-                <a:gridCol w="590015"/>
+                <a:gridCol w="590016">
+                  <a:extLst>
+                    <a:ext uri="{9D8B030D-6E8A-4147-A177-3AD203B41FA5}">
+                      <a16:colId xmlns:a16="http://schemas.microsoft.com/office/drawing/2014/main" val="20000"/>
+                    </a:ext>
+                  </a:extLst>
+                </a:gridCol>
+                <a:gridCol w="590015">
+                  <a:extLst>
+                    <a:ext uri="{9D8B030D-6E8A-4147-A177-3AD203B41FA5}">
+                      <a16:colId xmlns:a16="http://schemas.microsoft.com/office/drawing/2014/main" val="20001"/>
+                    </a:ext>
+                  </a:extLst>
+                </a:gridCol>
+                <a:gridCol w="590016">
+                  <a:extLst>
+                    <a:ext uri="{9D8B030D-6E8A-4147-A177-3AD203B41FA5}">
+                      <a16:colId xmlns:a16="http://schemas.microsoft.com/office/drawing/2014/main" val="20002"/>
+                    </a:ext>
+                  </a:extLst>
+                </a:gridCol>
+                <a:gridCol w="588507">
+                  <a:extLst>
+                    <a:ext uri="{9D8B030D-6E8A-4147-A177-3AD203B41FA5}">
+                      <a16:colId xmlns:a16="http://schemas.microsoft.com/office/drawing/2014/main" val="20003"/>
+                    </a:ext>
+                  </a:extLst>
+                </a:gridCol>
+                <a:gridCol w="590015">
+                  <a:extLst>
+                    <a:ext uri="{9D8B030D-6E8A-4147-A177-3AD203B41FA5}">
+                      <a16:colId xmlns:a16="http://schemas.microsoft.com/office/drawing/2014/main" val="20004"/>
+                    </a:ext>
+                  </a:extLst>
+                </a:gridCol>
+                <a:gridCol w="590016">
+                  <a:extLst>
+                    <a:ext uri="{9D8B030D-6E8A-4147-A177-3AD203B41FA5}">
+                      <a16:colId xmlns:a16="http://schemas.microsoft.com/office/drawing/2014/main" val="20005"/>
+                    </a:ext>
+                  </a:extLst>
+                </a:gridCol>
+                <a:gridCol w="590015">
+                  <a:extLst>
+                    <a:ext uri="{9D8B030D-6E8A-4147-A177-3AD203B41FA5}">
+                      <a16:colId xmlns:a16="http://schemas.microsoft.com/office/drawing/2014/main" val="20006"/>
+                    </a:ext>
+                  </a:extLst>
+                </a:gridCol>
               </a:tblGrid>
               <a:tr h="390699">
                 <a:tc>
@@ -12290,7 +12092,7 @@
                         <a:tabLst/>
                       </a:pPr>
                       <a:r>
-                        <a:rPr kumimoji="0" lang="en-US" altLang="ru-RU" sz="1600" b="1" i="1" u="none" strike="noStrike" cap="none" normalizeH="0" baseline="0" dirty="0" err="1" smtClean="0">
+                        <a:rPr kumimoji="0" lang="en-US" altLang="ru-RU" sz="1600" b="1" i="1" u="none" strike="noStrike" cap="none" normalizeH="0" baseline="0" dirty="0" err="1">
                           <a:ln>
                             <a:noFill/>
                           </a:ln>
@@ -12302,7 +12104,7 @@
                         </a:rPr>
                         <a:t>i</a:t>
                       </a:r>
-                      <a:endParaRPr kumimoji="0" lang="ru-RU" altLang="ru-RU" sz="1600" b="1" i="1" u="none" strike="noStrike" cap="none" normalizeH="0" baseline="0" dirty="0" smtClean="0">
+                      <a:endParaRPr kumimoji="0" lang="ru-RU" altLang="ru-RU" sz="1600" b="1" i="1" u="none" strike="noStrike" cap="none" normalizeH="0" baseline="0" dirty="0">
                         <a:ln>
                           <a:noFill/>
                         </a:ln>
@@ -12494,7 +12296,7 @@
                         <a:tabLst/>
                       </a:pPr>
                       <a:r>
-                        <a:rPr kumimoji="0" lang="en-US" altLang="ru-RU" sz="1600" b="1" i="0" u="none" strike="noStrike" cap="none" normalizeH="0" baseline="0" dirty="0" smtClean="0">
+                        <a:rPr kumimoji="0" lang="en-US" altLang="ru-RU" sz="1600" b="1" i="0" u="none" strike="noStrike" cap="none" normalizeH="0" baseline="0" dirty="0">
                           <a:ln>
                             <a:noFill/>
                           </a:ln>
@@ -12506,7 +12308,7 @@
                         </a:rPr>
                         <a:t>0</a:t>
                       </a:r>
-                      <a:endParaRPr kumimoji="0" lang="ru-RU" altLang="ru-RU" sz="1600" b="1" i="0" u="none" strike="noStrike" cap="none" normalizeH="0" baseline="0" dirty="0" smtClean="0">
+                      <a:endParaRPr kumimoji="0" lang="ru-RU" altLang="ru-RU" sz="1600" b="1" i="0" u="none" strike="noStrike" cap="none" normalizeH="0" baseline="0" dirty="0">
                         <a:ln>
                           <a:noFill/>
                         </a:ln>
@@ -12698,7 +12500,7 @@
                         <a:tabLst/>
                       </a:pPr>
                       <a:r>
-                        <a:rPr kumimoji="0" lang="en-US" altLang="ru-RU" sz="1600" b="1" i="0" u="none" strike="noStrike" cap="none" normalizeH="0" baseline="0" dirty="0" smtClean="0">
+                        <a:rPr kumimoji="0" lang="en-US" altLang="ru-RU" sz="1600" b="1" i="0" u="none" strike="noStrike" cap="none" normalizeH="0" baseline="0" dirty="0">
                           <a:ln>
                             <a:noFill/>
                           </a:ln>
@@ -12710,7 +12512,7 @@
                         </a:rPr>
                         <a:t>1</a:t>
                       </a:r>
-                      <a:endParaRPr kumimoji="0" lang="ru-RU" altLang="ru-RU" sz="1600" b="1" i="0" u="none" strike="noStrike" cap="none" normalizeH="0" baseline="0" dirty="0" smtClean="0">
+                      <a:endParaRPr kumimoji="0" lang="ru-RU" altLang="ru-RU" sz="1600" b="1" i="0" u="none" strike="noStrike" cap="none" normalizeH="0" baseline="0" dirty="0">
                         <a:ln>
                           <a:noFill/>
                         </a:ln>
@@ -12902,7 +12704,7 @@
                         <a:tabLst/>
                       </a:pPr>
                       <a:r>
-                        <a:rPr kumimoji="0" lang="en-US" altLang="ru-RU" sz="1600" b="1" i="0" u="none" strike="noStrike" cap="none" normalizeH="0" baseline="0" smtClean="0">
+                        <a:rPr kumimoji="0" lang="en-US" altLang="ru-RU" sz="1600" b="1" i="0" u="none" strike="noStrike" cap="none" normalizeH="0" baseline="0">
                           <a:ln>
                             <a:noFill/>
                           </a:ln>
@@ -12914,7 +12716,7 @@
                         </a:rPr>
                         <a:t>...</a:t>
                       </a:r>
-                      <a:endParaRPr kumimoji="0" lang="ru-RU" altLang="ru-RU" sz="1600" b="1" i="0" u="none" strike="noStrike" cap="none" normalizeH="0" baseline="0" smtClean="0">
+                      <a:endParaRPr kumimoji="0" lang="ru-RU" altLang="ru-RU" sz="1600" b="1" i="0" u="none" strike="noStrike" cap="none" normalizeH="0" baseline="0">
                         <a:ln>
                           <a:noFill/>
                         </a:ln>
@@ -13106,7 +12908,7 @@
                         <a:tabLst/>
                       </a:pPr>
                       <a:r>
-                        <a:rPr kumimoji="0" lang="en-US" altLang="ru-RU" sz="1600" b="1" i="1" u="none" strike="noStrike" cap="none" normalizeH="0" baseline="0" dirty="0" err="1" smtClean="0">
+                        <a:rPr kumimoji="0" lang="en-US" altLang="ru-RU" sz="1600" b="1" i="1" u="none" strike="noStrike" cap="none" normalizeH="0" baseline="0" dirty="0" err="1">
                           <a:ln>
                             <a:noFill/>
                           </a:ln>
@@ -13118,7 +12920,7 @@
                         </a:rPr>
                         <a:t>i</a:t>
                       </a:r>
-                      <a:endParaRPr kumimoji="0" lang="ru-RU" altLang="ru-RU" sz="1600" b="1" i="1" u="none" strike="noStrike" cap="none" normalizeH="0" baseline="0" dirty="0" smtClean="0">
+                      <a:endParaRPr kumimoji="0" lang="ru-RU" altLang="ru-RU" sz="1600" b="1" i="1" u="none" strike="noStrike" cap="none" normalizeH="0" baseline="0" dirty="0">
                         <a:ln>
                           <a:noFill/>
                         </a:ln>
@@ -13310,7 +13112,7 @@
                         <a:tabLst/>
                       </a:pPr>
                       <a:r>
-                        <a:rPr kumimoji="0" lang="en-US" altLang="ru-RU" sz="1600" b="1" i="0" u="none" strike="noStrike" cap="none" normalizeH="0" baseline="0" smtClean="0">
+                        <a:rPr kumimoji="0" lang="en-US" altLang="ru-RU" sz="1600" b="1" i="0" u="none" strike="noStrike" cap="none" normalizeH="0" baseline="0">
                           <a:ln>
                             <a:noFill/>
                           </a:ln>
@@ -13322,7 +13124,7 @@
                         </a:rPr>
                         <a:t>...</a:t>
                       </a:r>
-                      <a:endParaRPr kumimoji="0" lang="ru-RU" altLang="ru-RU" sz="1600" b="1" i="0" u="none" strike="noStrike" cap="none" normalizeH="0" baseline="0" smtClean="0">
+                      <a:endParaRPr kumimoji="0" lang="ru-RU" altLang="ru-RU" sz="1600" b="1" i="0" u="none" strike="noStrike" cap="none" normalizeH="0" baseline="0">
                         <a:ln>
                           <a:noFill/>
                         </a:ln>
@@ -13514,7 +13316,7 @@
                         <a:tabLst/>
                       </a:pPr>
                       <a:r>
-                        <a:rPr kumimoji="0" lang="en-US" altLang="ru-RU" sz="1600" b="1" i="1" u="none" strike="noStrike" cap="none" normalizeH="0" baseline="0" dirty="0" smtClean="0">
+                        <a:rPr kumimoji="0" lang="en-US" altLang="ru-RU" sz="1600" b="1" i="1" u="none" strike="noStrike" cap="none" normalizeH="0" baseline="0" dirty="0">
                           <a:ln>
                             <a:noFill/>
                           </a:ln>
@@ -13526,7 +13328,7 @@
                         </a:rPr>
                         <a:t>m</a:t>
                       </a:r>
-                      <a:endParaRPr kumimoji="0" lang="ru-RU" altLang="ru-RU" sz="1600" b="1" i="1" u="none" strike="noStrike" cap="none" normalizeH="0" baseline="0" dirty="0" smtClean="0">
+                      <a:endParaRPr kumimoji="0" lang="ru-RU" altLang="ru-RU" sz="1600" b="1" i="1" u="none" strike="noStrike" cap="none" normalizeH="0" baseline="0" dirty="0">
                         <a:ln>
                           <a:noFill/>
                         </a:ln>
@@ -13584,6 +13386,11 @@
                     <a:noFill/>
                   </a:tcPr>
                 </a:tc>
+                <a:extLst>
+                  <a:ext uri="{0D108BD9-81ED-4DB2-BD59-A6C34878D82A}">
+                    <a16:rowId xmlns:a16="http://schemas.microsoft.com/office/drawing/2014/main" val="10000"/>
+                  </a:ext>
+                </a:extLst>
               </a:tr>
               <a:tr h="390699">
                 <a:tc>
@@ -13720,7 +13527,7 @@
                         <a:tabLst/>
                       </a:pPr>
                       <a:r>
-                        <a:rPr kumimoji="0" lang="en-US" altLang="ru-RU" sz="1600" b="1" i="1" u="none" strike="noStrike" cap="none" normalizeH="0" baseline="0" dirty="0" smtClean="0">
+                        <a:rPr kumimoji="0" lang="en-US" altLang="ru-RU" sz="1600" b="1" i="1" u="none" strike="noStrike" cap="none" normalizeH="0" baseline="0" dirty="0">
                           <a:ln>
                             <a:noFill/>
                           </a:ln>
@@ -13732,7 +13539,7 @@
                         </a:rPr>
                         <a:t>x</a:t>
                       </a:r>
-                      <a:endParaRPr kumimoji="0" lang="ru-RU" altLang="ru-RU" sz="1600" b="1" i="1" u="none" strike="noStrike" cap="none" normalizeH="0" baseline="0" dirty="0" smtClean="0">
+                      <a:endParaRPr kumimoji="0" lang="ru-RU" altLang="ru-RU" sz="1600" b="1" i="1" u="none" strike="noStrike" cap="none" normalizeH="0" baseline="0" dirty="0">
                         <a:ln>
                           <a:noFill/>
                         </a:ln>
@@ -13924,7 +13731,7 @@
                         <a:tabLst/>
                       </a:pPr>
                       <a:r>
-                        <a:rPr kumimoji="0" lang="en-US" altLang="ru-RU" sz="1600" b="1" i="1" u="none" strike="noStrike" cap="none" normalizeH="0" baseline="0" dirty="0" smtClean="0">
+                        <a:rPr kumimoji="0" lang="en-US" altLang="ru-RU" sz="1600" b="1" i="1" u="none" strike="noStrike" cap="none" normalizeH="0" baseline="0" dirty="0">
                           <a:ln>
                             <a:noFill/>
                           </a:ln>
@@ -13937,7 +13744,7 @@
                         <a:t>x</a:t>
                       </a:r>
                       <a:r>
-                        <a:rPr kumimoji="0" lang="en-US" altLang="ru-RU" sz="1600" b="1" i="0" u="none" strike="noStrike" cap="none" normalizeH="0" baseline="-25000" dirty="0" smtClean="0">
+                        <a:rPr kumimoji="0" lang="en-US" altLang="ru-RU" sz="1600" b="1" i="0" u="none" strike="noStrike" cap="none" normalizeH="0" baseline="-25000" dirty="0">
                           <a:ln>
                             <a:noFill/>
                           </a:ln>
@@ -13949,7 +13756,7 @@
                         </a:rPr>
                         <a:t>1</a:t>
                       </a:r>
-                      <a:endParaRPr kumimoji="0" lang="ru-RU" altLang="ru-RU" sz="1600" b="1" i="0" u="none" strike="noStrike" cap="none" normalizeH="0" baseline="-25000" dirty="0" smtClean="0">
+                      <a:endParaRPr kumimoji="0" lang="ru-RU" altLang="ru-RU" sz="1600" b="1" i="0" u="none" strike="noStrike" cap="none" normalizeH="0" baseline="-25000" dirty="0">
                         <a:ln>
                           <a:noFill/>
                         </a:ln>
@@ -14141,7 +13948,7 @@
                         <a:tabLst/>
                       </a:pPr>
                       <a:r>
-                        <a:rPr kumimoji="0" lang="en-US" altLang="ru-RU" sz="1600" b="1" i="1" u="none" strike="noStrike" cap="none" normalizeH="0" baseline="0" dirty="0" smtClean="0">
+                        <a:rPr kumimoji="0" lang="en-US" altLang="ru-RU" sz="1600" b="1" i="1" u="none" strike="noStrike" cap="none" normalizeH="0" baseline="0" dirty="0">
                           <a:ln>
                             <a:noFill/>
                           </a:ln>
@@ -14154,7 +13961,7 @@
                         <a:t>x</a:t>
                       </a:r>
                       <a:r>
-                        <a:rPr kumimoji="0" lang="en-US" altLang="ru-RU" sz="1600" b="1" i="0" u="none" strike="noStrike" cap="none" normalizeH="0" baseline="-25000" dirty="0" smtClean="0">
+                        <a:rPr kumimoji="0" lang="en-US" altLang="ru-RU" sz="1600" b="1" i="0" u="none" strike="noStrike" cap="none" normalizeH="0" baseline="-25000" dirty="0">
                           <a:ln>
                             <a:noFill/>
                           </a:ln>
@@ -14166,7 +13973,7 @@
                         </a:rPr>
                         <a:t>2</a:t>
                       </a:r>
-                      <a:endParaRPr kumimoji="0" lang="ru-RU" altLang="ru-RU" sz="1600" b="1" i="0" u="none" strike="noStrike" cap="none" normalizeH="0" baseline="-25000" dirty="0" smtClean="0">
+                      <a:endParaRPr kumimoji="0" lang="ru-RU" altLang="ru-RU" sz="1600" b="1" i="0" u="none" strike="noStrike" cap="none" normalizeH="0" baseline="-25000" dirty="0">
                         <a:ln>
                           <a:noFill/>
                         </a:ln>
@@ -14358,7 +14165,7 @@
                         <a:tabLst/>
                       </a:pPr>
                       <a:r>
-                        <a:rPr kumimoji="0" lang="en-US" altLang="ru-RU" sz="1600" b="1" i="0" u="none" strike="noStrike" cap="none" normalizeH="0" baseline="0" smtClean="0">
+                        <a:rPr kumimoji="0" lang="en-US" altLang="ru-RU" sz="1600" b="1" i="0" u="none" strike="noStrike" cap="none" normalizeH="0" baseline="0">
                           <a:ln>
                             <a:noFill/>
                           </a:ln>
@@ -14370,7 +14177,7 @@
                         </a:rPr>
                         <a:t>...</a:t>
                       </a:r>
-                      <a:endParaRPr kumimoji="0" lang="ru-RU" altLang="ru-RU" sz="1600" b="1" i="0" u="none" strike="noStrike" cap="none" normalizeH="0" baseline="-25000" smtClean="0">
+                      <a:endParaRPr kumimoji="0" lang="ru-RU" altLang="ru-RU" sz="1600" b="1" i="0" u="none" strike="noStrike" cap="none" normalizeH="0" baseline="-25000">
                         <a:ln>
                           <a:noFill/>
                         </a:ln>
@@ -14562,7 +14369,7 @@
                         <a:tabLst/>
                       </a:pPr>
                       <a:r>
-                        <a:rPr kumimoji="0" lang="en-US" altLang="ru-RU" sz="1600" b="1" i="1" u="none" strike="noStrike" cap="none" normalizeH="0" baseline="0" dirty="0" smtClean="0">
+                        <a:rPr kumimoji="0" lang="en-US" altLang="ru-RU" sz="1600" b="1" i="1" u="none" strike="noStrike" cap="none" normalizeH="0" baseline="0" dirty="0">
                           <a:ln>
                             <a:noFill/>
                           </a:ln>
@@ -14575,7 +14382,7 @@
                         <a:t>x</a:t>
                       </a:r>
                       <a:r>
-                        <a:rPr kumimoji="0" lang="en-US" altLang="ru-RU" sz="1600" b="1" i="1" u="none" strike="noStrike" cap="none" normalizeH="0" baseline="-25000" dirty="0" smtClean="0">
+                        <a:rPr kumimoji="0" lang="en-US" altLang="ru-RU" sz="1600" b="1" i="1" u="none" strike="noStrike" cap="none" normalizeH="0" baseline="-25000" dirty="0">
                           <a:ln>
                             <a:noFill/>
                           </a:ln>
@@ -14587,7 +14394,7 @@
                         </a:rPr>
                         <a:t>i</a:t>
                       </a:r>
-                      <a:endParaRPr kumimoji="0" lang="ru-RU" altLang="ru-RU" sz="1600" b="1" i="1" u="none" strike="noStrike" cap="none" normalizeH="0" baseline="0" dirty="0" smtClean="0">
+                      <a:endParaRPr kumimoji="0" lang="ru-RU" altLang="ru-RU" sz="1600" b="1" i="1" u="none" strike="noStrike" cap="none" normalizeH="0" baseline="0" dirty="0">
                         <a:ln>
                           <a:noFill/>
                         </a:ln>
@@ -14779,7 +14586,7 @@
                         <a:tabLst/>
                       </a:pPr>
                       <a:r>
-                        <a:rPr kumimoji="0" lang="en-US" altLang="ru-RU" sz="1600" b="1" i="0" u="none" strike="noStrike" cap="none" normalizeH="0" baseline="0" smtClean="0">
+                        <a:rPr kumimoji="0" lang="en-US" altLang="ru-RU" sz="1600" b="1" i="0" u="none" strike="noStrike" cap="none" normalizeH="0" baseline="0">
                           <a:ln>
                             <a:noFill/>
                           </a:ln>
@@ -14791,7 +14598,7 @@
                         </a:rPr>
                         <a:t>...</a:t>
                       </a:r>
-                      <a:endParaRPr kumimoji="0" lang="ru-RU" altLang="ru-RU" sz="1600" b="1" i="0" u="none" strike="noStrike" cap="none" normalizeH="0" baseline="0" smtClean="0">
+                      <a:endParaRPr kumimoji="0" lang="ru-RU" altLang="ru-RU" sz="1600" b="1" i="0" u="none" strike="noStrike" cap="none" normalizeH="0" baseline="0">
                         <a:ln>
                           <a:noFill/>
                         </a:ln>
@@ -14983,7 +14790,7 @@
                         <a:tabLst/>
                       </a:pPr>
                       <a:r>
-                        <a:rPr kumimoji="0" lang="en-US" altLang="ru-RU" sz="1600" b="1" i="1" u="none" strike="noStrike" cap="none" normalizeH="0" baseline="0" dirty="0" err="1" smtClean="0">
+                        <a:rPr kumimoji="0" lang="en-US" altLang="ru-RU" sz="1600" b="1" i="1" u="none" strike="noStrike" cap="none" normalizeH="0" baseline="0" dirty="0" err="1">
                           <a:ln>
                             <a:noFill/>
                           </a:ln>
@@ -14996,7 +14803,7 @@
                         <a:t>x</a:t>
                       </a:r>
                       <a:r>
-                        <a:rPr kumimoji="0" lang="en-US" altLang="ru-RU" sz="1600" b="1" i="1" u="none" strike="noStrike" cap="none" normalizeH="0" baseline="-25000" dirty="0" err="1" smtClean="0">
+                        <a:rPr kumimoji="0" lang="en-US" altLang="ru-RU" sz="1600" b="1" i="1" u="none" strike="noStrike" cap="none" normalizeH="0" baseline="-25000" dirty="0" err="1">
                           <a:ln>
                             <a:noFill/>
                           </a:ln>
@@ -15008,7 +14815,7 @@
                         </a:rPr>
                         <a:t>m</a:t>
                       </a:r>
-                      <a:endParaRPr kumimoji="0" lang="ru-RU" altLang="ru-RU" sz="1600" b="1" i="1" u="none" strike="noStrike" cap="none" normalizeH="0" baseline="0" dirty="0" smtClean="0">
+                      <a:endParaRPr kumimoji="0" lang="ru-RU" altLang="ru-RU" sz="1600" b="1" i="1" u="none" strike="noStrike" cap="none" normalizeH="0" baseline="0" dirty="0">
                         <a:ln>
                           <a:noFill/>
                         </a:ln>
@@ -15066,6 +14873,11 @@
                     <a:noFill/>
                   </a:tcPr>
                 </a:tc>
+                <a:extLst>
+                  <a:ext uri="{0D108BD9-81ED-4DB2-BD59-A6C34878D82A}">
+                    <a16:rowId xmlns:a16="http://schemas.microsoft.com/office/drawing/2014/main" val="10001"/>
+                  </a:ext>
+                </a:extLst>
               </a:tr>
               <a:tr h="390699">
                 <a:tc>
@@ -15202,7 +15014,7 @@
                         <a:tabLst/>
                       </a:pPr>
                       <a:r>
-                        <a:rPr kumimoji="0" lang="en-US" altLang="ru-RU" sz="1600" b="1" i="1" u="none" strike="noStrike" cap="none" normalizeH="0" baseline="0" dirty="0" smtClean="0">
+                        <a:rPr kumimoji="0" lang="en-US" altLang="ru-RU" sz="1600" b="1" i="1" u="none" strike="noStrike" cap="none" normalizeH="0" baseline="0" dirty="0">
                           <a:ln>
                             <a:noFill/>
                           </a:ln>
@@ -15214,7 +15026,7 @@
                         </a:rPr>
                         <a:t>y</a:t>
                       </a:r>
-                      <a:endParaRPr kumimoji="0" lang="ru-RU" altLang="ru-RU" sz="1600" b="1" i="1" u="none" strike="noStrike" cap="none" normalizeH="0" baseline="0" dirty="0" smtClean="0">
+                      <a:endParaRPr kumimoji="0" lang="ru-RU" altLang="ru-RU" sz="1600" b="1" i="1" u="none" strike="noStrike" cap="none" normalizeH="0" baseline="0" dirty="0">
                         <a:ln>
                           <a:noFill/>
                         </a:ln>
@@ -15406,7 +15218,7 @@
                         <a:tabLst/>
                       </a:pPr>
                       <a:r>
-                        <a:rPr kumimoji="0" lang="en-US" altLang="ru-RU" sz="1600" b="1" i="1" u="none" strike="noStrike" cap="none" normalizeH="0" baseline="0" dirty="0" smtClean="0">
+                        <a:rPr kumimoji="0" lang="en-US" altLang="ru-RU" sz="1600" b="1" i="1" u="none" strike="noStrike" cap="none" normalizeH="0" baseline="0" dirty="0">
                           <a:ln>
                             <a:noFill/>
                           </a:ln>
@@ -15419,7 +15231,7 @@
                         <a:t>y</a:t>
                       </a:r>
                       <a:r>
-                        <a:rPr kumimoji="0" lang="en-US" altLang="ru-RU" sz="1600" b="1" i="0" u="none" strike="noStrike" cap="none" normalizeH="0" baseline="-25000" dirty="0" smtClean="0">
+                        <a:rPr kumimoji="0" lang="en-US" altLang="ru-RU" sz="1600" b="1" i="0" u="none" strike="noStrike" cap="none" normalizeH="0" baseline="-25000" dirty="0">
                           <a:ln>
                             <a:noFill/>
                           </a:ln>
@@ -15431,7 +15243,7 @@
                         </a:rPr>
                         <a:t>1</a:t>
                       </a:r>
-                      <a:endParaRPr kumimoji="0" lang="ru-RU" altLang="ru-RU" sz="1600" b="1" i="0" u="none" strike="noStrike" cap="none" normalizeH="0" baseline="-25000" dirty="0" smtClean="0">
+                      <a:endParaRPr kumimoji="0" lang="ru-RU" altLang="ru-RU" sz="1600" b="1" i="0" u="none" strike="noStrike" cap="none" normalizeH="0" baseline="-25000" dirty="0">
                         <a:ln>
                           <a:noFill/>
                         </a:ln>
@@ -15623,7 +15435,7 @@
                         <a:tabLst/>
                       </a:pPr>
                       <a:r>
-                        <a:rPr kumimoji="0" lang="en-US" altLang="ru-RU" sz="1600" b="1" i="1" u="none" strike="noStrike" cap="none" normalizeH="0" baseline="0" dirty="0" smtClean="0">
+                        <a:rPr kumimoji="0" lang="en-US" altLang="ru-RU" sz="1600" b="1" i="1" u="none" strike="noStrike" cap="none" normalizeH="0" baseline="0" dirty="0">
                           <a:ln>
                             <a:noFill/>
                           </a:ln>
@@ -15636,7 +15448,7 @@
                         <a:t>y</a:t>
                       </a:r>
                       <a:r>
-                        <a:rPr kumimoji="0" lang="en-US" altLang="ru-RU" sz="1600" b="1" i="0" u="none" strike="noStrike" cap="none" normalizeH="0" baseline="-25000" dirty="0" smtClean="0">
+                        <a:rPr kumimoji="0" lang="en-US" altLang="ru-RU" sz="1600" b="1" i="0" u="none" strike="noStrike" cap="none" normalizeH="0" baseline="-25000" dirty="0">
                           <a:ln>
                             <a:noFill/>
                           </a:ln>
@@ -15648,7 +15460,7 @@
                         </a:rPr>
                         <a:t>2</a:t>
                       </a:r>
-                      <a:endParaRPr kumimoji="0" lang="ru-RU" altLang="ru-RU" sz="1600" b="1" i="0" u="none" strike="noStrike" cap="none" normalizeH="0" baseline="-25000" dirty="0" smtClean="0">
+                      <a:endParaRPr kumimoji="0" lang="ru-RU" altLang="ru-RU" sz="1600" b="1" i="0" u="none" strike="noStrike" cap="none" normalizeH="0" baseline="-25000" dirty="0">
                         <a:ln>
                           <a:noFill/>
                         </a:ln>
@@ -15840,7 +15652,7 @@
                         <a:tabLst/>
                       </a:pPr>
                       <a:r>
-                        <a:rPr kumimoji="0" lang="en-US" altLang="ru-RU" sz="1600" b="1" i="0" u="none" strike="noStrike" cap="none" normalizeH="0" baseline="0" smtClean="0">
+                        <a:rPr kumimoji="0" lang="en-US" altLang="ru-RU" sz="1600" b="1" i="0" u="none" strike="noStrike" cap="none" normalizeH="0" baseline="0">
                           <a:ln>
                             <a:noFill/>
                           </a:ln>
@@ -15852,7 +15664,7 @@
                         </a:rPr>
                         <a:t>...</a:t>
                       </a:r>
-                      <a:endParaRPr kumimoji="0" lang="ru-RU" altLang="ru-RU" sz="1600" b="1" i="0" u="none" strike="noStrike" cap="none" normalizeH="0" baseline="-25000" smtClean="0">
+                      <a:endParaRPr kumimoji="0" lang="ru-RU" altLang="ru-RU" sz="1600" b="1" i="0" u="none" strike="noStrike" cap="none" normalizeH="0" baseline="-25000">
                         <a:ln>
                           <a:noFill/>
                         </a:ln>
@@ -16044,7 +15856,7 @@
                         <a:tabLst/>
                       </a:pPr>
                       <a:r>
-                        <a:rPr kumimoji="0" lang="en-US" altLang="ru-RU" sz="1600" b="1" i="1" u="none" strike="noStrike" cap="none" normalizeH="0" baseline="0" dirty="0" err="1" smtClean="0">
+                        <a:rPr kumimoji="0" lang="en-US" altLang="ru-RU" sz="1600" b="1" i="1" u="none" strike="noStrike" cap="none" normalizeH="0" baseline="0" dirty="0" err="1">
                           <a:ln>
                             <a:noFill/>
                           </a:ln>
@@ -16057,7 +15869,7 @@
                         <a:t>y</a:t>
                       </a:r>
                       <a:r>
-                        <a:rPr kumimoji="0" lang="en-US" altLang="ru-RU" sz="1600" b="1" i="1" u="none" strike="noStrike" cap="none" normalizeH="0" baseline="-25000" dirty="0" err="1" smtClean="0">
+                        <a:rPr kumimoji="0" lang="en-US" altLang="ru-RU" sz="1600" b="1" i="1" u="none" strike="noStrike" cap="none" normalizeH="0" baseline="-25000" dirty="0" err="1">
                           <a:ln>
                             <a:noFill/>
                           </a:ln>
@@ -16069,7 +15881,7 @@
                         </a:rPr>
                         <a:t>i</a:t>
                       </a:r>
-                      <a:endParaRPr kumimoji="0" lang="ru-RU" altLang="ru-RU" sz="1600" b="1" i="1" u="none" strike="noStrike" cap="none" normalizeH="0" baseline="-25000" dirty="0" smtClean="0">
+                      <a:endParaRPr kumimoji="0" lang="ru-RU" altLang="ru-RU" sz="1600" b="1" i="1" u="none" strike="noStrike" cap="none" normalizeH="0" baseline="-25000" dirty="0">
                         <a:ln>
                           <a:noFill/>
                         </a:ln>
@@ -16261,7 +16073,7 @@
                         <a:tabLst/>
                       </a:pPr>
                       <a:r>
-                        <a:rPr kumimoji="0" lang="en-US" altLang="ru-RU" sz="1600" b="1" i="0" u="none" strike="noStrike" cap="none" normalizeH="0" baseline="0" smtClean="0">
+                        <a:rPr kumimoji="0" lang="en-US" altLang="ru-RU" sz="1600" b="1" i="0" u="none" strike="noStrike" cap="none" normalizeH="0" baseline="0">
                           <a:ln>
                             <a:noFill/>
                           </a:ln>
@@ -16273,7 +16085,7 @@
                         </a:rPr>
                         <a:t>...</a:t>
                       </a:r>
-                      <a:endParaRPr kumimoji="0" lang="ru-RU" altLang="ru-RU" sz="1600" b="1" i="0" u="none" strike="noStrike" cap="none" normalizeH="0" baseline="0" smtClean="0">
+                      <a:endParaRPr kumimoji="0" lang="ru-RU" altLang="ru-RU" sz="1600" b="1" i="0" u="none" strike="noStrike" cap="none" normalizeH="0" baseline="0">
                         <a:ln>
                           <a:noFill/>
                         </a:ln>
@@ -16465,7 +16277,7 @@
                         <a:tabLst/>
                       </a:pPr>
                       <a:r>
-                        <a:rPr kumimoji="0" lang="en-US" altLang="ru-RU" sz="1600" b="1" i="1" u="none" strike="noStrike" cap="none" normalizeH="0" baseline="0" dirty="0" err="1" smtClean="0">
+                        <a:rPr kumimoji="0" lang="en-US" altLang="ru-RU" sz="1600" b="1" i="1" u="none" strike="noStrike" cap="none" normalizeH="0" baseline="0" dirty="0" err="1">
                           <a:ln>
                             <a:noFill/>
                           </a:ln>
@@ -16478,7 +16290,7 @@
                         <a:t>y</a:t>
                       </a:r>
                       <a:r>
-                        <a:rPr kumimoji="0" lang="en-US" altLang="ru-RU" sz="1600" b="1" i="1" u="none" strike="noStrike" cap="none" normalizeH="0" baseline="-25000" dirty="0" err="1" smtClean="0">
+                        <a:rPr kumimoji="0" lang="en-US" altLang="ru-RU" sz="1600" b="1" i="1" u="none" strike="noStrike" cap="none" normalizeH="0" baseline="-25000" dirty="0" err="1">
                           <a:ln>
                             <a:noFill/>
                           </a:ln>
@@ -16490,7 +16302,7 @@
                         </a:rPr>
                         <a:t>m</a:t>
                       </a:r>
-                      <a:endParaRPr kumimoji="0" lang="ru-RU" altLang="ru-RU" sz="1600" b="1" i="1" u="none" strike="noStrike" cap="none" normalizeH="0" baseline="-25000" dirty="0" smtClean="0">
+                      <a:endParaRPr kumimoji="0" lang="ru-RU" altLang="ru-RU" sz="1600" b="1" i="1" u="none" strike="noStrike" cap="none" normalizeH="0" baseline="-25000" dirty="0">
                         <a:ln>
                           <a:noFill/>
                         </a:ln>
@@ -16548,6 +16360,11 @@
                     <a:noFill/>
                   </a:tcPr>
                 </a:tc>
+                <a:extLst>
+                  <a:ext uri="{0D108BD9-81ED-4DB2-BD59-A6C34878D82A}">
+                    <a16:rowId xmlns:a16="http://schemas.microsoft.com/office/drawing/2014/main" val="10002"/>
+                  </a:ext>
+                </a:extLst>
               </a:tr>
             </a:tbl>
           </a:graphicData>
@@ -16576,7 +16393,7 @@
           <a:lstStyle/>
           <a:p>
             <a:r>
-              <a:rPr lang="en-US" sz="2000" b="1" dirty="0" smtClean="0">
+              <a:rPr lang="en-US" sz="2000" b="1" dirty="0">
                 <a:solidFill>
                   <a:srgbClr val="7030A0"/>
                 </a:solidFill>
@@ -16584,7 +16401,7 @@
               <a:t>3</a:t>
             </a:r>
             <a:r>
-              <a:rPr lang="ru-RU" sz="2000" b="1" dirty="0" smtClean="0">
+              <a:rPr lang="ru-RU" sz="2000" b="1" dirty="0">
                 <a:solidFill>
                   <a:srgbClr val="7030A0"/>
                 </a:solidFill>
@@ -16604,13 +16421,6 @@
   <p:clrMapOvr>
     <a:masterClrMapping/>
   </p:clrMapOvr>
-  <p:timing>
-    <p:tnLst>
-      <p:par>
-        <p:cTn id="1" dur="indefinite" restart="never" nodeType="tmRoot"/>
-      </p:par>
-    </p:tnLst>
-  </p:timing>
 </p:sld>
 </file>
 
@@ -16655,7 +16465,7 @@
           <a:p>
             <a:pPr algn="ctr"/>
             <a:r>
-              <a:rPr lang="ru-RU" sz="5400" b="1" cap="all" spc="0" dirty="0" smtClean="0">
+              <a:rPr lang="ru-RU" sz="5400" b="1" cap="all" spc="0" dirty="0">
                 <a:ln w="9000" cmpd="sng">
                   <a:solidFill>
                     <a:schemeClr val="accent4">
@@ -16700,7 +16510,7 @@
               <a:t>Алгоритмы вычислительной</a:t>
             </a:r>
             <a:br>
-              <a:rPr lang="ru-RU" sz="5400" b="1" cap="all" spc="0" dirty="0" smtClean="0">
+              <a:rPr lang="ru-RU" sz="5400" b="1" cap="all" spc="0" dirty="0">
                 <a:ln w="9000" cmpd="sng">
                   <a:solidFill>
                     <a:schemeClr val="accent4">
@@ -16744,7 +16554,7 @@
               </a:rPr>
             </a:br>
             <a:r>
-              <a:rPr lang="ru-RU" sz="5400" b="1" cap="all" spc="0" dirty="0" smtClean="0">
+              <a:rPr lang="ru-RU" sz="5400" b="1" cap="all" spc="0" dirty="0">
                 <a:ln w="9000" cmpd="sng">
                   <a:solidFill>
                     <a:schemeClr val="accent4">
@@ -16788,48 +16598,6 @@
               </a:rPr>
               <a:t>математики</a:t>
             </a:r>
-            <a:endParaRPr lang="ru-RU" sz="5400" b="1" cap="all" spc="0" dirty="0">
-              <a:ln w="9000" cmpd="sng">
-                <a:solidFill>
-                  <a:schemeClr val="accent4">
-                    <a:shade val="50000"/>
-                    <a:satMod val="120000"/>
-                  </a:schemeClr>
-                </a:solidFill>
-                <a:prstDash val="solid"/>
-              </a:ln>
-              <a:gradFill>
-                <a:gsLst>
-                  <a:gs pos="0">
-                    <a:schemeClr val="accent4">
-                      <a:shade val="20000"/>
-                      <a:satMod val="245000"/>
-                    </a:schemeClr>
-                  </a:gs>
-                  <a:gs pos="43000">
-                    <a:schemeClr val="accent4">
-                      <a:satMod val="255000"/>
-                    </a:schemeClr>
-                  </a:gs>
-                  <a:gs pos="48000">
-                    <a:schemeClr val="accent4">
-                      <a:shade val="85000"/>
-                      <a:satMod val="255000"/>
-                    </a:schemeClr>
-                  </a:gs>
-                  <a:gs pos="100000">
-                    <a:schemeClr val="accent4">
-                      <a:shade val="20000"/>
-                      <a:satMod val="245000"/>
-                    </a:schemeClr>
-                  </a:gs>
-                </a:gsLst>
-                <a:lin ang="5400000"/>
-              </a:gradFill>
-              <a:effectLst>
-                <a:reflection blurRad="12700" stA="28000" endPos="45000" dist="1000" dir="5400000" sy="-100000" algn="bl" rotWithShape="0"/>
-              </a:effectLst>
-            </a:endParaRPr>
           </a:p>
         </p:txBody>
       </p:sp>
@@ -16857,7 +16625,7 @@
           <a:p>
             <a:pPr algn="ctr"/>
             <a:r>
-              <a:rPr lang="ru-RU" sz="5400" b="1" dirty="0" smtClean="0">
+              <a:rPr lang="ru-RU" sz="5400" b="1" dirty="0">
                 <a:ln w="9000" cmpd="sng">
                   <a:solidFill>
                     <a:schemeClr val="accent4">
@@ -16956,13 +16724,6 @@
   <p:clrMapOvr>
     <a:masterClrMapping/>
   </p:clrMapOvr>
-  <p:timing>
-    <p:tnLst>
-      <p:par>
-        <p:cTn id="1" dur="indefinite" restart="never" nodeType="tmRoot"/>
-      </p:par>
-    </p:tnLst>
-  </p:timing>
 </p:sld>
 </file>
 
@@ -17006,7 +16767,7 @@
           <a:lstStyle/>
           <a:p>
             <a:r>
-              <a:rPr lang="ru-RU" sz="2400" b="1" u="sng" dirty="0" smtClean="0">
+              <a:rPr lang="ru-RU" sz="2400" b="1" u="sng" dirty="0">
                 <a:solidFill>
                   <a:srgbClr val="7030A0"/>
                 </a:solidFill>
@@ -17014,45 +16775,12 @@
               <a:t>Математическая модель</a:t>
             </a:r>
             <a:r>
-              <a:rPr lang="ru-RU" sz="2400" b="1" dirty="0" smtClean="0">
+              <a:rPr lang="ru-RU" sz="2400" b="1" dirty="0">
                 <a:solidFill>
                   <a:srgbClr val="7030A0"/>
                 </a:solidFill>
               </a:rPr>
               <a:t> – это совокупность математических выражений (уравнений, неравенств), описывающих свойства, поведение или изменение реальных объектов или процессов.</a:t>
-            </a:r>
-          </a:p>
-          <a:p>
-            <a:endParaRPr lang="ru-RU" sz="2400" b="1" dirty="0" smtClean="0">
-              <a:solidFill>
-                <a:srgbClr val="7030A0"/>
-              </a:solidFill>
-            </a:endParaRPr>
-          </a:p>
-          <a:p>
-            <a:r>
-              <a:rPr lang="ru-RU" sz="2400" b="1" dirty="0" smtClean="0">
-                <a:solidFill>
-                  <a:srgbClr val="7030A0"/>
-                </a:solidFill>
-              </a:rPr>
-              <a:t>При наличии результатов наблюдения за объектом может ставиться задачи получения этих математических выражений – </a:t>
-            </a:r>
-            <a:r>
-              <a:rPr lang="ru-RU" sz="2400" b="1" u="sng" dirty="0" smtClean="0">
-                <a:solidFill>
-                  <a:srgbClr val="7030A0"/>
-                </a:solidFill>
-              </a:rPr>
-              <a:t>идентификации математической модели</a:t>
-            </a:r>
-            <a:r>
-              <a:rPr lang="ru-RU" sz="2400" b="1" dirty="0" smtClean="0">
-                <a:solidFill>
-                  <a:srgbClr val="7030A0"/>
-                </a:solidFill>
-              </a:rPr>
-              <a:t>.</a:t>
             </a:r>
           </a:p>
           <a:p>
@@ -17064,20 +16792,20 @@
           </a:p>
           <a:p>
             <a:r>
-              <a:rPr lang="ru-RU" sz="2400" b="1" u="sng" dirty="0" smtClean="0">
+              <a:rPr lang="ru-RU" sz="2400" b="1" dirty="0">
                 <a:solidFill>
                   <a:srgbClr val="7030A0"/>
                 </a:solidFill>
               </a:rPr>
-              <a:t>Структурная идентификация</a:t>
+              <a:t>При наличии результатов наблюдения за объектом может ставиться задачи получения этих математических выражений – </a:t>
             </a:r>
             <a:r>
-              <a:rPr lang="ru-RU" sz="2400" b="1" dirty="0" smtClean="0">
+              <a:rPr lang="ru-RU" sz="2400" b="1" u="sng" dirty="0">
                 <a:solidFill>
                   <a:srgbClr val="7030A0"/>
                 </a:solidFill>
               </a:rPr>
-              <a:t> – установление общего вида </a:t>
+              <a:t>идентификации математической модели</a:t>
             </a:r>
             <a:r>
               <a:rPr lang="ru-RU" sz="2400" b="1" dirty="0">
@@ -17085,31 +16813,7 @@
                   <a:srgbClr val="7030A0"/>
                 </a:solidFill>
               </a:rPr>
-              <a:t>и </a:t>
-            </a:r>
-            <a:r>
-              <a:rPr lang="ru-RU" sz="2400" b="1" dirty="0" smtClean="0">
-                <a:solidFill>
-                  <a:srgbClr val="7030A0"/>
-                </a:solidFill>
-              </a:rPr>
-              <a:t>размерности </a:t>
-            </a:r>
-            <a:r>
-              <a:rPr lang="ru-RU" sz="2400" b="1" dirty="0">
-                <a:solidFill>
-                  <a:srgbClr val="7030A0"/>
-                </a:solidFill>
-              </a:rPr>
-              <a:t>системы уравнений </a:t>
-            </a:r>
-            <a:r>
-              <a:rPr lang="ru-RU" sz="2400" b="1" dirty="0" smtClean="0">
-                <a:solidFill>
-                  <a:srgbClr val="7030A0"/>
-                </a:solidFill>
-              </a:rPr>
-              <a:t>и неравенств математического описания.</a:t>
+              <a:t>.</a:t>
             </a:r>
           </a:p>
           <a:p>
@@ -17121,20 +16825,37 @@
           </a:p>
           <a:p>
             <a:r>
-              <a:rPr lang="ru-RU" sz="2400" b="1" dirty="0">
+              <a:rPr lang="ru-RU" sz="2400" b="1" u="sng" dirty="0">
                 <a:solidFill>
                   <a:srgbClr val="7030A0"/>
                 </a:solidFill>
               </a:rPr>
-              <a:t>Параметрическая идентификация – определение неизвестных коэффициентов (параметров) </a:t>
+              <a:t>Структурная идентификация</a:t>
             </a:r>
             <a:r>
-              <a:rPr lang="ru-RU" sz="2400" b="1" dirty="0" smtClean="0">
+              <a:rPr lang="ru-RU" sz="2400" b="1" dirty="0">
                 <a:solidFill>
                   <a:srgbClr val="7030A0"/>
                 </a:solidFill>
               </a:rPr>
-              <a:t>выражений, составляющих математическое описание.</a:t>
+              <a:t> – установление общего вида и размерности системы уравнений и неравенств математического описания.</a:t>
+            </a:r>
+          </a:p>
+          <a:p>
+            <a:endParaRPr lang="ru-RU" sz="2400" b="1" dirty="0">
+              <a:solidFill>
+                <a:srgbClr val="7030A0"/>
+              </a:solidFill>
+            </a:endParaRPr>
+          </a:p>
+          <a:p>
+            <a:r>
+              <a:rPr lang="ru-RU" sz="2400" b="1" dirty="0">
+                <a:solidFill>
+                  <a:srgbClr val="7030A0"/>
+                </a:solidFill>
+              </a:rPr>
+              <a:t>Параметрическая идентификация – определение неизвестных коэффициентов (параметров) выражений, составляющих математическое описание.</a:t>
             </a:r>
           </a:p>
         </p:txBody>
@@ -17163,7 +16884,7 @@
           <a:p>
             <a:pPr algn="ctr"/>
             <a:r>
-              <a:rPr lang="ru-RU" sz="3600" b="1" dirty="0" smtClean="0">
+              <a:rPr lang="ru-RU" sz="3600" b="1" dirty="0">
                 <a:ln w="9000" cmpd="sng">
                   <a:solidFill>
                     <a:schemeClr val="accent4">
@@ -17262,13 +16983,6 @@
   <p:clrMapOvr>
     <a:masterClrMapping/>
   </p:clrMapOvr>
-  <p:timing>
-    <p:tnLst>
-      <p:par>
-        <p:cTn id="1" dur="indefinite" restart="never" nodeType="tmRoot"/>
-      </p:par>
-    </p:tnLst>
-  </p:timing>
 </p:sld>
 </file>
 
@@ -17313,7 +17027,7 @@
           <a:p>
             <a:pPr algn="ctr"/>
             <a:r>
-              <a:rPr lang="ru-RU" sz="3600" b="1" dirty="0" smtClean="0">
+              <a:rPr lang="ru-RU" sz="3600" b="1" dirty="0">
                 <a:ln w="9000" cmpd="sng">
                   <a:solidFill>
                     <a:schemeClr val="accent4">
@@ -17425,7 +17139,7 @@
           <a:lstStyle/>
           <a:p>
             <a:r>
-              <a:rPr lang="ru-RU" sz="2400" b="1" u="sng" dirty="0" smtClean="0">
+              <a:rPr lang="ru-RU" sz="2400" b="1" u="sng" dirty="0">
                 <a:solidFill>
                   <a:srgbClr val="7030A0"/>
                 </a:solidFill>
@@ -17433,7 +17147,7 @@
               <a:t>Интерполирование</a:t>
             </a:r>
             <a:r>
-              <a:rPr lang="ru-RU" sz="2400" b="1" dirty="0" smtClean="0">
+              <a:rPr lang="ru-RU" sz="2400" b="1" dirty="0">
                 <a:solidFill>
                   <a:srgbClr val="7030A0"/>
                 </a:solidFill>
@@ -17451,7 +17165,7 @@
         </p:nvGrpSpPr>
         <p:grpSpPr>
           <a:xfrm>
-            <a:off x="950652" y="2572793"/>
+            <a:off x="950652" y="2683106"/>
             <a:ext cx="7239000" cy="4130270"/>
             <a:chOff x="504825" y="812800"/>
             <a:chExt cx="8335963" cy="4756150"/>
@@ -17518,7 +17232,7 @@
                 <a:tabLst/>
                 <a:defRPr/>
               </a:pPr>
-              <a:endParaRPr kumimoji="0" lang="ru-RU" sz="2000" b="0" i="0" u="none" strike="noStrike" kern="0" cap="none" spc="0" normalizeH="0" baseline="0" noProof="0" smtClean="0">
+              <a:endParaRPr kumimoji="0" lang="ru-RU" sz="2000" b="0" i="0" u="none" strike="noStrike" kern="0" cap="none" spc="0" normalizeH="0" baseline="0" noProof="0">
                 <a:ln>
                   <a:noFill/>
                 </a:ln>
@@ -17594,7 +17308,7 @@
                 <a:tabLst/>
                 <a:defRPr/>
               </a:pPr>
-              <a:endParaRPr kumimoji="0" lang="ru-RU" sz="2000" b="0" i="0" u="none" strike="noStrike" kern="0" cap="none" spc="0" normalizeH="0" baseline="0" noProof="0" smtClean="0">
+              <a:endParaRPr kumimoji="0" lang="ru-RU" sz="2000" b="0" i="0" u="none" strike="noStrike" kern="0" cap="none" spc="0" normalizeH="0" baseline="0" noProof="0">
                 <a:ln>
                   <a:noFill/>
                 </a:ln>
@@ -17670,7 +17384,7 @@
                 <a:tabLst/>
                 <a:defRPr/>
               </a:pPr>
-              <a:endParaRPr kumimoji="0" lang="ru-RU" sz="2000" b="0" i="0" u="none" strike="noStrike" kern="0" cap="none" spc="0" normalizeH="0" baseline="0" noProof="0" smtClean="0">
+              <a:endParaRPr kumimoji="0" lang="ru-RU" sz="2000" b="0" i="0" u="none" strike="noStrike" kern="0" cap="none" spc="0" normalizeH="0" baseline="0" noProof="0">
                 <a:ln>
                   <a:noFill/>
                 </a:ln>
@@ -17746,7 +17460,7 @@
                 <a:tabLst/>
                 <a:defRPr/>
               </a:pPr>
-              <a:endParaRPr kumimoji="0" lang="ru-RU" sz="2000" b="0" i="0" u="none" strike="noStrike" kern="0" cap="none" spc="0" normalizeH="0" baseline="0" noProof="0" smtClean="0">
+              <a:endParaRPr kumimoji="0" lang="ru-RU" sz="2000" b="0" i="0" u="none" strike="noStrike" kern="0" cap="none" spc="0" normalizeH="0" baseline="0" noProof="0">
                 <a:ln>
                   <a:noFill/>
                 </a:ln>
@@ -17822,7 +17536,7 @@
                 <a:tabLst/>
                 <a:defRPr/>
               </a:pPr>
-              <a:endParaRPr kumimoji="0" lang="ru-RU" sz="2000" b="0" i="0" u="none" strike="noStrike" kern="0" cap="none" spc="0" normalizeH="0" baseline="0" noProof="0" smtClean="0">
+              <a:endParaRPr kumimoji="0" lang="ru-RU" sz="2000" b="0" i="0" u="none" strike="noStrike" kern="0" cap="none" spc="0" normalizeH="0" baseline="0" noProof="0">
                 <a:ln>
                   <a:noFill/>
                 </a:ln>
@@ -18012,7 +17726,7 @@
                 <a:tabLst/>
                 <a:defRPr/>
               </a:pPr>
-              <a:endParaRPr kumimoji="0" lang="ru-RU" sz="2000" b="0" i="0" u="none" strike="noStrike" kern="0" cap="none" spc="0" normalizeH="0" baseline="0" noProof="0" smtClean="0">
+              <a:endParaRPr kumimoji="0" lang="ru-RU" sz="2000" b="0" i="0" u="none" strike="noStrike" kern="0" cap="none" spc="0" normalizeH="0" baseline="0" noProof="0">
                 <a:ln>
                   <a:noFill/>
                 </a:ln>
@@ -18292,7 +18006,7 @@
                 <a:tabLst/>
                 <a:defRPr/>
               </a:pPr>
-              <a:endParaRPr kumimoji="0" lang="ru-RU" sz="2000" b="0" i="0" u="none" strike="noStrike" kern="0" cap="none" spc="0" normalizeH="0" baseline="0" noProof="0" smtClean="0">
+              <a:endParaRPr kumimoji="0" lang="ru-RU" sz="2000" b="0" i="0" u="none" strike="noStrike" kern="0" cap="none" spc="0" normalizeH="0" baseline="0" noProof="0">
                 <a:ln>
                   <a:noFill/>
                 </a:ln>
@@ -18381,7 +18095,7 @@
                 <a:defRPr/>
               </a:pPr>
               <a:r>
-                <a:rPr kumimoji="0" lang="en-US" altLang="ru-RU" sz="2000" b="0" i="1" u="none" strike="noStrike" kern="0" cap="none" spc="0" normalizeH="0" baseline="0" noProof="0" smtClean="0">
+                <a:rPr kumimoji="0" lang="en-US" altLang="ru-RU" sz="2000" b="0" i="1" u="none" strike="noStrike" kern="0" cap="none" spc="0" normalizeH="0" baseline="0" noProof="0">
                   <a:ln>
                     <a:noFill/>
                   </a:ln>
@@ -18396,7 +18110,7 @@
                 <a:t>M</a:t>
               </a:r>
               <a:r>
-                <a:rPr kumimoji="0" lang="en-US" altLang="ru-RU" sz="2000" b="0" i="0" u="none" strike="noStrike" kern="0" cap="none" spc="0" normalizeH="0" baseline="-25000" noProof="0" smtClean="0">
+                <a:rPr kumimoji="0" lang="en-US" altLang="ru-RU" sz="2000" b="0" i="0" u="none" strike="noStrike" kern="0" cap="none" spc="0" normalizeH="0" baseline="-25000" noProof="0">
                   <a:ln>
                     <a:noFill/>
                   </a:ln>
@@ -18410,7 +18124,7 @@
                 </a:rPr>
                 <a:t>0</a:t>
               </a:r>
-              <a:endParaRPr kumimoji="0" lang="ru-RU" altLang="ru-RU" sz="2000" b="0" i="0" u="none" strike="noStrike" kern="0" cap="none" spc="0" normalizeH="0" baseline="-25000" noProof="0" smtClean="0">
+              <a:endParaRPr kumimoji="0" lang="ru-RU" altLang="ru-RU" sz="2000" b="0" i="0" u="none" strike="noStrike" kern="0" cap="none" spc="0" normalizeH="0" baseline="-25000" noProof="0">
                 <a:ln>
                   <a:noFill/>
                 </a:ln>
@@ -18499,7 +18213,7 @@
                 <a:defRPr/>
               </a:pPr>
               <a:r>
-                <a:rPr kumimoji="0" lang="en-US" altLang="ru-RU" sz="2000" b="0" i="1" u="none" strike="noStrike" kern="0" cap="none" spc="0" normalizeH="0" baseline="0" noProof="0" smtClean="0">
+                <a:rPr kumimoji="0" lang="en-US" altLang="ru-RU" sz="2000" b="0" i="1" u="none" strike="noStrike" kern="0" cap="none" spc="0" normalizeH="0" baseline="0" noProof="0">
                   <a:ln>
                     <a:noFill/>
                   </a:ln>
@@ -18514,7 +18228,7 @@
                 <a:t>M</a:t>
               </a:r>
               <a:r>
-                <a:rPr kumimoji="0" lang="en-US" altLang="ru-RU" sz="2000" b="0" i="0" u="none" strike="noStrike" kern="0" cap="none" spc="0" normalizeH="0" baseline="-25000" noProof="0" smtClean="0">
+                <a:rPr kumimoji="0" lang="en-US" altLang="ru-RU" sz="2000" b="0" i="0" u="none" strike="noStrike" kern="0" cap="none" spc="0" normalizeH="0" baseline="-25000" noProof="0">
                   <a:ln>
                     <a:noFill/>
                   </a:ln>
@@ -18528,7 +18242,7 @@
                 </a:rPr>
                 <a:t>1</a:t>
               </a:r>
-              <a:endParaRPr kumimoji="0" lang="ru-RU" altLang="ru-RU" sz="2000" b="0" i="0" u="none" strike="noStrike" kern="0" cap="none" spc="0" normalizeH="0" baseline="-25000" noProof="0" smtClean="0">
+              <a:endParaRPr kumimoji="0" lang="ru-RU" altLang="ru-RU" sz="2000" b="0" i="0" u="none" strike="noStrike" kern="0" cap="none" spc="0" normalizeH="0" baseline="-25000" noProof="0">
                 <a:ln>
                   <a:noFill/>
                 </a:ln>
@@ -18617,7 +18331,7 @@
                 <a:defRPr/>
               </a:pPr>
               <a:r>
-                <a:rPr kumimoji="0" lang="en-US" altLang="ru-RU" sz="2000" b="0" i="1" u="none" strike="noStrike" kern="0" cap="none" spc="0" normalizeH="0" baseline="0" noProof="0" smtClean="0">
+                <a:rPr kumimoji="0" lang="en-US" altLang="ru-RU" sz="2000" b="0" i="1" u="none" strike="noStrike" kern="0" cap="none" spc="0" normalizeH="0" baseline="0" noProof="0">
                   <a:ln>
                     <a:noFill/>
                   </a:ln>
@@ -18632,7 +18346,7 @@
                 <a:t>M</a:t>
               </a:r>
               <a:r>
-                <a:rPr kumimoji="0" lang="en-US" altLang="ru-RU" sz="2000" b="0" i="1" u="none" strike="noStrike" kern="0" cap="none" spc="0" normalizeH="0" baseline="-25000" noProof="0" smtClean="0">
+                <a:rPr kumimoji="0" lang="en-US" altLang="ru-RU" sz="2000" b="0" i="1" u="none" strike="noStrike" kern="0" cap="none" spc="0" normalizeH="0" baseline="-25000" noProof="0">
                   <a:ln>
                     <a:noFill/>
                   </a:ln>
@@ -18646,7 +18360,7 @@
                 </a:rPr>
                 <a:t>n</a:t>
               </a:r>
-              <a:endParaRPr kumimoji="0" lang="ru-RU" altLang="ru-RU" sz="2000" b="0" i="1" u="none" strike="noStrike" kern="0" cap="none" spc="0" normalizeH="0" baseline="-25000" noProof="0" smtClean="0">
+              <a:endParaRPr kumimoji="0" lang="ru-RU" altLang="ru-RU" sz="2000" b="0" i="1" u="none" strike="noStrike" kern="0" cap="none" spc="0" normalizeH="0" baseline="-25000" noProof="0">
                 <a:ln>
                   <a:noFill/>
                 </a:ln>
@@ -18732,7 +18446,7 @@
                 <a:defRPr/>
               </a:pPr>
               <a:r>
-                <a:rPr kumimoji="0" lang="en-US" altLang="ru-RU" sz="2000" b="0" i="1" u="none" strike="noStrike" kern="0" cap="none" spc="0" normalizeH="0" baseline="0" noProof="0" smtClean="0">
+                <a:rPr kumimoji="0" lang="en-US" altLang="ru-RU" sz="2000" b="0" i="1" u="none" strike="noStrike" kern="0" cap="none" spc="0" normalizeH="0" baseline="0" noProof="0">
                   <a:ln>
                     <a:noFill/>
                   </a:ln>
@@ -18746,7 +18460,7 @@
                 </a:rPr>
                 <a:t>y=F(x)</a:t>
               </a:r>
-              <a:endParaRPr kumimoji="0" lang="ru-RU" altLang="ru-RU" sz="2000" b="0" i="1" u="none" strike="noStrike" kern="0" cap="none" spc="0" normalizeH="0" baseline="0" noProof="0" smtClean="0">
+              <a:endParaRPr kumimoji="0" lang="ru-RU" altLang="ru-RU" sz="2000" b="0" i="1" u="none" strike="noStrike" kern="0" cap="none" spc="0" normalizeH="0" baseline="0" noProof="0">
                 <a:ln>
                   <a:noFill/>
                 </a:ln>
@@ -18832,7 +18546,7 @@
                 <a:defRPr/>
               </a:pPr>
               <a:r>
-                <a:rPr kumimoji="0" lang="en-US" altLang="ru-RU" sz="2000" b="0" i="1" u="none" strike="noStrike" kern="0" cap="none" spc="0" normalizeH="0" baseline="0" noProof="0" smtClean="0">
+                <a:rPr kumimoji="0" lang="en-US" altLang="ru-RU" sz="2000" b="0" i="1" u="none" strike="noStrike" kern="0" cap="none" spc="0" normalizeH="0" baseline="0" noProof="0">
                   <a:ln>
                     <a:noFill/>
                   </a:ln>
@@ -18846,7 +18560,7 @@
                 </a:rPr>
                 <a:t>y=f(x)</a:t>
               </a:r>
-              <a:endParaRPr kumimoji="0" lang="ru-RU" altLang="ru-RU" sz="2000" b="0" i="1" u="none" strike="noStrike" kern="0" cap="none" spc="0" normalizeH="0" baseline="0" noProof="0" smtClean="0">
+              <a:endParaRPr kumimoji="0" lang="ru-RU" altLang="ru-RU" sz="2000" b="0" i="1" u="none" strike="noStrike" kern="0" cap="none" spc="0" normalizeH="0" baseline="0" noProof="0">
                 <a:ln>
                   <a:noFill/>
                 </a:ln>
@@ -18926,7 +18640,7 @@
                 <a:tabLst/>
                 <a:defRPr/>
               </a:pPr>
-              <a:endParaRPr kumimoji="0" lang="ru-RU" sz="2000" b="0" i="0" u="none" strike="noStrike" kern="0" cap="none" spc="0" normalizeH="0" baseline="0" noProof="0" smtClean="0">
+              <a:endParaRPr kumimoji="0" lang="ru-RU" sz="2000" b="0" i="0" u="none" strike="noStrike" kern="0" cap="none" spc="0" normalizeH="0" baseline="0" noProof="0">
                 <a:ln>
                   <a:noFill/>
                 </a:ln>
@@ -19006,7 +18720,7 @@
                 <a:tabLst/>
                 <a:defRPr/>
               </a:pPr>
-              <a:endParaRPr kumimoji="0" lang="ru-RU" sz="2000" b="0" i="0" u="none" strike="noStrike" kern="0" cap="none" spc="0" normalizeH="0" baseline="0" noProof="0" smtClean="0">
+              <a:endParaRPr kumimoji="0" lang="ru-RU" sz="2000" b="0" i="0" u="none" strike="noStrike" kern="0" cap="none" spc="0" normalizeH="0" baseline="0" noProof="0">
                 <a:ln>
                   <a:noFill/>
                 </a:ln>
@@ -19086,7 +18800,7 @@
                 <a:tabLst/>
                 <a:defRPr/>
               </a:pPr>
-              <a:endParaRPr kumimoji="0" lang="ru-RU" sz="2000" b="0" i="0" u="none" strike="noStrike" kern="0" cap="none" spc="0" normalizeH="0" baseline="0" noProof="0" smtClean="0">
+              <a:endParaRPr kumimoji="0" lang="ru-RU" sz="2000" b="0" i="0" u="none" strike="noStrike" kern="0" cap="none" spc="0" normalizeH="0" baseline="0" noProof="0">
                 <a:ln>
                   <a:noFill/>
                 </a:ln>
@@ -19166,7 +18880,7 @@
                 <a:tabLst/>
                 <a:defRPr/>
               </a:pPr>
-              <a:endParaRPr kumimoji="0" lang="ru-RU" sz="2000" b="0" i="0" u="none" strike="noStrike" kern="0" cap="none" spc="0" normalizeH="0" baseline="0" noProof="0" smtClean="0">
+              <a:endParaRPr kumimoji="0" lang="ru-RU" sz="2000" b="0" i="0" u="none" strike="noStrike" kern="0" cap="none" spc="0" normalizeH="0" baseline="0" noProof="0">
                 <a:ln>
                   <a:noFill/>
                 </a:ln>
@@ -19246,7 +18960,7 @@
                 <a:tabLst/>
                 <a:defRPr/>
               </a:pPr>
-              <a:endParaRPr kumimoji="0" lang="ru-RU" sz="2000" b="0" i="0" u="none" strike="noStrike" kern="0" cap="none" spc="0" normalizeH="0" baseline="0" noProof="0" smtClean="0">
+              <a:endParaRPr kumimoji="0" lang="ru-RU" sz="2000" b="0" i="0" u="none" strike="noStrike" kern="0" cap="none" spc="0" normalizeH="0" baseline="0" noProof="0">
                 <a:ln>
                   <a:noFill/>
                 </a:ln>
@@ -19335,7 +19049,7 @@
                 <a:defRPr/>
               </a:pPr>
               <a:r>
-                <a:rPr kumimoji="0" lang="en-US" altLang="ru-RU" sz="2000" b="0" i="1" u="none" strike="noStrike" kern="0" cap="none" spc="0" normalizeH="0" baseline="0" noProof="0" smtClean="0">
+                <a:rPr kumimoji="0" lang="en-US" altLang="ru-RU" sz="2000" b="0" i="1" u="none" strike="noStrike" kern="0" cap="none" spc="0" normalizeH="0" baseline="0" noProof="0">
                   <a:ln>
                     <a:noFill/>
                   </a:ln>
@@ -19350,7 +19064,7 @@
                 <a:t>x</a:t>
               </a:r>
               <a:r>
-                <a:rPr kumimoji="0" lang="en-US" altLang="ru-RU" sz="2000" b="0" i="0" u="none" strike="noStrike" kern="0" cap="none" spc="0" normalizeH="0" baseline="-25000" noProof="0" smtClean="0">
+                <a:rPr kumimoji="0" lang="en-US" altLang="ru-RU" sz="2000" b="0" i="0" u="none" strike="noStrike" kern="0" cap="none" spc="0" normalizeH="0" baseline="-25000" noProof="0">
                   <a:ln>
                     <a:noFill/>
                   </a:ln>
@@ -19364,7 +19078,7 @@
                 </a:rPr>
                 <a:t>0</a:t>
               </a:r>
-              <a:endParaRPr kumimoji="0" lang="ru-RU" altLang="ru-RU" sz="2000" b="0" i="0" u="none" strike="noStrike" kern="0" cap="none" spc="0" normalizeH="0" baseline="-25000" noProof="0" smtClean="0">
+              <a:endParaRPr kumimoji="0" lang="ru-RU" altLang="ru-RU" sz="2000" b="0" i="0" u="none" strike="noStrike" kern="0" cap="none" spc="0" normalizeH="0" baseline="-25000" noProof="0">
                 <a:ln>
                   <a:noFill/>
                 </a:ln>
@@ -19453,7 +19167,7 @@
                 <a:defRPr/>
               </a:pPr>
               <a:r>
-                <a:rPr kumimoji="0" lang="en-US" altLang="ru-RU" sz="2000" b="0" i="1" u="none" strike="noStrike" kern="0" cap="none" spc="0" normalizeH="0" baseline="0" noProof="0" smtClean="0">
+                <a:rPr kumimoji="0" lang="en-US" altLang="ru-RU" sz="2000" b="0" i="1" u="none" strike="noStrike" kern="0" cap="none" spc="0" normalizeH="0" baseline="0" noProof="0">
                   <a:ln>
                     <a:noFill/>
                   </a:ln>
@@ -19468,7 +19182,7 @@
                 <a:t>x</a:t>
               </a:r>
               <a:r>
-                <a:rPr kumimoji="0" lang="en-US" altLang="ru-RU" sz="2000" b="0" i="0" u="none" strike="noStrike" kern="0" cap="none" spc="0" normalizeH="0" baseline="-25000" noProof="0" smtClean="0">
+                <a:rPr kumimoji="0" lang="en-US" altLang="ru-RU" sz="2000" b="0" i="0" u="none" strike="noStrike" kern="0" cap="none" spc="0" normalizeH="0" baseline="-25000" noProof="0">
                   <a:ln>
                     <a:noFill/>
                   </a:ln>
@@ -19482,7 +19196,7 @@
                 </a:rPr>
                 <a:t>1</a:t>
               </a:r>
-              <a:endParaRPr kumimoji="0" lang="ru-RU" altLang="ru-RU" sz="2000" b="0" i="0" u="none" strike="noStrike" kern="0" cap="none" spc="0" normalizeH="0" baseline="-25000" noProof="0" smtClean="0">
+              <a:endParaRPr kumimoji="0" lang="ru-RU" altLang="ru-RU" sz="2000" b="0" i="0" u="none" strike="noStrike" kern="0" cap="none" spc="0" normalizeH="0" baseline="-25000" noProof="0">
                 <a:ln>
                   <a:noFill/>
                 </a:ln>
@@ -19571,7 +19285,7 @@
                 <a:defRPr/>
               </a:pPr>
               <a:r>
-                <a:rPr kumimoji="0" lang="en-US" altLang="ru-RU" sz="2000" b="0" i="1" u="none" strike="noStrike" kern="0" cap="none" spc="0" normalizeH="0" baseline="0" noProof="0" smtClean="0">
+                <a:rPr kumimoji="0" lang="en-US" altLang="ru-RU" sz="2000" b="0" i="1" u="none" strike="noStrike" kern="0" cap="none" spc="0" normalizeH="0" baseline="0" noProof="0">
                   <a:ln>
                     <a:noFill/>
                   </a:ln>
@@ -19586,7 +19300,7 @@
                 <a:t>x</a:t>
               </a:r>
               <a:r>
-                <a:rPr kumimoji="0" lang="en-US" altLang="ru-RU" sz="2000" b="0" i="1" u="none" strike="noStrike" kern="0" cap="none" spc="0" normalizeH="0" baseline="-25000" noProof="0" smtClean="0">
+                <a:rPr kumimoji="0" lang="en-US" altLang="ru-RU" sz="2000" b="0" i="1" u="none" strike="noStrike" kern="0" cap="none" spc="0" normalizeH="0" baseline="-25000" noProof="0">
                   <a:ln>
                     <a:noFill/>
                   </a:ln>
@@ -19600,7 +19314,7 @@
                 </a:rPr>
                 <a:t>n</a:t>
               </a:r>
-              <a:endParaRPr kumimoji="0" lang="ru-RU" altLang="ru-RU" sz="2000" b="0" i="1" u="none" strike="noStrike" kern="0" cap="none" spc="0" normalizeH="0" baseline="-25000" noProof="0" smtClean="0">
+              <a:endParaRPr kumimoji="0" lang="ru-RU" altLang="ru-RU" sz="2000" b="0" i="1" u="none" strike="noStrike" kern="0" cap="none" spc="0" normalizeH="0" baseline="-25000" noProof="0">
                 <a:ln>
                   <a:noFill/>
                 </a:ln>
@@ -19689,7 +19403,7 @@
                 <a:defRPr/>
               </a:pPr>
               <a:r>
-                <a:rPr kumimoji="0" lang="en-US" altLang="ru-RU" sz="2000" b="0" i="1" u="none" strike="noStrike" kern="0" cap="none" spc="0" normalizeH="0" baseline="0" noProof="0" smtClean="0">
+                <a:rPr kumimoji="0" lang="en-US" altLang="ru-RU" sz="2000" b="0" i="1" u="none" strike="noStrike" kern="0" cap="none" spc="0" normalizeH="0" baseline="0" noProof="0">
                   <a:ln>
                     <a:noFill/>
                   </a:ln>
@@ -19704,7 +19418,7 @@
                 <a:t>y</a:t>
               </a:r>
               <a:r>
-                <a:rPr kumimoji="0" lang="en-US" altLang="ru-RU" sz="2000" b="0" i="0" u="none" strike="noStrike" kern="0" cap="none" spc="0" normalizeH="0" baseline="-25000" noProof="0" smtClean="0">
+                <a:rPr kumimoji="0" lang="en-US" altLang="ru-RU" sz="2000" b="0" i="0" u="none" strike="noStrike" kern="0" cap="none" spc="0" normalizeH="0" baseline="-25000" noProof="0">
                   <a:ln>
                     <a:noFill/>
                   </a:ln>
@@ -19718,7 +19432,7 @@
                 </a:rPr>
                 <a:t>0</a:t>
               </a:r>
-              <a:endParaRPr kumimoji="0" lang="ru-RU" altLang="ru-RU" sz="2000" b="0" i="0" u="none" strike="noStrike" kern="0" cap="none" spc="0" normalizeH="0" baseline="-25000" noProof="0" smtClean="0">
+              <a:endParaRPr kumimoji="0" lang="ru-RU" altLang="ru-RU" sz="2000" b="0" i="0" u="none" strike="noStrike" kern="0" cap="none" spc="0" normalizeH="0" baseline="-25000" noProof="0">
                 <a:ln>
                   <a:noFill/>
                 </a:ln>
@@ -19807,7 +19521,7 @@
                 <a:defRPr/>
               </a:pPr>
               <a:r>
-                <a:rPr kumimoji="0" lang="en-US" altLang="ru-RU" sz="2000" b="0" i="1" u="none" strike="noStrike" kern="0" cap="none" spc="0" normalizeH="0" baseline="0" noProof="0" smtClean="0">
+                <a:rPr kumimoji="0" lang="en-US" altLang="ru-RU" sz="2000" b="0" i="1" u="none" strike="noStrike" kern="0" cap="none" spc="0" normalizeH="0" baseline="0" noProof="0">
                   <a:ln>
                     <a:noFill/>
                   </a:ln>
@@ -19822,7 +19536,7 @@
                 <a:t>y</a:t>
               </a:r>
               <a:r>
-                <a:rPr kumimoji="0" lang="en-US" altLang="ru-RU" sz="2000" b="0" i="0" u="none" strike="noStrike" kern="0" cap="none" spc="0" normalizeH="0" baseline="-25000" noProof="0" smtClean="0">
+                <a:rPr kumimoji="0" lang="en-US" altLang="ru-RU" sz="2000" b="0" i="0" u="none" strike="noStrike" kern="0" cap="none" spc="0" normalizeH="0" baseline="-25000" noProof="0">
                   <a:ln>
                     <a:noFill/>
                   </a:ln>
@@ -19836,7 +19550,7 @@
                 </a:rPr>
                 <a:t>1</a:t>
               </a:r>
-              <a:endParaRPr kumimoji="0" lang="ru-RU" altLang="ru-RU" sz="2000" b="0" i="0" u="none" strike="noStrike" kern="0" cap="none" spc="0" normalizeH="0" baseline="-25000" noProof="0" smtClean="0">
+              <a:endParaRPr kumimoji="0" lang="ru-RU" altLang="ru-RU" sz="2000" b="0" i="0" u="none" strike="noStrike" kern="0" cap="none" spc="0" normalizeH="0" baseline="-25000" noProof="0">
                 <a:ln>
                   <a:noFill/>
                 </a:ln>
@@ -19925,7 +19639,7 @@
                 <a:defRPr/>
               </a:pPr>
               <a:r>
-                <a:rPr kumimoji="0" lang="en-US" altLang="ru-RU" sz="2000" b="0" i="1" u="none" strike="noStrike" kern="0" cap="none" spc="0" normalizeH="0" baseline="0" noProof="0" smtClean="0">
+                <a:rPr kumimoji="0" lang="en-US" altLang="ru-RU" sz="2000" b="0" i="1" u="none" strike="noStrike" kern="0" cap="none" spc="0" normalizeH="0" baseline="0" noProof="0">
                   <a:ln>
                     <a:noFill/>
                   </a:ln>
@@ -19940,7 +19654,7 @@
                 <a:t>y</a:t>
               </a:r>
               <a:r>
-                <a:rPr kumimoji="0" lang="en-US" altLang="ru-RU" sz="2000" b="0" i="1" u="none" strike="noStrike" kern="0" cap="none" spc="0" normalizeH="0" baseline="-25000" noProof="0" smtClean="0">
+                <a:rPr kumimoji="0" lang="en-US" altLang="ru-RU" sz="2000" b="0" i="1" u="none" strike="noStrike" kern="0" cap="none" spc="0" normalizeH="0" baseline="-25000" noProof="0">
                   <a:ln>
                     <a:noFill/>
                   </a:ln>
@@ -19954,7 +19668,7 @@
                 </a:rPr>
                 <a:t>n</a:t>
               </a:r>
-              <a:endParaRPr kumimoji="0" lang="ru-RU" altLang="ru-RU" sz="2000" b="0" i="1" u="none" strike="noStrike" kern="0" cap="none" spc="0" normalizeH="0" baseline="-25000" noProof="0" smtClean="0">
+              <a:endParaRPr kumimoji="0" lang="ru-RU" altLang="ru-RU" sz="2000" b="0" i="1" u="none" strike="noStrike" kern="0" cap="none" spc="0" normalizeH="0" baseline="-25000" noProof="0">
                 <a:ln>
                   <a:noFill/>
                 </a:ln>
@@ -20043,7 +19757,7 @@
                 <a:defRPr/>
               </a:pPr>
               <a:r>
-                <a:rPr kumimoji="0" lang="en-US" altLang="ru-RU" sz="2000" b="0" i="1" u="none" strike="noStrike" kern="0" cap="none" spc="0" normalizeH="0" baseline="0" noProof="0" smtClean="0">
+                <a:rPr kumimoji="0" lang="en-US" altLang="ru-RU" sz="2000" b="0" i="1" u="none" strike="noStrike" kern="0" cap="none" spc="0" normalizeH="0" baseline="0" noProof="0">
                   <a:ln>
                     <a:noFill/>
                   </a:ln>
@@ -20058,7 +19772,7 @@
                 <a:t>M</a:t>
               </a:r>
               <a:r>
-                <a:rPr kumimoji="0" lang="en-US" altLang="ru-RU" sz="2000" b="0" i="0" u="none" strike="noStrike" kern="0" cap="none" spc="0" normalizeH="0" baseline="-25000" noProof="0" smtClean="0">
+                <a:rPr kumimoji="0" lang="en-US" altLang="ru-RU" sz="2000" b="0" i="0" u="none" strike="noStrike" kern="0" cap="none" spc="0" normalizeH="0" baseline="-25000" noProof="0">
                   <a:ln>
                     <a:noFill/>
                   </a:ln>
@@ -20072,7 +19786,7 @@
                 </a:rPr>
                 <a:t>2</a:t>
               </a:r>
-              <a:endParaRPr kumimoji="0" lang="ru-RU" altLang="ru-RU" sz="2000" b="0" i="0" u="none" strike="noStrike" kern="0" cap="none" spc="0" normalizeH="0" baseline="-25000" noProof="0" smtClean="0">
+              <a:endParaRPr kumimoji="0" lang="ru-RU" altLang="ru-RU" sz="2000" b="0" i="0" u="none" strike="noStrike" kern="0" cap="none" spc="0" normalizeH="0" baseline="-25000" noProof="0">
                 <a:ln>
                   <a:noFill/>
                 </a:ln>
@@ -20167,7 +19881,7 @@
                   <a:tabLst/>
                   <a:defRPr/>
                 </a:pPr>
-                <a:endParaRPr kumimoji="0" lang="ru-RU" sz="2000" b="0" i="0" u="none" strike="noStrike" kern="0" cap="none" spc="0" normalizeH="0" baseline="0" noProof="0" smtClean="0">
+                <a:endParaRPr kumimoji="0" lang="ru-RU" sz="2000" b="0" i="0" u="none" strike="noStrike" kern="0" cap="none" spc="0" normalizeH="0" baseline="0" noProof="0">
                   <a:ln>
                     <a:noFill/>
                   </a:ln>
@@ -20246,7 +19960,7 @@
                   <a:tabLst/>
                   <a:defRPr/>
                 </a:pPr>
-                <a:endParaRPr kumimoji="0" lang="ru-RU" sz="2000" b="0" i="0" u="none" strike="noStrike" kern="0" cap="none" spc="0" normalizeH="0" baseline="0" noProof="0" smtClean="0">
+                <a:endParaRPr kumimoji="0" lang="ru-RU" sz="2000" b="0" i="0" u="none" strike="noStrike" kern="0" cap="none" spc="0" normalizeH="0" baseline="0" noProof="0">
                   <a:ln>
                     <a:noFill/>
                   </a:ln>
@@ -20335,7 +20049,7 @@
                   <a:defRPr/>
                 </a:pPr>
                 <a:r>
-                  <a:rPr kumimoji="0" lang="en-US" altLang="ru-RU" sz="2000" b="1" i="0" u="none" strike="noStrike" kern="0" cap="none" spc="0" normalizeH="0" baseline="0" noProof="0" smtClean="0">
+                  <a:rPr kumimoji="0" lang="en-US" altLang="ru-RU" sz="2000" b="1" i="0" u="none" strike="noStrike" kern="0" cap="none" spc="0" normalizeH="0" baseline="0" noProof="0">
                     <a:ln>
                       <a:noFill/>
                     </a:ln>
@@ -20349,7 +20063,7 @@
                   </a:rPr>
                   <a:t>0</a:t>
                 </a:r>
-                <a:endParaRPr kumimoji="0" lang="ru-RU" altLang="ru-RU" sz="2000" b="1" i="0" u="none" strike="noStrike" kern="0" cap="none" spc="0" normalizeH="0" baseline="-25000" noProof="0" smtClean="0">
+                <a:endParaRPr kumimoji="0" lang="ru-RU" altLang="ru-RU" sz="2000" b="1" i="0" u="none" strike="noStrike" kern="0" cap="none" spc="0" normalizeH="0" baseline="-25000" noProof="0">
                   <a:ln>
                     <a:noFill/>
                   </a:ln>
@@ -20438,7 +20152,7 @@
                   <a:defRPr/>
                 </a:pPr>
                 <a:r>
-                  <a:rPr kumimoji="0" lang="en-US" altLang="ru-RU" sz="2000" b="1" i="1" u="none" strike="noStrike" kern="0" cap="none" spc="0" normalizeH="0" baseline="0" noProof="0" smtClean="0">
+                  <a:rPr kumimoji="0" lang="en-US" altLang="ru-RU" sz="2000" b="1" i="1" u="none" strike="noStrike" kern="0" cap="none" spc="0" normalizeH="0" baseline="0" noProof="0">
                     <a:ln>
                       <a:noFill/>
                     </a:ln>
@@ -20452,7 +20166,7 @@
                   </a:rPr>
                   <a:t>y</a:t>
                 </a:r>
-                <a:endParaRPr kumimoji="0" lang="ru-RU" altLang="ru-RU" sz="2000" b="1" i="0" u="none" strike="noStrike" kern="0" cap="none" spc="0" normalizeH="0" baseline="-25000" noProof="0" smtClean="0">
+                <a:endParaRPr kumimoji="0" lang="ru-RU" altLang="ru-RU" sz="2000" b="1" i="0" u="none" strike="noStrike" kern="0" cap="none" spc="0" normalizeH="0" baseline="-25000" noProof="0">
                   <a:ln>
                     <a:noFill/>
                   </a:ln>
@@ -20541,7 +20255,7 @@
                   <a:defRPr/>
                 </a:pPr>
                 <a:r>
-                  <a:rPr kumimoji="0" lang="en-US" altLang="ru-RU" sz="2000" b="1" i="1" u="none" strike="noStrike" kern="0" cap="none" spc="0" normalizeH="0" baseline="0" noProof="0" smtClean="0">
+                  <a:rPr kumimoji="0" lang="en-US" altLang="ru-RU" sz="2000" b="1" i="1" u="none" strike="noStrike" kern="0" cap="none" spc="0" normalizeH="0" baseline="0" noProof="0">
                     <a:ln>
                       <a:noFill/>
                     </a:ln>
@@ -20555,7 +20269,7 @@
                   </a:rPr>
                   <a:t>x</a:t>
                 </a:r>
-                <a:endParaRPr kumimoji="0" lang="ru-RU" altLang="ru-RU" sz="2000" b="1" i="0" u="none" strike="noStrike" kern="0" cap="none" spc="0" normalizeH="0" baseline="-25000" noProof="0" smtClean="0">
+                <a:endParaRPr kumimoji="0" lang="ru-RU" altLang="ru-RU" sz="2000" b="1" i="0" u="none" strike="noStrike" kern="0" cap="none" spc="0" normalizeH="0" baseline="-25000" noProof="0">
                   <a:ln>
                     <a:noFill/>
                   </a:ln>
@@ -20582,13 +20296,6 @@
   <p:clrMapOvr>
     <a:masterClrMapping/>
   </p:clrMapOvr>
-  <p:timing>
-    <p:tnLst>
-      <p:par>
-        <p:cTn id="1" dur="indefinite" restart="never" nodeType="tmRoot"/>
-      </p:par>
-    </p:tnLst>
-  </p:timing>
 </p:sld>
 </file>
 
@@ -20633,7 +20340,7 @@
           <a:p>
             <a:pPr algn="ctr"/>
             <a:r>
-              <a:rPr lang="ru-RU" sz="3600" b="1" dirty="0" smtClean="0">
+              <a:rPr lang="ru-RU" sz="3600" b="1" dirty="0">
                 <a:ln w="9000" cmpd="sng">
                   <a:solidFill>
                     <a:schemeClr val="accent4">
@@ -20745,7 +20452,7 @@
           <a:lstStyle/>
           <a:p>
             <a:r>
-              <a:rPr lang="ru-RU" sz="2400" b="1" u="sng" dirty="0" smtClean="0">
+              <a:rPr lang="ru-RU" sz="2400" b="1" u="sng" dirty="0">
                 <a:solidFill>
                   <a:srgbClr val="7030A0"/>
                 </a:solidFill>
@@ -20753,7 +20460,7 @@
               <a:t>Узлы интерполирования</a:t>
             </a:r>
             <a:r>
-              <a:rPr lang="ru-RU" sz="2400" b="1" dirty="0" smtClean="0">
+              <a:rPr lang="ru-RU" sz="2400" b="1" dirty="0">
                 <a:solidFill>
                   <a:srgbClr val="7030A0"/>
                 </a:solidFill>
@@ -20770,7 +20477,7 @@
           </a:p>
           <a:p>
             <a:r>
-              <a:rPr lang="ru-RU" sz="2400" b="1" u="sng" dirty="0" smtClean="0">
+              <a:rPr lang="ru-RU" sz="2400" b="1" u="sng" dirty="0">
                 <a:solidFill>
                   <a:srgbClr val="7030A0"/>
                 </a:solidFill>
@@ -20778,44 +20485,12 @@
               <a:t>Интерполяция</a:t>
             </a:r>
             <a:r>
-              <a:rPr lang="ru-RU" sz="2400" b="1" dirty="0" smtClean="0">
+              <a:rPr lang="ru-RU" sz="2400" b="1" dirty="0">
                 <a:solidFill>
                   <a:srgbClr val="7030A0"/>
                 </a:solidFill>
               </a:rPr>
-              <a:t> – процесс </a:t>
-            </a:r>
-            <a:r>
-              <a:rPr lang="ru-RU" sz="2400" b="1" dirty="0">
-                <a:solidFill>
-                  <a:srgbClr val="7030A0"/>
-                </a:solidFill>
-              </a:rPr>
-              <a:t>получения </a:t>
-            </a:r>
-            <a:r>
-              <a:rPr lang="ru-RU" sz="2400" b="1" dirty="0" smtClean="0">
-                <a:solidFill>
-                  <a:srgbClr val="7030A0"/>
-                </a:solidFill>
-              </a:rPr>
-              <a:t>значений </a:t>
-            </a:r>
-            <a:r>
-              <a:rPr lang="ru-RU" sz="2400" b="1" dirty="0">
-                <a:solidFill>
-                  <a:srgbClr val="7030A0"/>
-                </a:solidFill>
-              </a:rPr>
-              <a:t>функциональной зависимости </a:t>
-            </a:r>
-            <a:r>
-              <a:rPr lang="ru-RU" sz="2400" b="1" dirty="0" smtClean="0">
-                <a:solidFill>
-                  <a:srgbClr val="7030A0"/>
-                </a:solidFill>
-              </a:rPr>
-              <a:t>в пределах локализации всех узлов интерполирования.</a:t>
+              <a:t> – процесс получения значений функциональной зависимости в пределах локализации всех узлов интерполирования.</a:t>
             </a:r>
           </a:p>
           <a:p>
@@ -20827,42 +20502,13 @@
           </a:p>
           <a:p>
             <a:r>
-              <a:rPr lang="ru-RU" sz="2400" b="1" dirty="0" smtClean="0">
+              <a:rPr lang="ru-RU" sz="2400" b="1" dirty="0">
                 <a:solidFill>
                   <a:srgbClr val="7030A0"/>
                 </a:solidFill>
               </a:rPr>
-              <a:t>Экстраполяция – процесс получения </a:t>
+              <a:t>Экстраполяция – процесс получения значений функциональной зависимости вне пределов локализации всех узлов интерполирования.</a:t>
             </a:r>
-            <a:r>
-              <a:rPr lang="ru-RU" sz="2400" b="1" dirty="0">
-                <a:solidFill>
-                  <a:srgbClr val="7030A0"/>
-                </a:solidFill>
-              </a:rPr>
-              <a:t>значений функциональной зависимости </a:t>
-            </a:r>
-            <a:r>
-              <a:rPr lang="ru-RU" sz="2400" b="1" dirty="0" smtClean="0">
-                <a:solidFill>
-                  <a:srgbClr val="7030A0"/>
-                </a:solidFill>
-              </a:rPr>
-              <a:t>вне пределов </a:t>
-            </a:r>
-            <a:r>
-              <a:rPr lang="ru-RU" sz="2400" b="1" dirty="0">
-                <a:solidFill>
-                  <a:srgbClr val="7030A0"/>
-                </a:solidFill>
-              </a:rPr>
-              <a:t>локализации всех узлов интерполирования.</a:t>
-            </a:r>
-            <a:endParaRPr lang="ru-RU" sz="2400" b="1" dirty="0" smtClean="0">
-              <a:solidFill>
-                <a:srgbClr val="7030A0"/>
-              </a:solidFill>
-            </a:endParaRPr>
           </a:p>
         </p:txBody>
       </p:sp>
@@ -20876,13 +20522,6 @@
   <p:clrMapOvr>
     <a:masterClrMapping/>
   </p:clrMapOvr>
-  <p:timing>
-    <p:tnLst>
-      <p:par>
-        <p:cTn id="1" dur="indefinite" restart="never" nodeType="tmRoot"/>
-      </p:par>
-    </p:tnLst>
-  </p:timing>
 </p:sld>
 </file>
 
@@ -20927,7 +20566,7 @@
           <a:p>
             <a:pPr algn="ctr"/>
             <a:r>
-              <a:rPr lang="ru-RU" sz="3600" b="1" dirty="0" smtClean="0">
+              <a:rPr lang="ru-RU" sz="3600" b="1" dirty="0">
                 <a:ln w="9000" cmpd="sng">
                   <a:solidFill>
                     <a:schemeClr val="accent4">
@@ -20972,7 +20611,7 @@
               <a:t>Линейное интерполирование</a:t>
             </a:r>
             <a:br>
-              <a:rPr lang="ru-RU" sz="3600" b="1" dirty="0" smtClean="0">
+              <a:rPr lang="ru-RU" sz="3600" b="1" dirty="0">
                 <a:ln w="9000" cmpd="sng">
                   <a:solidFill>
                     <a:schemeClr val="accent4">
@@ -21016,7 +20655,7 @@
               </a:rPr>
             </a:br>
             <a:r>
-              <a:rPr lang="ru-RU" sz="3600" b="1" dirty="0" smtClean="0">
+              <a:rPr lang="ru-RU" sz="3600" b="1" dirty="0">
                 <a:ln w="9000" cmpd="sng">
                   <a:solidFill>
                     <a:schemeClr val="accent4">
@@ -21166,7 +20805,7 @@
               <a:tabLst/>
               <a:defRPr/>
             </a:pPr>
-            <a:endParaRPr kumimoji="0" lang="ru-RU" sz="2400" b="0" i="0" u="none" strike="noStrike" kern="0" cap="none" spc="0" normalizeH="0" baseline="0" noProof="0" smtClean="0">
+            <a:endParaRPr kumimoji="0" lang="ru-RU" sz="2400" b="0" i="0" u="none" strike="noStrike" kern="0" cap="none" spc="0" normalizeH="0" baseline="0" noProof="0">
               <a:ln>
                 <a:noFill/>
               </a:ln>
@@ -21242,7 +20881,7 @@
               <a:tabLst/>
               <a:defRPr/>
             </a:pPr>
-            <a:endParaRPr kumimoji="0" lang="ru-RU" sz="2400" b="0" i="0" u="none" strike="noStrike" kern="0" cap="none" spc="0" normalizeH="0" baseline="0" noProof="0" smtClean="0">
+            <a:endParaRPr kumimoji="0" lang="ru-RU" sz="2400" b="0" i="0" u="none" strike="noStrike" kern="0" cap="none" spc="0" normalizeH="0" baseline="0" noProof="0">
               <a:ln>
                 <a:noFill/>
               </a:ln>
@@ -21522,7 +21161,7 @@
               <a:tabLst/>
               <a:defRPr/>
             </a:pPr>
-            <a:endParaRPr kumimoji="0" lang="ru-RU" sz="2400" b="0" i="0" u="none" strike="noStrike" kern="0" cap="none" spc="0" normalizeH="0" baseline="0" noProof="0" smtClean="0">
+            <a:endParaRPr kumimoji="0" lang="ru-RU" sz="2400" b="0" i="0" u="none" strike="noStrike" kern="0" cap="none" spc="0" normalizeH="0" baseline="0" noProof="0">
               <a:ln>
                 <a:noFill/>
               </a:ln>
@@ -21602,7 +21241,7 @@
               </a:spcAft>
             </a:pPr>
             <a:r>
-              <a:rPr lang="en-US" altLang="ru-RU" sz="2400" i="1" dirty="0" smtClean="0">
+              <a:rPr lang="en-US" altLang="ru-RU" sz="2400" i="1" dirty="0">
                 <a:solidFill>
                   <a:srgbClr val="000000"/>
                 </a:solidFill>
@@ -21611,7 +21250,7 @@
               <a:t>M</a:t>
             </a:r>
             <a:r>
-              <a:rPr lang="en-US" altLang="ru-RU" sz="2400" baseline="-25000" dirty="0" smtClean="0">
+              <a:rPr lang="en-US" altLang="ru-RU" sz="2400" baseline="-25000" dirty="0">
                 <a:solidFill>
                   <a:srgbClr val="000000"/>
                 </a:solidFill>
@@ -21619,7 +21258,7 @@
               </a:rPr>
               <a:t>1</a:t>
             </a:r>
-            <a:endParaRPr lang="ru-RU" altLang="ru-RU" sz="2400" baseline="-25000" dirty="0" smtClean="0">
+            <a:endParaRPr lang="ru-RU" altLang="ru-RU" sz="2400" baseline="-25000" dirty="0">
               <a:solidFill>
                 <a:srgbClr val="000000"/>
               </a:solidFill>
@@ -21699,7 +21338,7 @@
               <a:defRPr/>
             </a:pPr>
             <a:r>
-              <a:rPr kumimoji="0" lang="en-US" altLang="ru-RU" sz="2400" b="0" i="1" u="none" strike="noStrike" kern="0" cap="none" spc="0" normalizeH="0" baseline="0" noProof="0" smtClean="0">
+              <a:rPr kumimoji="0" lang="en-US" altLang="ru-RU" sz="2400" b="0" i="1" u="none" strike="noStrike" kern="0" cap="none" spc="0" normalizeH="0" baseline="0" noProof="0">
                 <a:ln>
                   <a:noFill/>
                 </a:ln>
@@ -21713,7 +21352,7 @@
               </a:rPr>
               <a:t>y=F(x)</a:t>
             </a:r>
-            <a:endParaRPr kumimoji="0" lang="ru-RU" altLang="ru-RU" sz="2400" b="0" i="1" u="none" strike="noStrike" kern="0" cap="none" spc="0" normalizeH="0" baseline="0" noProof="0" smtClean="0">
+            <a:endParaRPr kumimoji="0" lang="ru-RU" altLang="ru-RU" sz="2400" b="0" i="1" u="none" strike="noStrike" kern="0" cap="none" spc="0" normalizeH="0" baseline="0" noProof="0">
               <a:ln>
                 <a:noFill/>
               </a:ln>
@@ -21799,7 +21438,7 @@
               <a:defRPr/>
             </a:pPr>
             <a:r>
-              <a:rPr kumimoji="0" lang="en-US" altLang="ru-RU" sz="2400" b="0" i="1" u="none" strike="noStrike" kern="0" cap="none" spc="0" normalizeH="0" baseline="0" noProof="0" smtClean="0">
+              <a:rPr kumimoji="0" lang="en-US" altLang="ru-RU" sz="2400" b="0" i="1" u="none" strike="noStrike" kern="0" cap="none" spc="0" normalizeH="0" baseline="0" noProof="0">
                 <a:ln>
                   <a:noFill/>
                 </a:ln>
@@ -21813,7 +21452,7 @@
               </a:rPr>
               <a:t>y=f(x)</a:t>
             </a:r>
-            <a:endParaRPr kumimoji="0" lang="ru-RU" altLang="ru-RU" sz="2400" b="0" i="1" u="none" strike="noStrike" kern="0" cap="none" spc="0" normalizeH="0" baseline="0" noProof="0" smtClean="0">
+            <a:endParaRPr kumimoji="0" lang="ru-RU" altLang="ru-RU" sz="2400" b="0" i="1" u="none" strike="noStrike" kern="0" cap="none" spc="0" normalizeH="0" baseline="0" noProof="0">
               <a:ln>
                 <a:noFill/>
               </a:ln>
@@ -21893,7 +21532,7 @@
               <a:tabLst/>
               <a:defRPr/>
             </a:pPr>
-            <a:endParaRPr kumimoji="0" lang="ru-RU" sz="2400" b="0" i="0" u="none" strike="noStrike" kern="0" cap="none" spc="0" normalizeH="0" baseline="0" noProof="0" smtClean="0">
+            <a:endParaRPr kumimoji="0" lang="ru-RU" sz="2400" b="0" i="0" u="none" strike="noStrike" kern="0" cap="none" spc="0" normalizeH="0" baseline="0" noProof="0">
               <a:ln>
                 <a:noFill/>
               </a:ln>
@@ -21973,7 +21612,7 @@
               <a:tabLst/>
               <a:defRPr/>
             </a:pPr>
-            <a:endParaRPr kumimoji="0" lang="ru-RU" sz="2400" b="0" i="0" u="none" strike="noStrike" kern="0" cap="none" spc="0" normalizeH="0" baseline="0" noProof="0" smtClean="0">
+            <a:endParaRPr kumimoji="0" lang="ru-RU" sz="2400" b="0" i="0" u="none" strike="noStrike" kern="0" cap="none" spc="0" normalizeH="0" baseline="0" noProof="0">
               <a:ln>
                 <a:noFill/>
               </a:ln>
@@ -22053,7 +21692,7 @@
               </a:spcAft>
             </a:pPr>
             <a:r>
-              <a:rPr lang="en-US" altLang="ru-RU" sz="2400" i="1" dirty="0" smtClean="0">
+              <a:rPr lang="en-US" altLang="ru-RU" sz="2400" i="1" dirty="0">
                 <a:solidFill>
                   <a:srgbClr val="000000"/>
                 </a:solidFill>
@@ -22062,7 +21701,7 @@
               <a:t>x</a:t>
             </a:r>
             <a:r>
-              <a:rPr lang="ru-RU" altLang="ru-RU" sz="2400" baseline="-25000" dirty="0" smtClean="0">
+              <a:rPr lang="ru-RU" altLang="ru-RU" sz="2400" baseline="-25000" dirty="0">
                 <a:solidFill>
                   <a:srgbClr val="000000"/>
                 </a:solidFill>
@@ -22138,7 +21777,7 @@
               </a:spcAft>
             </a:pPr>
             <a:r>
-              <a:rPr lang="en-US" altLang="ru-RU" sz="2400" i="1" dirty="0" smtClean="0">
+              <a:rPr lang="en-US" altLang="ru-RU" sz="2400" i="1" dirty="0">
                 <a:solidFill>
                   <a:srgbClr val="000000"/>
                 </a:solidFill>
@@ -22147,7 +21786,7 @@
               <a:t>x</a:t>
             </a:r>
             <a:r>
-              <a:rPr lang="en-US" altLang="ru-RU" sz="2400" baseline="-25000" dirty="0" smtClean="0">
+              <a:rPr lang="en-US" altLang="ru-RU" sz="2400" baseline="-25000" dirty="0">
                 <a:solidFill>
                   <a:srgbClr val="000000"/>
                 </a:solidFill>
@@ -22155,7 +21794,7 @@
               </a:rPr>
               <a:t>1</a:t>
             </a:r>
-            <a:endParaRPr lang="ru-RU" altLang="ru-RU" sz="2400" baseline="-25000" dirty="0" smtClean="0">
+            <a:endParaRPr lang="ru-RU" altLang="ru-RU" sz="2400" baseline="-25000" dirty="0">
               <a:solidFill>
                 <a:srgbClr val="000000"/>
               </a:solidFill>
@@ -22289,7 +21928,7 @@
               <a:tabLst/>
               <a:defRPr/>
             </a:pPr>
-            <a:endParaRPr kumimoji="0" lang="ru-RU" sz="2400" b="0" i="0" u="none" strike="noStrike" kern="0" cap="none" spc="0" normalizeH="0" baseline="0" noProof="0" smtClean="0">
+            <a:endParaRPr kumimoji="0" lang="ru-RU" sz="2400" b="0" i="0" u="none" strike="noStrike" kern="0" cap="none" spc="0" normalizeH="0" baseline="0" noProof="0">
               <a:ln>
                 <a:noFill/>
               </a:ln>
@@ -22384,7 +22023,7 @@
                 <a:tabLst/>
                 <a:defRPr/>
               </a:pPr>
-              <a:endParaRPr kumimoji="0" lang="ru-RU" sz="2400" b="0" i="0" u="none" strike="noStrike" kern="0" cap="none" spc="0" normalizeH="0" baseline="0" noProof="0" smtClean="0">
+              <a:endParaRPr kumimoji="0" lang="ru-RU" sz="2400" b="0" i="0" u="none" strike="noStrike" kern="0" cap="none" spc="0" normalizeH="0" baseline="0" noProof="0">
                 <a:ln>
                   <a:noFill/>
                 </a:ln>
@@ -22463,7 +22102,7 @@
                 <a:tabLst/>
                 <a:defRPr/>
               </a:pPr>
-              <a:endParaRPr kumimoji="0" lang="ru-RU" sz="2400" b="0" i="0" u="none" strike="noStrike" kern="0" cap="none" spc="0" normalizeH="0" baseline="0" noProof="0" smtClean="0">
+              <a:endParaRPr kumimoji="0" lang="ru-RU" sz="2400" b="0" i="0" u="none" strike="noStrike" kern="0" cap="none" spc="0" normalizeH="0" baseline="0" noProof="0">
                 <a:ln>
                   <a:noFill/>
                 </a:ln>
@@ -22552,7 +22191,7 @@
                 <a:defRPr/>
               </a:pPr>
               <a:r>
-                <a:rPr kumimoji="0" lang="en-US" altLang="ru-RU" sz="2400" b="1" i="0" u="none" strike="noStrike" kern="0" cap="none" spc="0" normalizeH="0" baseline="0" noProof="0" dirty="0" smtClean="0">
+                <a:rPr kumimoji="0" lang="en-US" altLang="ru-RU" sz="2400" b="1" i="0" u="none" strike="noStrike" kern="0" cap="none" spc="0" normalizeH="0" baseline="0" noProof="0" dirty="0">
                   <a:ln>
                     <a:noFill/>
                   </a:ln>
@@ -22566,7 +22205,7 @@
                 </a:rPr>
                 <a:t>0</a:t>
               </a:r>
-              <a:endParaRPr kumimoji="0" lang="ru-RU" altLang="ru-RU" sz="2400" b="1" i="0" u="none" strike="noStrike" kern="0" cap="none" spc="0" normalizeH="0" baseline="-25000" noProof="0" dirty="0" smtClean="0">
+              <a:endParaRPr kumimoji="0" lang="ru-RU" altLang="ru-RU" sz="2400" b="1" i="0" u="none" strike="noStrike" kern="0" cap="none" spc="0" normalizeH="0" baseline="-25000" noProof="0" dirty="0">
                 <a:ln>
                   <a:noFill/>
                 </a:ln>
@@ -22655,7 +22294,7 @@
                 <a:defRPr/>
               </a:pPr>
               <a:r>
-                <a:rPr kumimoji="0" lang="en-US" altLang="ru-RU" sz="2400" b="1" i="1" u="none" strike="noStrike" kern="0" cap="none" spc="0" normalizeH="0" baseline="0" noProof="0" smtClean="0">
+                <a:rPr kumimoji="0" lang="en-US" altLang="ru-RU" sz="2400" b="1" i="1" u="none" strike="noStrike" kern="0" cap="none" spc="0" normalizeH="0" baseline="0" noProof="0">
                   <a:ln>
                     <a:noFill/>
                   </a:ln>
@@ -22669,7 +22308,7 @@
                 </a:rPr>
                 <a:t>y</a:t>
               </a:r>
-              <a:endParaRPr kumimoji="0" lang="ru-RU" altLang="ru-RU" sz="2400" b="1" i="0" u="none" strike="noStrike" kern="0" cap="none" spc="0" normalizeH="0" baseline="-25000" noProof="0" smtClean="0">
+              <a:endParaRPr kumimoji="0" lang="ru-RU" altLang="ru-RU" sz="2400" b="1" i="0" u="none" strike="noStrike" kern="0" cap="none" spc="0" normalizeH="0" baseline="-25000" noProof="0">
                 <a:ln>
                   <a:noFill/>
                 </a:ln>
@@ -22758,7 +22397,7 @@
                 <a:defRPr/>
               </a:pPr>
               <a:r>
-                <a:rPr kumimoji="0" lang="en-US" altLang="ru-RU" sz="2400" b="1" i="1" u="none" strike="noStrike" kern="0" cap="none" spc="0" normalizeH="0" baseline="0" noProof="0" smtClean="0">
+                <a:rPr kumimoji="0" lang="en-US" altLang="ru-RU" sz="2400" b="1" i="1" u="none" strike="noStrike" kern="0" cap="none" spc="0" normalizeH="0" baseline="0" noProof="0">
                   <a:ln>
                     <a:noFill/>
                   </a:ln>
@@ -22772,7 +22411,7 @@
                 </a:rPr>
                 <a:t>x</a:t>
               </a:r>
-              <a:endParaRPr kumimoji="0" lang="ru-RU" altLang="ru-RU" sz="2400" b="1" i="0" u="none" strike="noStrike" kern="0" cap="none" spc="0" normalizeH="0" baseline="-25000" noProof="0" smtClean="0">
+              <a:endParaRPr kumimoji="0" lang="ru-RU" altLang="ru-RU" sz="2400" b="1" i="0" u="none" strike="noStrike" kern="0" cap="none" spc="0" normalizeH="0" baseline="-25000" noProof="0">
                 <a:ln>
                   <a:noFill/>
                 </a:ln>
@@ -22853,7 +22492,7 @@
               </a:spcAft>
             </a:pPr>
             <a:r>
-              <a:rPr lang="en-US" altLang="ru-RU" sz="2400" i="1" dirty="0" smtClean="0">
+              <a:rPr lang="en-US" altLang="ru-RU" sz="2400" i="1" dirty="0">
                 <a:solidFill>
                   <a:srgbClr val="000000"/>
                 </a:solidFill>
@@ -22862,7 +22501,7 @@
               <a:t>M</a:t>
             </a:r>
             <a:r>
-              <a:rPr lang="en-US" altLang="ru-RU" sz="2400" baseline="-25000" dirty="0" smtClean="0">
+              <a:rPr lang="en-US" altLang="ru-RU" sz="2400" baseline="-25000" dirty="0">
                 <a:solidFill>
                   <a:srgbClr val="000000"/>
                 </a:solidFill>
@@ -22870,7 +22509,7 @@
               </a:rPr>
               <a:t>2</a:t>
             </a:r>
-            <a:endParaRPr lang="ru-RU" altLang="ru-RU" sz="2400" baseline="-25000" dirty="0" smtClean="0">
+            <a:endParaRPr lang="ru-RU" altLang="ru-RU" sz="2400" baseline="-25000" dirty="0">
               <a:solidFill>
                 <a:srgbClr val="000000"/>
               </a:solidFill>
@@ -22939,10 +22578,9 @@
           <a:lstStyle/>
           <a:p>
             <a:r>
-              <a:rPr lang="ru-RU" dirty="0" smtClean="0"/>
+              <a:rPr lang="ru-RU" dirty="0"/>
               <a:t>Интерполяция</a:t>
             </a:r>
-            <a:endParaRPr lang="ru-RU" dirty="0"/>
           </a:p>
         </p:txBody>
       </p:sp>
@@ -23006,10 +22644,9 @@
           <a:lstStyle/>
           <a:p>
             <a:r>
-              <a:rPr lang="ru-RU" dirty="0" smtClean="0"/>
+              <a:rPr lang="ru-RU" dirty="0"/>
               <a:t>Экстраполяция</a:t>
             </a:r>
-            <a:endParaRPr lang="ru-RU" dirty="0"/>
           </a:p>
         </p:txBody>
       </p:sp>
@@ -23073,10 +22710,9 @@
           <a:lstStyle/>
           <a:p>
             <a:r>
-              <a:rPr lang="ru-RU" dirty="0" smtClean="0"/>
+              <a:rPr lang="ru-RU" dirty="0"/>
               <a:t>Экстраполяция</a:t>
             </a:r>
-            <a:endParaRPr lang="ru-RU" dirty="0"/>
           </a:p>
         </p:txBody>
       </p:sp>
@@ -23090,13 +22726,6 @@
   <p:clrMapOvr>
     <a:masterClrMapping/>
   </p:clrMapOvr>
-  <p:timing>
-    <p:tnLst>
-      <p:par>
-        <p:cTn id="1" dur="indefinite" restart="never" nodeType="tmRoot"/>
-      </p:par>
-    </p:tnLst>
-  </p:timing>
 </p:sld>
 </file>
 
@@ -23243,7 +22872,7 @@
           <a:p>
             <a:pPr algn="ctr"/>
             <a:r>
-              <a:rPr lang="ru-RU" sz="3600" b="1" dirty="0" smtClean="0">
+              <a:rPr lang="ru-RU" sz="3600" b="1" dirty="0">
                 <a:ln w="9000" cmpd="sng">
                   <a:solidFill>
                     <a:schemeClr val="accent4">
@@ -23288,7 +22917,7 @@
               <a:t>Линейное интерполирование</a:t>
             </a:r>
             <a:br>
-              <a:rPr lang="ru-RU" sz="3600" b="1" dirty="0" smtClean="0">
+              <a:rPr lang="ru-RU" sz="3600" b="1" dirty="0">
                 <a:ln w="9000" cmpd="sng">
                   <a:solidFill>
                     <a:schemeClr val="accent4">
@@ -23332,7 +22961,7 @@
               </a:rPr>
             </a:br>
             <a:r>
-              <a:rPr lang="ru-RU" sz="3600" b="1" dirty="0" smtClean="0">
+              <a:rPr lang="ru-RU" sz="3600" b="1" dirty="0">
                 <a:ln w="9000" cmpd="sng">
                   <a:solidFill>
                     <a:schemeClr val="accent4">
@@ -23496,7 +23125,7 @@
                 <a:tabLst/>
                 <a:defRPr/>
               </a:pPr>
-              <a:endParaRPr kumimoji="0" lang="ru-RU" sz="1400" b="0" i="0" u="none" strike="noStrike" kern="0" cap="none" spc="0" normalizeH="0" baseline="0" noProof="0" smtClean="0">
+              <a:endParaRPr kumimoji="0" lang="ru-RU" sz="1400" b="0" i="0" u="none" strike="noStrike" kern="0" cap="none" spc="0" normalizeH="0" baseline="0" noProof="0">
                 <a:ln>
                   <a:noFill/>
                 </a:ln>
@@ -23572,7 +23201,7 @@
                 <a:tabLst/>
                 <a:defRPr/>
               </a:pPr>
-              <a:endParaRPr kumimoji="0" lang="ru-RU" sz="1400" b="0" i="0" u="none" strike="noStrike" kern="0" cap="none" spc="0" normalizeH="0" baseline="0" noProof="0" smtClean="0">
+              <a:endParaRPr kumimoji="0" lang="ru-RU" sz="1400" b="0" i="0" u="none" strike="noStrike" kern="0" cap="none" spc="0" normalizeH="0" baseline="0" noProof="0">
                 <a:ln>
                   <a:noFill/>
                 </a:ln>
@@ -23852,7 +23481,7 @@
                 <a:tabLst/>
                 <a:defRPr/>
               </a:pPr>
-              <a:endParaRPr kumimoji="0" lang="ru-RU" sz="1400" b="0" i="0" u="none" strike="noStrike" kern="0" cap="none" spc="0" normalizeH="0" baseline="0" noProof="0" smtClean="0">
+              <a:endParaRPr kumimoji="0" lang="ru-RU" sz="1400" b="0" i="0" u="none" strike="noStrike" kern="0" cap="none" spc="0" normalizeH="0" baseline="0" noProof="0">
                 <a:ln>
                   <a:noFill/>
                 </a:ln>
@@ -23932,7 +23561,7 @@
                 </a:spcAft>
               </a:pPr>
               <a:r>
-                <a:rPr lang="en-US" altLang="ru-RU" sz="1400" i="1" dirty="0" smtClean="0">
+                <a:rPr lang="en-US" altLang="ru-RU" sz="1400" i="1" dirty="0">
                   <a:solidFill>
                     <a:srgbClr val="000000"/>
                   </a:solidFill>
@@ -23941,7 +23570,7 @@
                 <a:t>M</a:t>
               </a:r>
               <a:r>
-                <a:rPr lang="en-US" altLang="ru-RU" sz="1400" baseline="-25000" dirty="0" smtClean="0">
+                <a:rPr lang="en-US" altLang="ru-RU" sz="1400" baseline="-25000" dirty="0">
                   <a:solidFill>
                     <a:srgbClr val="000000"/>
                   </a:solidFill>
@@ -23949,7 +23578,7 @@
                 </a:rPr>
                 <a:t>1</a:t>
               </a:r>
-              <a:endParaRPr lang="ru-RU" altLang="ru-RU" sz="1400" baseline="-25000" dirty="0" smtClean="0">
+              <a:endParaRPr lang="ru-RU" altLang="ru-RU" sz="1400" baseline="-25000" dirty="0">
                 <a:solidFill>
                   <a:srgbClr val="000000"/>
                 </a:solidFill>
@@ -24029,7 +23658,7 @@
                 <a:defRPr/>
               </a:pPr>
               <a:r>
-                <a:rPr kumimoji="0" lang="en-US" altLang="ru-RU" sz="1400" b="0" i="1" u="none" strike="noStrike" kern="0" cap="none" spc="0" normalizeH="0" baseline="0" noProof="0" smtClean="0">
+                <a:rPr kumimoji="0" lang="en-US" altLang="ru-RU" sz="1400" b="0" i="1" u="none" strike="noStrike" kern="0" cap="none" spc="0" normalizeH="0" baseline="0" noProof="0">
                   <a:ln>
                     <a:noFill/>
                   </a:ln>
@@ -24043,7 +23672,7 @@
                 </a:rPr>
                 <a:t>y=F(x)</a:t>
               </a:r>
-              <a:endParaRPr kumimoji="0" lang="ru-RU" altLang="ru-RU" sz="1400" b="0" i="1" u="none" strike="noStrike" kern="0" cap="none" spc="0" normalizeH="0" baseline="0" noProof="0" smtClean="0">
+              <a:endParaRPr kumimoji="0" lang="ru-RU" altLang="ru-RU" sz="1400" b="0" i="1" u="none" strike="noStrike" kern="0" cap="none" spc="0" normalizeH="0" baseline="0" noProof="0">
                 <a:ln>
                   <a:noFill/>
                 </a:ln>
@@ -24129,7 +23758,7 @@
                 <a:defRPr/>
               </a:pPr>
               <a:r>
-                <a:rPr kumimoji="0" lang="en-US" altLang="ru-RU" sz="1400" b="0" i="1" u="none" strike="noStrike" kern="0" cap="none" spc="0" normalizeH="0" baseline="0" noProof="0" smtClean="0">
+                <a:rPr kumimoji="0" lang="en-US" altLang="ru-RU" sz="1400" b="0" i="1" u="none" strike="noStrike" kern="0" cap="none" spc="0" normalizeH="0" baseline="0" noProof="0">
                   <a:ln>
                     <a:noFill/>
                   </a:ln>
@@ -24143,7 +23772,7 @@
                 </a:rPr>
                 <a:t>y=f(x)</a:t>
               </a:r>
-              <a:endParaRPr kumimoji="0" lang="ru-RU" altLang="ru-RU" sz="1400" b="0" i="1" u="none" strike="noStrike" kern="0" cap="none" spc="0" normalizeH="0" baseline="0" noProof="0" smtClean="0">
+              <a:endParaRPr kumimoji="0" lang="ru-RU" altLang="ru-RU" sz="1400" b="0" i="1" u="none" strike="noStrike" kern="0" cap="none" spc="0" normalizeH="0" baseline="0" noProof="0">
                 <a:ln>
                   <a:noFill/>
                 </a:ln>
@@ -24223,7 +23852,7 @@
                 <a:tabLst/>
                 <a:defRPr/>
               </a:pPr>
-              <a:endParaRPr kumimoji="0" lang="ru-RU" sz="1400" b="0" i="0" u="none" strike="noStrike" kern="0" cap="none" spc="0" normalizeH="0" baseline="0" noProof="0" smtClean="0">
+              <a:endParaRPr kumimoji="0" lang="ru-RU" sz="1400" b="0" i="0" u="none" strike="noStrike" kern="0" cap="none" spc="0" normalizeH="0" baseline="0" noProof="0">
                 <a:ln>
                   <a:noFill/>
                 </a:ln>
@@ -24303,7 +23932,7 @@
                 <a:tabLst/>
                 <a:defRPr/>
               </a:pPr>
-              <a:endParaRPr kumimoji="0" lang="ru-RU" sz="1400" b="0" i="0" u="none" strike="noStrike" kern="0" cap="none" spc="0" normalizeH="0" baseline="0" noProof="0" smtClean="0">
+              <a:endParaRPr kumimoji="0" lang="ru-RU" sz="1400" b="0" i="0" u="none" strike="noStrike" kern="0" cap="none" spc="0" normalizeH="0" baseline="0" noProof="0">
                 <a:ln>
                   <a:noFill/>
                 </a:ln>
@@ -24383,7 +24012,7 @@
                 </a:spcAft>
               </a:pPr>
               <a:r>
-                <a:rPr lang="en-US" altLang="ru-RU" sz="1400" i="1" dirty="0" smtClean="0">
+                <a:rPr lang="en-US" altLang="ru-RU" sz="1400" i="1" dirty="0">
                   <a:solidFill>
                     <a:srgbClr val="000000"/>
                   </a:solidFill>
@@ -24392,7 +24021,7 @@
                 <a:t>x</a:t>
               </a:r>
               <a:r>
-                <a:rPr lang="ru-RU" altLang="ru-RU" sz="1400" baseline="-25000" dirty="0" smtClean="0">
+                <a:rPr lang="ru-RU" altLang="ru-RU" sz="1400" baseline="-25000" dirty="0">
                   <a:solidFill>
                     <a:srgbClr val="000000"/>
                   </a:solidFill>
@@ -24468,7 +24097,7 @@
                 </a:spcAft>
               </a:pPr>
               <a:r>
-                <a:rPr lang="en-US" altLang="ru-RU" sz="1400" i="1" dirty="0" smtClean="0">
+                <a:rPr lang="en-US" altLang="ru-RU" sz="1400" i="1" dirty="0">
                   <a:solidFill>
                     <a:srgbClr val="000000"/>
                   </a:solidFill>
@@ -24477,7 +24106,7 @@
                 <a:t>x</a:t>
               </a:r>
               <a:r>
-                <a:rPr lang="en-US" altLang="ru-RU" sz="1400" baseline="-25000" dirty="0" smtClean="0">
+                <a:rPr lang="en-US" altLang="ru-RU" sz="1400" baseline="-25000" dirty="0">
                   <a:solidFill>
                     <a:srgbClr val="000000"/>
                   </a:solidFill>
@@ -24485,7 +24114,7 @@
                 </a:rPr>
                 <a:t>1</a:t>
               </a:r>
-              <a:endParaRPr lang="ru-RU" altLang="ru-RU" sz="1400" baseline="-25000" dirty="0" smtClean="0">
+              <a:endParaRPr lang="ru-RU" altLang="ru-RU" sz="1400" baseline="-25000" dirty="0">
                 <a:solidFill>
                   <a:srgbClr val="000000"/>
                 </a:solidFill>
@@ -24619,7 +24248,7 @@
                 <a:tabLst/>
                 <a:defRPr/>
               </a:pPr>
-              <a:endParaRPr kumimoji="0" lang="ru-RU" sz="1400" b="0" i="0" u="none" strike="noStrike" kern="0" cap="none" spc="0" normalizeH="0" baseline="0" noProof="0" smtClean="0">
+              <a:endParaRPr kumimoji="0" lang="ru-RU" sz="1400" b="0" i="0" u="none" strike="noStrike" kern="0" cap="none" spc="0" normalizeH="0" baseline="0" noProof="0">
                 <a:ln>
                   <a:noFill/>
                 </a:ln>
@@ -24714,7 +24343,7 @@
                   <a:tabLst/>
                   <a:defRPr/>
                 </a:pPr>
-                <a:endParaRPr kumimoji="0" lang="ru-RU" sz="1400" b="0" i="0" u="none" strike="noStrike" kern="0" cap="none" spc="0" normalizeH="0" baseline="0" noProof="0" smtClean="0">
+                <a:endParaRPr kumimoji="0" lang="ru-RU" sz="1400" b="0" i="0" u="none" strike="noStrike" kern="0" cap="none" spc="0" normalizeH="0" baseline="0" noProof="0">
                   <a:ln>
                     <a:noFill/>
                   </a:ln>
@@ -24793,7 +24422,7 @@
                   <a:tabLst/>
                   <a:defRPr/>
                 </a:pPr>
-                <a:endParaRPr kumimoji="0" lang="ru-RU" sz="1400" b="0" i="0" u="none" strike="noStrike" kern="0" cap="none" spc="0" normalizeH="0" baseline="0" noProof="0" smtClean="0">
+                <a:endParaRPr kumimoji="0" lang="ru-RU" sz="1400" b="0" i="0" u="none" strike="noStrike" kern="0" cap="none" spc="0" normalizeH="0" baseline="0" noProof="0">
                   <a:ln>
                     <a:noFill/>
                   </a:ln>
@@ -24882,7 +24511,7 @@
                   <a:defRPr/>
                 </a:pPr>
                 <a:r>
-                  <a:rPr kumimoji="0" lang="en-US" altLang="ru-RU" sz="1400" b="1" i="0" u="none" strike="noStrike" kern="0" cap="none" spc="0" normalizeH="0" baseline="0" noProof="0" dirty="0" smtClean="0">
+                  <a:rPr kumimoji="0" lang="en-US" altLang="ru-RU" sz="1400" b="1" i="0" u="none" strike="noStrike" kern="0" cap="none" spc="0" normalizeH="0" baseline="0" noProof="0" dirty="0">
                     <a:ln>
                       <a:noFill/>
                     </a:ln>
@@ -24896,7 +24525,7 @@
                   </a:rPr>
                   <a:t>0</a:t>
                 </a:r>
-                <a:endParaRPr kumimoji="0" lang="ru-RU" altLang="ru-RU" sz="1400" b="1" i="0" u="none" strike="noStrike" kern="0" cap="none" spc="0" normalizeH="0" baseline="-25000" noProof="0" dirty="0" smtClean="0">
+                <a:endParaRPr kumimoji="0" lang="ru-RU" altLang="ru-RU" sz="1400" b="1" i="0" u="none" strike="noStrike" kern="0" cap="none" spc="0" normalizeH="0" baseline="-25000" noProof="0" dirty="0">
                   <a:ln>
                     <a:noFill/>
                   </a:ln>
@@ -24985,7 +24614,7 @@
                   <a:defRPr/>
                 </a:pPr>
                 <a:r>
-                  <a:rPr kumimoji="0" lang="en-US" altLang="ru-RU" sz="1400" b="1" i="1" u="none" strike="noStrike" kern="0" cap="none" spc="0" normalizeH="0" baseline="0" noProof="0" smtClean="0">
+                  <a:rPr kumimoji="0" lang="en-US" altLang="ru-RU" sz="1400" b="1" i="1" u="none" strike="noStrike" kern="0" cap="none" spc="0" normalizeH="0" baseline="0" noProof="0">
                     <a:ln>
                       <a:noFill/>
                     </a:ln>
@@ -24999,7 +24628,7 @@
                   </a:rPr>
                   <a:t>y</a:t>
                 </a:r>
-                <a:endParaRPr kumimoji="0" lang="ru-RU" altLang="ru-RU" sz="1400" b="1" i="0" u="none" strike="noStrike" kern="0" cap="none" spc="0" normalizeH="0" baseline="-25000" noProof="0" smtClean="0">
+                <a:endParaRPr kumimoji="0" lang="ru-RU" altLang="ru-RU" sz="1400" b="1" i="0" u="none" strike="noStrike" kern="0" cap="none" spc="0" normalizeH="0" baseline="-25000" noProof="0">
                   <a:ln>
                     <a:noFill/>
                   </a:ln>
@@ -25088,7 +24717,7 @@
                   <a:defRPr/>
                 </a:pPr>
                 <a:r>
-                  <a:rPr kumimoji="0" lang="en-US" altLang="ru-RU" sz="1400" b="1" i="1" u="none" strike="noStrike" kern="0" cap="none" spc="0" normalizeH="0" baseline="0" noProof="0" smtClean="0">
+                  <a:rPr kumimoji="0" lang="en-US" altLang="ru-RU" sz="1400" b="1" i="1" u="none" strike="noStrike" kern="0" cap="none" spc="0" normalizeH="0" baseline="0" noProof="0">
                     <a:ln>
                       <a:noFill/>
                     </a:ln>
@@ -25102,7 +24731,7 @@
                   </a:rPr>
                   <a:t>x</a:t>
                 </a:r>
-                <a:endParaRPr kumimoji="0" lang="ru-RU" altLang="ru-RU" sz="1400" b="1" i="0" u="none" strike="noStrike" kern="0" cap="none" spc="0" normalizeH="0" baseline="-25000" noProof="0" smtClean="0">
+                <a:endParaRPr kumimoji="0" lang="ru-RU" altLang="ru-RU" sz="1400" b="1" i="0" u="none" strike="noStrike" kern="0" cap="none" spc="0" normalizeH="0" baseline="-25000" noProof="0">
                   <a:ln>
                     <a:noFill/>
                   </a:ln>
@@ -25183,7 +24812,7 @@
                 </a:spcAft>
               </a:pPr>
               <a:r>
-                <a:rPr lang="en-US" altLang="ru-RU" sz="1400" i="1" dirty="0" smtClean="0">
+                <a:rPr lang="en-US" altLang="ru-RU" sz="1400" i="1" dirty="0">
                   <a:solidFill>
                     <a:srgbClr val="000000"/>
                   </a:solidFill>
@@ -25192,7 +24821,7 @@
                 <a:t>M</a:t>
               </a:r>
               <a:r>
-                <a:rPr lang="en-US" altLang="ru-RU" sz="1400" baseline="-25000" dirty="0" smtClean="0">
+                <a:rPr lang="en-US" altLang="ru-RU" sz="1400" baseline="-25000" dirty="0">
                   <a:solidFill>
                     <a:srgbClr val="000000"/>
                   </a:solidFill>
@@ -25200,7 +24829,7 @@
                 </a:rPr>
                 <a:t>2</a:t>
               </a:r>
-              <a:endParaRPr lang="ru-RU" altLang="ru-RU" sz="1400" baseline="-25000" dirty="0" smtClean="0">
+              <a:endParaRPr lang="ru-RU" altLang="ru-RU" sz="1400" baseline="-25000" dirty="0">
                 <a:solidFill>
                   <a:srgbClr val="000000"/>
                 </a:solidFill>
@@ -25275,7 +24904,7 @@
               <a:tabLst/>
               <a:defRPr/>
             </a:pPr>
-            <a:endParaRPr kumimoji="0" lang="ru-RU" sz="1400" b="0" i="0" u="none" strike="noStrike" kern="0" cap="none" spc="0" normalizeH="0" baseline="0" noProof="0" smtClean="0">
+            <a:endParaRPr kumimoji="0" lang="ru-RU" sz="1400" b="0" i="0" u="none" strike="noStrike" kern="0" cap="none" spc="0" normalizeH="0" baseline="0" noProof="0">
               <a:ln>
                 <a:noFill/>
               </a:ln>
@@ -25355,7 +24984,7 @@
               <a:tabLst/>
               <a:defRPr/>
             </a:pPr>
-            <a:endParaRPr kumimoji="0" lang="ru-RU" sz="1400" b="0" i="0" u="none" strike="noStrike" kern="0" cap="none" spc="0" normalizeH="0" baseline="0" noProof="0" smtClean="0">
+            <a:endParaRPr kumimoji="0" lang="ru-RU" sz="1400" b="0" i="0" u="none" strike="noStrike" kern="0" cap="none" spc="0" normalizeH="0" baseline="0" noProof="0">
               <a:ln>
                 <a:noFill/>
               </a:ln>
@@ -25435,7 +25064,7 @@
               </a:spcAft>
             </a:pPr>
             <a:r>
-              <a:rPr lang="en-US" altLang="ru-RU" sz="1400" i="1" dirty="0" smtClean="0">
+              <a:rPr lang="en-US" altLang="ru-RU" sz="1400" i="1" dirty="0">
                 <a:solidFill>
                   <a:srgbClr val="000000"/>
                 </a:solidFill>
@@ -25444,7 +25073,7 @@
               <a:t>y</a:t>
             </a:r>
             <a:r>
-              <a:rPr lang="en-US" altLang="ru-RU" sz="1400" baseline="-25000" dirty="0" smtClean="0">
+              <a:rPr lang="en-US" altLang="ru-RU" sz="1400" baseline="-25000" dirty="0">
                 <a:solidFill>
                   <a:srgbClr val="000000"/>
                 </a:solidFill>
@@ -25452,7 +25081,7 @@
               </a:rPr>
               <a:t>1</a:t>
             </a:r>
-            <a:endParaRPr lang="ru-RU" altLang="ru-RU" sz="1400" baseline="-25000" dirty="0" smtClean="0">
+            <a:endParaRPr lang="ru-RU" altLang="ru-RU" sz="1400" baseline="-25000" dirty="0">
               <a:solidFill>
                 <a:srgbClr val="000000"/>
               </a:solidFill>
@@ -25526,7 +25155,7 @@
               </a:spcAft>
             </a:pPr>
             <a:r>
-              <a:rPr lang="en-US" altLang="ru-RU" sz="1400" i="1" dirty="0" smtClean="0">
+              <a:rPr lang="en-US" altLang="ru-RU" sz="1400" i="1" dirty="0">
                 <a:solidFill>
                   <a:srgbClr val="000000"/>
                 </a:solidFill>
@@ -25535,7 +25164,7 @@
               <a:t>y</a:t>
             </a:r>
             <a:r>
-              <a:rPr lang="en-US" altLang="ru-RU" sz="1400" baseline="-25000" dirty="0" smtClean="0">
+              <a:rPr lang="en-US" altLang="ru-RU" sz="1400" baseline="-25000" dirty="0">
                 <a:solidFill>
                   <a:srgbClr val="000000"/>
                 </a:solidFill>
@@ -25543,7 +25172,7 @@
               </a:rPr>
               <a:t>2</a:t>
             </a:r>
-            <a:endParaRPr lang="ru-RU" altLang="ru-RU" sz="1400" baseline="-25000" dirty="0" smtClean="0">
+            <a:endParaRPr lang="ru-RU" altLang="ru-RU" sz="1400" baseline="-25000" dirty="0">
               <a:solidFill>
                 <a:srgbClr val="000000"/>
               </a:solidFill>
@@ -25617,7 +25246,7 @@
               <a:tabLst/>
               <a:defRPr/>
             </a:pPr>
-            <a:endParaRPr kumimoji="0" lang="ru-RU" sz="1400" b="0" i="0" u="none" strike="noStrike" kern="0" cap="none" spc="0" normalizeH="0" baseline="0" noProof="0" smtClean="0">
+            <a:endParaRPr kumimoji="0" lang="ru-RU" sz="1400" b="0" i="0" u="none" strike="noStrike" kern="0" cap="none" spc="0" normalizeH="0" baseline="0" noProof="0">
               <a:ln>
                 <a:noFill/>
               </a:ln>
@@ -25797,7 +25426,7 @@
               </a:spcAft>
             </a:pPr>
             <a:r>
-              <a:rPr lang="en-US" altLang="ru-RU" sz="1400" i="1" dirty="0" smtClean="0">
+              <a:rPr lang="en-US" altLang="ru-RU" sz="1400" i="1" dirty="0">
                 <a:solidFill>
                   <a:srgbClr val="000000"/>
                 </a:solidFill>
@@ -25805,7 +25434,7 @@
               </a:rPr>
               <a:t>x</a:t>
             </a:r>
-            <a:endParaRPr lang="ru-RU" altLang="ru-RU" sz="1400" baseline="-25000" dirty="0" smtClean="0">
+            <a:endParaRPr lang="ru-RU" altLang="ru-RU" sz="1400" baseline="-25000" dirty="0">
               <a:solidFill>
                 <a:srgbClr val="000000"/>
               </a:solidFill>
@@ -25879,7 +25508,7 @@
               <a:tabLst/>
               <a:defRPr/>
             </a:pPr>
-            <a:endParaRPr kumimoji="0" lang="ru-RU" sz="1400" b="0" i="0" u="none" strike="noStrike" kern="0" cap="none" spc="0" normalizeH="0" baseline="0" noProof="0" smtClean="0">
+            <a:endParaRPr kumimoji="0" lang="ru-RU" sz="1400" b="0" i="0" u="none" strike="noStrike" kern="0" cap="none" spc="0" normalizeH="0" baseline="0" noProof="0">
               <a:ln>
                 <a:noFill/>
               </a:ln>
@@ -25959,7 +25588,7 @@
               </a:spcAft>
             </a:pPr>
             <a:r>
-              <a:rPr lang="en-US" altLang="ru-RU" sz="1400" i="1" dirty="0" smtClean="0">
+              <a:rPr lang="en-US" altLang="ru-RU" sz="1400" i="1" dirty="0">
                 <a:solidFill>
                   <a:srgbClr val="000000"/>
                 </a:solidFill>
@@ -25967,7 +25596,7 @@
               </a:rPr>
               <a:t>y</a:t>
             </a:r>
-            <a:endParaRPr lang="ru-RU" altLang="ru-RU" sz="1400" baseline="-25000" dirty="0" smtClean="0">
+            <a:endParaRPr lang="ru-RU" altLang="ru-RU" sz="1400" baseline="-25000" dirty="0">
               <a:solidFill>
                 <a:srgbClr val="000000"/>
               </a:solidFill>
@@ -25998,12 +25627,12 @@
           <a:graphicData uri="http://schemas.openxmlformats.org/presentationml/2006/ole">
             <mc:AlternateContent xmlns:mc="http://schemas.openxmlformats.org/markup-compatibility/2006">
               <mc:Choice xmlns:v="urn:schemas-microsoft-com:vml" Requires="v">
-                <p:oleObj spid="_x0000_s44052" name="Формула" r:id="rId3" imgW="2450880" imgH="2323800" progId="Equation.3">
+                <p:oleObj name="Формула" r:id="rId2" imgW="2450880" imgH="2323800" progId="Equation.3">
                   <p:embed/>
                 </p:oleObj>
               </mc:Choice>
               <mc:Fallback>
-                <p:oleObj name="Формула" r:id="rId3" imgW="2450880" imgH="2323800" progId="Equation.3">
+                <p:oleObj name="Формула" r:id="rId2" imgW="2450880" imgH="2323800" progId="Equation.3">
                   <p:embed/>
                   <p:pic>
                     <p:nvPicPr>
@@ -26014,7 +25643,7 @@
                       <p:nvPr/>
                     </p:nvPicPr>
                     <p:blipFill>
-                      <a:blip r:embed="rId4"/>
+                      <a:blip r:embed="rId3"/>
                       <a:srcRect/>
                       <a:stretch>
                         <a:fillRect/>
@@ -26096,13 +25725,6 @@
   <p:clrMapOvr>
     <a:masterClrMapping/>
   </p:clrMapOvr>
-  <p:timing>
-    <p:tnLst>
-      <p:par>
-        <p:cTn id="1" dur="indefinite" restart="never" nodeType="tmRoot"/>
-      </p:par>
-    </p:tnLst>
-  </p:timing>
 </p:sld>
 </file>
 
@@ -26147,7 +25769,7 @@
           <a:p>
             <a:pPr algn="ctr"/>
             <a:r>
-              <a:rPr lang="ru-RU" sz="3600" b="1" dirty="0" smtClean="0">
+              <a:rPr lang="ru-RU" sz="3600" b="1" dirty="0">
                 <a:ln w="9000" cmpd="sng">
                   <a:solidFill>
                     <a:schemeClr val="accent4">
@@ -26258,12 +25880,12 @@
           <a:graphicData uri="http://schemas.openxmlformats.org/presentationml/2006/ole">
             <mc:AlternateContent xmlns:mc="http://schemas.openxmlformats.org/markup-compatibility/2006">
               <mc:Choice xmlns:v="urn:schemas-microsoft-com:vml" Requires="v">
-                <p:oleObj spid="_x0000_s45090" name="Формула" r:id="rId3" imgW="2705040" imgH="1282680" progId="Equation.3">
+                <p:oleObj name="Формула" r:id="rId2" imgW="2705040" imgH="1282680" progId="Equation.3">
                   <p:embed/>
                 </p:oleObj>
               </mc:Choice>
               <mc:Fallback>
-                <p:oleObj name="Формула" r:id="rId3" imgW="2705040" imgH="1282680" progId="Equation.3">
+                <p:oleObj name="Формула" r:id="rId2" imgW="2705040" imgH="1282680" progId="Equation.3">
                   <p:embed/>
                   <p:pic>
                     <p:nvPicPr>
@@ -26274,7 +25896,7 @@
                       <p:nvPr/>
                     </p:nvPicPr>
                     <p:blipFill>
-                      <a:blip r:embed="rId4"/>
+                      <a:blip r:embed="rId3"/>
                       <a:srcRect/>
                       <a:stretch>
                         <a:fillRect/>
@@ -26421,7 +26043,7 @@
                 <a:tabLst/>
                 <a:defRPr/>
               </a:pPr>
-              <a:endParaRPr kumimoji="0" lang="ru-RU" sz="1600" b="0" i="0" u="none" strike="noStrike" kern="0" cap="none" spc="0" normalizeH="0" baseline="0" noProof="0" smtClean="0">
+              <a:endParaRPr kumimoji="0" lang="ru-RU" sz="1600" b="0" i="0" u="none" strike="noStrike" kern="0" cap="none" spc="0" normalizeH="0" baseline="0" noProof="0">
                 <a:ln>
                   <a:noFill/>
                 </a:ln>
@@ -26497,7 +26119,7 @@
                 <a:tabLst/>
                 <a:defRPr/>
               </a:pPr>
-              <a:endParaRPr kumimoji="0" lang="ru-RU" sz="1600" b="0" i="0" u="none" strike="noStrike" kern="0" cap="none" spc="0" normalizeH="0" baseline="0" noProof="0" smtClean="0">
+              <a:endParaRPr kumimoji="0" lang="ru-RU" sz="1600" b="0" i="0" u="none" strike="noStrike" kern="0" cap="none" spc="0" normalizeH="0" baseline="0" noProof="0">
                 <a:ln>
                   <a:noFill/>
                 </a:ln>
@@ -26573,7 +26195,7 @@
                 <a:tabLst/>
                 <a:defRPr/>
               </a:pPr>
-              <a:endParaRPr kumimoji="0" lang="ru-RU" sz="1600" b="0" i="0" u="none" strike="noStrike" kern="0" cap="none" spc="0" normalizeH="0" baseline="0" noProof="0" smtClean="0">
+              <a:endParaRPr kumimoji="0" lang="ru-RU" sz="1600" b="0" i="0" u="none" strike="noStrike" kern="0" cap="none" spc="0" normalizeH="0" baseline="0" noProof="0">
                 <a:ln>
                   <a:noFill/>
                 </a:ln>
@@ -26649,7 +26271,7 @@
                 <a:tabLst/>
                 <a:defRPr/>
               </a:pPr>
-              <a:endParaRPr kumimoji="0" lang="ru-RU" sz="1600" b="0" i="0" u="none" strike="noStrike" kern="0" cap="none" spc="0" normalizeH="0" baseline="0" noProof="0" smtClean="0">
+              <a:endParaRPr kumimoji="0" lang="ru-RU" sz="1600" b="0" i="0" u="none" strike="noStrike" kern="0" cap="none" spc="0" normalizeH="0" baseline="0" noProof="0">
                 <a:ln>
                   <a:noFill/>
                 </a:ln>
@@ -26725,7 +26347,7 @@
                 <a:tabLst/>
                 <a:defRPr/>
               </a:pPr>
-              <a:endParaRPr kumimoji="0" lang="ru-RU" sz="1600" b="0" i="0" u="none" strike="noStrike" kern="0" cap="none" spc="0" normalizeH="0" baseline="0" noProof="0" smtClean="0">
+              <a:endParaRPr kumimoji="0" lang="ru-RU" sz="1600" b="0" i="0" u="none" strike="noStrike" kern="0" cap="none" spc="0" normalizeH="0" baseline="0" noProof="0">
                 <a:ln>
                   <a:noFill/>
                 </a:ln>
@@ -27005,7 +26627,7 @@
                 <a:tabLst/>
                 <a:defRPr/>
               </a:pPr>
-              <a:endParaRPr kumimoji="0" lang="ru-RU" sz="1600" b="0" i="0" u="none" strike="noStrike" kern="0" cap="none" spc="0" normalizeH="0" baseline="0" noProof="0" smtClean="0">
+              <a:endParaRPr kumimoji="0" lang="ru-RU" sz="1600" b="0" i="0" u="none" strike="noStrike" kern="0" cap="none" spc="0" normalizeH="0" baseline="0" noProof="0">
                 <a:ln>
                   <a:noFill/>
                 </a:ln>
@@ -27085,7 +26707,7 @@
                 </a:spcAft>
               </a:pPr>
               <a:r>
-                <a:rPr lang="en-US" altLang="ru-RU" sz="1600" i="1" smtClean="0">
+                <a:rPr lang="en-US" altLang="ru-RU" sz="1600" i="1">
                   <a:solidFill>
                     <a:srgbClr val="000000"/>
                   </a:solidFill>
@@ -27094,7 +26716,7 @@
                 <a:t>M</a:t>
               </a:r>
               <a:r>
-                <a:rPr lang="en-US" altLang="ru-RU" sz="1600" baseline="-25000" smtClean="0">
+                <a:rPr lang="en-US" altLang="ru-RU" sz="1600" baseline="-25000">
                   <a:solidFill>
                     <a:srgbClr val="000000"/>
                   </a:solidFill>
@@ -27102,7 +26724,7 @@
                 </a:rPr>
                 <a:t>0</a:t>
               </a:r>
-              <a:endParaRPr lang="ru-RU" altLang="ru-RU" sz="1600" baseline="-25000" smtClean="0">
+              <a:endParaRPr lang="ru-RU" altLang="ru-RU" sz="1600" baseline="-25000">
                 <a:solidFill>
                   <a:srgbClr val="000000"/>
                 </a:solidFill>
@@ -27176,7 +26798,7 @@
                 </a:spcAft>
               </a:pPr>
               <a:r>
-                <a:rPr lang="en-US" altLang="ru-RU" sz="1600" i="1" smtClean="0">
+                <a:rPr lang="en-US" altLang="ru-RU" sz="1600" i="1">
                   <a:solidFill>
                     <a:srgbClr val="000000"/>
                   </a:solidFill>
@@ -27185,7 +26807,7 @@
                 <a:t>M</a:t>
               </a:r>
               <a:r>
-                <a:rPr lang="en-US" altLang="ru-RU" sz="1600" baseline="-25000" smtClean="0">
+                <a:rPr lang="en-US" altLang="ru-RU" sz="1600" baseline="-25000">
                   <a:solidFill>
                     <a:srgbClr val="000000"/>
                   </a:solidFill>
@@ -27193,7 +26815,7 @@
                 </a:rPr>
                 <a:t>1</a:t>
               </a:r>
-              <a:endParaRPr lang="ru-RU" altLang="ru-RU" sz="1600" baseline="-25000" smtClean="0">
+              <a:endParaRPr lang="ru-RU" altLang="ru-RU" sz="1600" baseline="-25000">
                 <a:solidFill>
                   <a:srgbClr val="000000"/>
                 </a:solidFill>
@@ -27267,7 +26889,7 @@
                 </a:spcAft>
               </a:pPr>
               <a:r>
-                <a:rPr lang="en-US" altLang="ru-RU" sz="1600" i="1" smtClean="0">
+                <a:rPr lang="en-US" altLang="ru-RU" sz="1600" i="1">
                   <a:solidFill>
                     <a:srgbClr val="000000"/>
                   </a:solidFill>
@@ -27276,7 +26898,7 @@
                 <a:t>M</a:t>
               </a:r>
               <a:r>
-                <a:rPr lang="en-US" altLang="ru-RU" sz="1600" i="1" baseline="-25000" smtClean="0">
+                <a:rPr lang="en-US" altLang="ru-RU" sz="1600" i="1" baseline="-25000">
                   <a:solidFill>
                     <a:srgbClr val="000000"/>
                   </a:solidFill>
@@ -27284,7 +26906,7 @@
                 </a:rPr>
                 <a:t>n</a:t>
               </a:r>
-              <a:endParaRPr lang="ru-RU" altLang="ru-RU" sz="1600" i="1" baseline="-25000" smtClean="0">
+              <a:endParaRPr lang="ru-RU" altLang="ru-RU" sz="1600" i="1" baseline="-25000">
                 <a:solidFill>
                   <a:srgbClr val="000000"/>
                 </a:solidFill>
@@ -27364,7 +26986,7 @@
                 <a:defRPr/>
               </a:pPr>
               <a:r>
-                <a:rPr kumimoji="0" lang="en-US" altLang="ru-RU" sz="1600" b="0" i="1" u="none" strike="noStrike" kern="0" cap="none" spc="0" normalizeH="0" baseline="0" noProof="0" smtClean="0">
+                <a:rPr kumimoji="0" lang="en-US" altLang="ru-RU" sz="1600" b="0" i="1" u="none" strike="noStrike" kern="0" cap="none" spc="0" normalizeH="0" baseline="0" noProof="0">
                   <a:ln>
                     <a:noFill/>
                   </a:ln>
@@ -27378,7 +27000,7 @@
                 </a:rPr>
                 <a:t>y=F(x)</a:t>
               </a:r>
-              <a:endParaRPr kumimoji="0" lang="ru-RU" altLang="ru-RU" sz="1600" b="0" i="1" u="none" strike="noStrike" kern="0" cap="none" spc="0" normalizeH="0" baseline="0" noProof="0" smtClean="0">
+              <a:endParaRPr kumimoji="0" lang="ru-RU" altLang="ru-RU" sz="1600" b="0" i="1" u="none" strike="noStrike" kern="0" cap="none" spc="0" normalizeH="0" baseline="0" noProof="0">
                 <a:ln>
                   <a:noFill/>
                 </a:ln>
@@ -27464,7 +27086,7 @@
                 <a:defRPr/>
               </a:pPr>
               <a:r>
-                <a:rPr kumimoji="0" lang="en-US" altLang="ru-RU" sz="1600" b="0" i="1" u="none" strike="noStrike" kern="0" cap="none" spc="0" normalizeH="0" baseline="0" noProof="0" smtClean="0">
+                <a:rPr kumimoji="0" lang="en-US" altLang="ru-RU" sz="1600" b="0" i="1" u="none" strike="noStrike" kern="0" cap="none" spc="0" normalizeH="0" baseline="0" noProof="0">
                   <a:ln>
                     <a:noFill/>
                   </a:ln>
@@ -27478,7 +27100,7 @@
                 </a:rPr>
                 <a:t>y=f(x)</a:t>
               </a:r>
-              <a:endParaRPr kumimoji="0" lang="ru-RU" altLang="ru-RU" sz="1600" b="0" i="1" u="none" strike="noStrike" kern="0" cap="none" spc="0" normalizeH="0" baseline="0" noProof="0" smtClean="0">
+              <a:endParaRPr kumimoji="0" lang="ru-RU" altLang="ru-RU" sz="1600" b="0" i="1" u="none" strike="noStrike" kern="0" cap="none" spc="0" normalizeH="0" baseline="0" noProof="0">
                 <a:ln>
                   <a:noFill/>
                 </a:ln>
@@ -27558,7 +27180,7 @@
                 <a:tabLst/>
                 <a:defRPr/>
               </a:pPr>
-              <a:endParaRPr kumimoji="0" lang="ru-RU" sz="1600" b="0" i="0" u="none" strike="noStrike" kern="0" cap="none" spc="0" normalizeH="0" baseline="0" noProof="0" smtClean="0">
+              <a:endParaRPr kumimoji="0" lang="ru-RU" sz="1600" b="0" i="0" u="none" strike="noStrike" kern="0" cap="none" spc="0" normalizeH="0" baseline="0" noProof="0">
                 <a:ln>
                   <a:noFill/>
                 </a:ln>
@@ -27638,7 +27260,7 @@
                 <a:tabLst/>
                 <a:defRPr/>
               </a:pPr>
-              <a:endParaRPr kumimoji="0" lang="ru-RU" sz="1600" b="0" i="0" u="none" strike="noStrike" kern="0" cap="none" spc="0" normalizeH="0" baseline="0" noProof="0" smtClean="0">
+              <a:endParaRPr kumimoji="0" lang="ru-RU" sz="1600" b="0" i="0" u="none" strike="noStrike" kern="0" cap="none" spc="0" normalizeH="0" baseline="0" noProof="0">
                 <a:ln>
                   <a:noFill/>
                 </a:ln>
@@ -27718,7 +27340,7 @@
                 <a:tabLst/>
                 <a:defRPr/>
               </a:pPr>
-              <a:endParaRPr kumimoji="0" lang="ru-RU" sz="1600" b="0" i="0" u="none" strike="noStrike" kern="0" cap="none" spc="0" normalizeH="0" baseline="0" noProof="0" smtClean="0">
+              <a:endParaRPr kumimoji="0" lang="ru-RU" sz="1600" b="0" i="0" u="none" strike="noStrike" kern="0" cap="none" spc="0" normalizeH="0" baseline="0" noProof="0">
                 <a:ln>
                   <a:noFill/>
                 </a:ln>
@@ -27798,7 +27420,7 @@
                 <a:tabLst/>
                 <a:defRPr/>
               </a:pPr>
-              <a:endParaRPr kumimoji="0" lang="ru-RU" sz="1600" b="0" i="0" u="none" strike="noStrike" kern="0" cap="none" spc="0" normalizeH="0" baseline="0" noProof="0" smtClean="0">
+              <a:endParaRPr kumimoji="0" lang="ru-RU" sz="1600" b="0" i="0" u="none" strike="noStrike" kern="0" cap="none" spc="0" normalizeH="0" baseline="0" noProof="0">
                 <a:ln>
                   <a:noFill/>
                 </a:ln>
@@ -27878,7 +27500,7 @@
                 <a:tabLst/>
                 <a:defRPr/>
               </a:pPr>
-              <a:endParaRPr kumimoji="0" lang="ru-RU" sz="1600" b="0" i="0" u="none" strike="noStrike" kern="0" cap="none" spc="0" normalizeH="0" baseline="0" noProof="0" smtClean="0">
+              <a:endParaRPr kumimoji="0" lang="ru-RU" sz="1600" b="0" i="0" u="none" strike="noStrike" kern="0" cap="none" spc="0" normalizeH="0" baseline="0" noProof="0">
                 <a:ln>
                   <a:noFill/>
                 </a:ln>
@@ -27958,7 +27580,7 @@
                 </a:spcAft>
               </a:pPr>
               <a:r>
-                <a:rPr lang="en-US" altLang="ru-RU" sz="1600" i="1" smtClean="0">
+                <a:rPr lang="en-US" altLang="ru-RU" sz="1600" i="1">
                   <a:solidFill>
                     <a:srgbClr val="000000"/>
                   </a:solidFill>
@@ -27967,7 +27589,7 @@
                 <a:t>x</a:t>
               </a:r>
               <a:r>
-                <a:rPr lang="en-US" altLang="ru-RU" sz="1600" baseline="-25000" smtClean="0">
+                <a:rPr lang="en-US" altLang="ru-RU" sz="1600" baseline="-25000">
                   <a:solidFill>
                     <a:srgbClr val="000000"/>
                   </a:solidFill>
@@ -27975,7 +27597,7 @@
                 </a:rPr>
                 <a:t>0</a:t>
               </a:r>
-              <a:endParaRPr lang="ru-RU" altLang="ru-RU" sz="1600" baseline="-25000" smtClean="0">
+              <a:endParaRPr lang="ru-RU" altLang="ru-RU" sz="1600" baseline="-25000">
                 <a:solidFill>
                   <a:srgbClr val="000000"/>
                 </a:solidFill>
@@ -28049,7 +27671,7 @@
                 </a:spcAft>
               </a:pPr>
               <a:r>
-                <a:rPr lang="en-US" altLang="ru-RU" sz="1600" i="1" smtClean="0">
+                <a:rPr lang="en-US" altLang="ru-RU" sz="1600" i="1">
                   <a:solidFill>
                     <a:srgbClr val="000000"/>
                   </a:solidFill>
@@ -28058,7 +27680,7 @@
                 <a:t>x</a:t>
               </a:r>
               <a:r>
-                <a:rPr lang="en-US" altLang="ru-RU" sz="1600" baseline="-25000" smtClean="0">
+                <a:rPr lang="en-US" altLang="ru-RU" sz="1600" baseline="-25000">
                   <a:solidFill>
                     <a:srgbClr val="000000"/>
                   </a:solidFill>
@@ -28066,7 +27688,7 @@
                 </a:rPr>
                 <a:t>1</a:t>
               </a:r>
-              <a:endParaRPr lang="ru-RU" altLang="ru-RU" sz="1600" baseline="-25000" smtClean="0">
+              <a:endParaRPr lang="ru-RU" altLang="ru-RU" sz="1600" baseline="-25000">
                 <a:solidFill>
                   <a:srgbClr val="000000"/>
                 </a:solidFill>
@@ -28140,7 +27762,7 @@
                 </a:spcAft>
               </a:pPr>
               <a:r>
-                <a:rPr lang="en-US" altLang="ru-RU" sz="1600" i="1" smtClean="0">
+                <a:rPr lang="en-US" altLang="ru-RU" sz="1600" i="1">
                   <a:solidFill>
                     <a:srgbClr val="000000"/>
                   </a:solidFill>
@@ -28149,7 +27771,7 @@
                 <a:t>x</a:t>
               </a:r>
               <a:r>
-                <a:rPr lang="en-US" altLang="ru-RU" sz="1600" i="1" baseline="-25000" smtClean="0">
+                <a:rPr lang="en-US" altLang="ru-RU" sz="1600" i="1" baseline="-25000">
                   <a:solidFill>
                     <a:srgbClr val="000000"/>
                   </a:solidFill>
@@ -28157,7 +27779,7 @@
                 </a:rPr>
                 <a:t>n</a:t>
               </a:r>
-              <a:endParaRPr lang="ru-RU" altLang="ru-RU" sz="1600" i="1" baseline="-25000" smtClean="0">
+              <a:endParaRPr lang="ru-RU" altLang="ru-RU" sz="1600" i="1" baseline="-25000">
                 <a:solidFill>
                   <a:srgbClr val="000000"/>
                 </a:solidFill>
@@ -28231,7 +27853,7 @@
                 </a:spcAft>
               </a:pPr>
               <a:r>
-                <a:rPr lang="en-US" altLang="ru-RU" sz="1600" i="1" smtClean="0">
+                <a:rPr lang="en-US" altLang="ru-RU" sz="1600" i="1">
                   <a:solidFill>
                     <a:srgbClr val="000000"/>
                   </a:solidFill>
@@ -28240,7 +27862,7 @@
                 <a:t>y</a:t>
               </a:r>
               <a:r>
-                <a:rPr lang="en-US" altLang="ru-RU" sz="1600" baseline="-25000" smtClean="0">
+                <a:rPr lang="en-US" altLang="ru-RU" sz="1600" baseline="-25000">
                   <a:solidFill>
                     <a:srgbClr val="000000"/>
                   </a:solidFill>
@@ -28248,7 +27870,7 @@
                 </a:rPr>
                 <a:t>0</a:t>
               </a:r>
-              <a:endParaRPr lang="ru-RU" altLang="ru-RU" sz="1600" baseline="-25000" smtClean="0">
+              <a:endParaRPr lang="ru-RU" altLang="ru-RU" sz="1600" baseline="-25000">
                 <a:solidFill>
                   <a:srgbClr val="000000"/>
                 </a:solidFill>
@@ -28322,7 +27944,7 @@
                 </a:spcAft>
               </a:pPr>
               <a:r>
-                <a:rPr lang="en-US" altLang="ru-RU" sz="1600" i="1" smtClean="0">
+                <a:rPr lang="en-US" altLang="ru-RU" sz="1600" i="1">
                   <a:solidFill>
                     <a:srgbClr val="000000"/>
                   </a:solidFill>
@@ -28331,7 +27953,7 @@
                 <a:t>y</a:t>
               </a:r>
               <a:r>
-                <a:rPr lang="en-US" altLang="ru-RU" sz="1600" baseline="-25000" smtClean="0">
+                <a:rPr lang="en-US" altLang="ru-RU" sz="1600" baseline="-25000">
                   <a:solidFill>
                     <a:srgbClr val="000000"/>
                   </a:solidFill>
@@ -28339,7 +27961,7 @@
                 </a:rPr>
                 <a:t>1</a:t>
               </a:r>
-              <a:endParaRPr lang="ru-RU" altLang="ru-RU" sz="1600" baseline="-25000" smtClean="0">
+              <a:endParaRPr lang="ru-RU" altLang="ru-RU" sz="1600" baseline="-25000">
                 <a:solidFill>
                   <a:srgbClr val="000000"/>
                 </a:solidFill>
@@ -28413,7 +28035,7 @@
                 </a:spcAft>
               </a:pPr>
               <a:r>
-                <a:rPr lang="en-US" altLang="ru-RU" sz="1600" i="1" smtClean="0">
+                <a:rPr lang="en-US" altLang="ru-RU" sz="1600" i="1">
                   <a:solidFill>
                     <a:srgbClr val="000000"/>
                   </a:solidFill>
@@ -28422,7 +28044,7 @@
                 <a:t>y</a:t>
               </a:r>
               <a:r>
-                <a:rPr lang="en-US" altLang="ru-RU" sz="1600" i="1" baseline="-25000" smtClean="0">
+                <a:rPr lang="en-US" altLang="ru-RU" sz="1600" i="1" baseline="-25000">
                   <a:solidFill>
                     <a:srgbClr val="000000"/>
                   </a:solidFill>
@@ -28430,7 +28052,7 @@
                 </a:rPr>
                 <a:t>n</a:t>
               </a:r>
-              <a:endParaRPr lang="ru-RU" altLang="ru-RU" sz="1600" i="1" baseline="-25000" smtClean="0">
+              <a:endParaRPr lang="ru-RU" altLang="ru-RU" sz="1600" i="1" baseline="-25000">
                 <a:solidFill>
                   <a:srgbClr val="000000"/>
                 </a:solidFill>
@@ -28556,7 +28178,7 @@
                 <a:tabLst/>
                 <a:defRPr/>
               </a:pPr>
-              <a:endParaRPr kumimoji="0" lang="ru-RU" sz="1600" b="0" i="0" u="none" strike="noStrike" kern="0" cap="none" spc="0" normalizeH="0" baseline="0" noProof="0" smtClean="0">
+              <a:endParaRPr kumimoji="0" lang="ru-RU" sz="1600" b="0" i="0" u="none" strike="noStrike" kern="0" cap="none" spc="0" normalizeH="0" baseline="0" noProof="0">
                 <a:ln>
                   <a:noFill/>
                 </a:ln>
@@ -28651,7 +28273,7 @@
                   <a:tabLst/>
                   <a:defRPr/>
                 </a:pPr>
-                <a:endParaRPr kumimoji="0" lang="ru-RU" sz="1600" b="0" i="0" u="none" strike="noStrike" kern="0" cap="none" spc="0" normalizeH="0" baseline="0" noProof="0" smtClean="0">
+                <a:endParaRPr kumimoji="0" lang="ru-RU" sz="1600" b="0" i="0" u="none" strike="noStrike" kern="0" cap="none" spc="0" normalizeH="0" baseline="0" noProof="0">
                   <a:ln>
                     <a:noFill/>
                   </a:ln>
@@ -28730,7 +28352,7 @@
                   <a:tabLst/>
                   <a:defRPr/>
                 </a:pPr>
-                <a:endParaRPr kumimoji="0" lang="ru-RU" sz="1600" b="0" i="0" u="none" strike="noStrike" kern="0" cap="none" spc="0" normalizeH="0" baseline="0" noProof="0" smtClean="0">
+                <a:endParaRPr kumimoji="0" lang="ru-RU" sz="1600" b="0" i="0" u="none" strike="noStrike" kern="0" cap="none" spc="0" normalizeH="0" baseline="0" noProof="0">
                   <a:ln>
                     <a:noFill/>
                   </a:ln>
@@ -28819,7 +28441,7 @@
                   <a:defRPr/>
                 </a:pPr>
                 <a:r>
-                  <a:rPr kumimoji="0" lang="en-US" altLang="ru-RU" sz="1600" b="1" i="0" u="none" strike="noStrike" kern="0" cap="none" spc="0" normalizeH="0" baseline="0" noProof="0" smtClean="0">
+                  <a:rPr kumimoji="0" lang="en-US" altLang="ru-RU" sz="1600" b="1" i="0" u="none" strike="noStrike" kern="0" cap="none" spc="0" normalizeH="0" baseline="0" noProof="0">
                     <a:ln>
                       <a:noFill/>
                     </a:ln>
@@ -28833,7 +28455,7 @@
                   </a:rPr>
                   <a:t>0</a:t>
                 </a:r>
-                <a:endParaRPr kumimoji="0" lang="ru-RU" altLang="ru-RU" sz="1600" b="1" i="0" u="none" strike="noStrike" kern="0" cap="none" spc="0" normalizeH="0" baseline="-25000" noProof="0" smtClean="0">
+                <a:endParaRPr kumimoji="0" lang="ru-RU" altLang="ru-RU" sz="1600" b="1" i="0" u="none" strike="noStrike" kern="0" cap="none" spc="0" normalizeH="0" baseline="-25000" noProof="0">
                   <a:ln>
                     <a:noFill/>
                   </a:ln>
@@ -28922,7 +28544,7 @@
                   <a:defRPr/>
                 </a:pPr>
                 <a:r>
-                  <a:rPr kumimoji="0" lang="en-US" altLang="ru-RU" sz="1600" b="1" i="1" u="none" strike="noStrike" kern="0" cap="none" spc="0" normalizeH="0" baseline="0" noProof="0" smtClean="0">
+                  <a:rPr kumimoji="0" lang="en-US" altLang="ru-RU" sz="1600" b="1" i="1" u="none" strike="noStrike" kern="0" cap="none" spc="0" normalizeH="0" baseline="0" noProof="0">
                     <a:ln>
                       <a:noFill/>
                     </a:ln>
@@ -28936,7 +28558,7 @@
                   </a:rPr>
                   <a:t>y</a:t>
                 </a:r>
-                <a:endParaRPr kumimoji="0" lang="ru-RU" altLang="ru-RU" sz="1600" b="1" i="0" u="none" strike="noStrike" kern="0" cap="none" spc="0" normalizeH="0" baseline="-25000" noProof="0" smtClean="0">
+                <a:endParaRPr kumimoji="0" lang="ru-RU" altLang="ru-RU" sz="1600" b="1" i="0" u="none" strike="noStrike" kern="0" cap="none" spc="0" normalizeH="0" baseline="-25000" noProof="0">
                   <a:ln>
                     <a:noFill/>
                   </a:ln>
@@ -29025,7 +28647,7 @@
                   <a:defRPr/>
                 </a:pPr>
                 <a:r>
-                  <a:rPr kumimoji="0" lang="en-US" altLang="ru-RU" sz="1600" b="1" i="1" u="none" strike="noStrike" kern="0" cap="none" spc="0" normalizeH="0" baseline="0" noProof="0" smtClean="0">
+                  <a:rPr kumimoji="0" lang="en-US" altLang="ru-RU" sz="1600" b="1" i="1" u="none" strike="noStrike" kern="0" cap="none" spc="0" normalizeH="0" baseline="0" noProof="0">
                     <a:ln>
                       <a:noFill/>
                     </a:ln>
@@ -29039,7 +28661,7 @@
                   </a:rPr>
                   <a:t>x</a:t>
                 </a:r>
-                <a:endParaRPr kumimoji="0" lang="ru-RU" altLang="ru-RU" sz="1600" b="1" i="0" u="none" strike="noStrike" kern="0" cap="none" spc="0" normalizeH="0" baseline="-25000" noProof="0" smtClean="0">
+                <a:endParaRPr kumimoji="0" lang="ru-RU" altLang="ru-RU" sz="1600" b="1" i="0" u="none" strike="noStrike" kern="0" cap="none" spc="0" normalizeH="0" baseline="-25000" noProof="0">
                   <a:ln>
                     <a:noFill/>
                   </a:ln>
@@ -29120,7 +28742,7 @@
                 </a:spcAft>
               </a:pPr>
               <a:r>
-                <a:rPr lang="en-US" altLang="ru-RU" sz="1600" i="1" smtClean="0">
+                <a:rPr lang="en-US" altLang="ru-RU" sz="1600" i="1">
                   <a:solidFill>
                     <a:srgbClr val="000000"/>
                   </a:solidFill>
@@ -29129,7 +28751,7 @@
                 <a:t>M</a:t>
               </a:r>
               <a:r>
-                <a:rPr lang="en-US" altLang="ru-RU" sz="1600" baseline="-25000" smtClean="0">
+                <a:rPr lang="en-US" altLang="ru-RU" sz="1600" baseline="-25000">
                   <a:solidFill>
                     <a:srgbClr val="000000"/>
                   </a:solidFill>
@@ -29137,7 +28759,7 @@
                 </a:rPr>
                 <a:t>2</a:t>
               </a:r>
-              <a:endParaRPr lang="ru-RU" altLang="ru-RU" sz="1600" baseline="-25000" smtClean="0">
+              <a:endParaRPr lang="ru-RU" altLang="ru-RU" sz="1600" baseline="-25000">
                 <a:solidFill>
                   <a:srgbClr val="000000"/>
                 </a:solidFill>
@@ -29171,7 +28793,7 @@
           <a:p>
             <a:pPr algn="ctr"/>
             <a:r>
-              <a:rPr lang="ru-RU" sz="2000" b="1" dirty="0" smtClean="0">
+              <a:rPr lang="ru-RU" sz="2000" b="1" dirty="0">
                 <a:solidFill>
                   <a:srgbClr val="7030A0"/>
                 </a:solidFill>
@@ -29179,7 +28801,7 @@
               <a:t>Для каждой пары соседних точек</a:t>
             </a:r>
             <a:r>
-              <a:rPr lang="en-US" sz="2000" b="1" dirty="0" smtClean="0">
+              <a:rPr lang="en-US" sz="2000" b="1" dirty="0">
                 <a:solidFill>
                   <a:srgbClr val="7030A0"/>
                 </a:solidFill>
@@ -29195,13 +28817,6 @@
             </a:endParaRPr>
           </a:p>
           <a:p>
-            <a:endParaRPr lang="en-US" sz="2000" b="1" dirty="0" smtClean="0">
-              <a:solidFill>
-                <a:srgbClr val="7030A0"/>
-              </a:solidFill>
-            </a:endParaRPr>
-          </a:p>
-          <a:p>
             <a:endParaRPr lang="en-US" sz="2000" b="1" dirty="0">
               <a:solidFill>
                 <a:srgbClr val="7030A0"/>
@@ -29209,13 +28824,6 @@
             </a:endParaRPr>
           </a:p>
           <a:p>
-            <a:endParaRPr lang="en-US" sz="2000" b="1" dirty="0" smtClean="0">
-              <a:solidFill>
-                <a:srgbClr val="7030A0"/>
-              </a:solidFill>
-            </a:endParaRPr>
-          </a:p>
-          <a:p>
             <a:endParaRPr lang="en-US" sz="2000" b="1" dirty="0">
               <a:solidFill>
                 <a:srgbClr val="7030A0"/>
@@ -29223,13 +28831,6 @@
             </a:endParaRPr>
           </a:p>
           <a:p>
-            <a:endParaRPr lang="en-US" sz="2000" b="1" dirty="0" smtClean="0">
-              <a:solidFill>
-                <a:srgbClr val="7030A0"/>
-              </a:solidFill>
-            </a:endParaRPr>
-          </a:p>
-          <a:p>
             <a:endParaRPr lang="en-US" sz="2000" b="1" dirty="0">
               <a:solidFill>
                 <a:srgbClr val="7030A0"/>
@@ -29237,9 +28838,30 @@
             </a:endParaRPr>
           </a:p>
           <a:p>
+            <a:endParaRPr lang="en-US" sz="2000" b="1" dirty="0">
+              <a:solidFill>
+                <a:srgbClr val="7030A0"/>
+              </a:solidFill>
+            </a:endParaRPr>
+          </a:p>
+          <a:p>
+            <a:endParaRPr lang="en-US" sz="2000" b="1" dirty="0">
+              <a:solidFill>
+                <a:srgbClr val="7030A0"/>
+              </a:solidFill>
+            </a:endParaRPr>
+          </a:p>
+          <a:p>
+            <a:endParaRPr lang="en-US" sz="2000" b="1" dirty="0">
+              <a:solidFill>
+                <a:srgbClr val="7030A0"/>
+              </a:solidFill>
+            </a:endParaRPr>
+          </a:p>
+          <a:p>
             <a:pPr algn="ctr"/>
             <a:r>
-              <a:rPr lang="ru-RU" sz="2000" b="1" dirty="0" smtClean="0">
+              <a:rPr lang="ru-RU" sz="2000" b="1" dirty="0">
                 <a:solidFill>
                   <a:srgbClr val="7030A0"/>
                 </a:solidFill>
@@ -29271,12 +28893,12 @@
           <a:graphicData uri="http://schemas.openxmlformats.org/presentationml/2006/ole">
             <mc:AlternateContent xmlns:mc="http://schemas.openxmlformats.org/markup-compatibility/2006">
               <mc:Choice xmlns:v="urn:schemas-microsoft-com:vml" Requires="v">
-                <p:oleObj spid="_x0000_s45091" name="Формула" r:id="rId5" imgW="2095200" imgH="1079280" progId="Equation.3">
+                <p:oleObj name="Формула" r:id="rId4" imgW="2095200" imgH="1079280" progId="Equation.3">
                   <p:embed/>
                 </p:oleObj>
               </mc:Choice>
               <mc:Fallback>
-                <p:oleObj name="Формула" r:id="rId5" imgW="2095200" imgH="1079280" progId="Equation.3">
+                <p:oleObj name="Формула" r:id="rId4" imgW="2095200" imgH="1079280" progId="Equation.3">
                   <p:embed/>
                   <p:pic>
                     <p:nvPicPr>
@@ -29287,7 +28909,7 @@
                       <p:nvPr/>
                     </p:nvPicPr>
                     <p:blipFill>
-                      <a:blip r:embed="rId6"/>
+                      <a:blip r:embed="rId5"/>
                       <a:srcRect/>
                       <a:stretch>
                         <a:fillRect/>
@@ -29342,13 +28964,6 @@
   <p:clrMapOvr>
     <a:masterClrMapping/>
   </p:clrMapOvr>
-  <p:timing>
-    <p:tnLst>
-      <p:par>
-        <p:cTn id="1" dur="indefinite" restart="never" nodeType="tmRoot"/>
-      </p:par>
-    </p:tnLst>
-  </p:timing>
 </p:sld>
 </file>
 
@@ -29393,7 +29008,7 @@
           <a:p>
             <a:pPr algn="ctr"/>
             <a:r>
-              <a:rPr lang="ru-RU" sz="3600" b="1" dirty="0" smtClean="0">
+              <a:rPr lang="ru-RU" sz="3600" b="1" dirty="0">
                 <a:ln w="9000" cmpd="sng">
                   <a:solidFill>
                     <a:schemeClr val="accent4">
@@ -29617,7 +29232,7 @@
           <p:nvPr/>
         </p:nvPicPr>
         <p:blipFill>
-          <a:blip r:embed="rId3">
+          <a:blip r:embed="rId2">
             <a:extLst>
               <a:ext uri="{28A0092B-C50C-407E-A947-70E740481C1C}">
                 <a14:useLocalDpi xmlns:a14="http://schemas.microsoft.com/office/drawing/2010/main" val="0"/>
@@ -29747,12 +29362,12 @@
           <a:graphicData uri="http://schemas.openxmlformats.org/presentationml/2006/ole">
             <mc:AlternateContent xmlns:mc="http://schemas.openxmlformats.org/markup-compatibility/2006">
               <mc:Choice xmlns:v="urn:schemas-microsoft-com:vml" Requires="v">
-                <p:oleObj spid="_x0000_s33937" name="Формула" r:id="rId4" imgW="1473120" imgH="241200" progId="Equation.3">
+                <p:oleObj name="Формула" r:id="rId3" imgW="1473120" imgH="241200" progId="Equation.3">
                   <p:embed/>
                 </p:oleObj>
               </mc:Choice>
               <mc:Fallback>
-                <p:oleObj name="Формула" r:id="rId4" imgW="1473120" imgH="241200" progId="Equation.3">
+                <p:oleObj name="Формула" r:id="rId3" imgW="1473120" imgH="241200" progId="Equation.3">
                   <p:embed/>
                   <p:pic>
                     <p:nvPicPr>
@@ -29763,7 +29378,7 @@
                       <p:nvPr/>
                     </p:nvPicPr>
                     <p:blipFill>
-                      <a:blip r:embed="rId5"/>
+                      <a:blip r:embed="rId4"/>
                       <a:srcRect/>
                       <a:stretch>
                         <a:fillRect/>
@@ -29809,7 +29424,7 @@
           <a:lstStyle/>
           <a:p>
             <a:r>
-              <a:rPr lang="ru-RU" sz="2000" b="1" dirty="0" smtClean="0">
+              <a:rPr lang="ru-RU" sz="2000" b="1" dirty="0">
                 <a:solidFill>
                   <a:srgbClr val="7030A0"/>
                 </a:solidFill>
@@ -29817,27 +29432,13 @@
               <a:t>Конечная разность 1 порядка</a:t>
             </a:r>
             <a:r>
-              <a:rPr lang="en-US" sz="2000" b="1" dirty="0" smtClean="0">
+              <a:rPr lang="en-US" sz="2000" b="1" dirty="0">
                 <a:solidFill>
                   <a:srgbClr val="7030A0"/>
                 </a:solidFill>
               </a:rPr>
               <a:t>:</a:t>
             </a:r>
-            <a:endParaRPr lang="ru-RU" sz="2000" b="1" dirty="0" smtClean="0">
-              <a:solidFill>
-                <a:srgbClr val="7030A0"/>
-              </a:solidFill>
-            </a:endParaRPr>
-          </a:p>
-          <a:p>
-            <a:endParaRPr lang="en-US" sz="2000" b="1" dirty="0" smtClean="0">
-              <a:solidFill>
-                <a:srgbClr val="7030A0"/>
-              </a:solidFill>
-            </a:endParaRPr>
-          </a:p>
-          <a:p>
             <a:endParaRPr lang="ru-RU" sz="2000" b="1" dirty="0">
               <a:solidFill>
                 <a:srgbClr val="7030A0"/>
@@ -29845,17 +29446,7 @@
             </a:endParaRPr>
           </a:p>
           <a:p>
-            <a:r>
-              <a:rPr lang="ru-RU" sz="2000" b="1" dirty="0" smtClean="0">
-                <a:solidFill>
-                  <a:srgbClr val="7030A0"/>
-                </a:solidFill>
-              </a:rPr>
-              <a:t>Конечная разность 2 порядка:</a:t>
-            </a:r>
-          </a:p>
-          <a:p>
-            <a:endParaRPr lang="en-US" sz="2000" b="1" dirty="0" smtClean="0">
+            <a:endParaRPr lang="en-US" sz="2000" b="1" dirty="0">
               <a:solidFill>
                 <a:srgbClr val="7030A0"/>
               </a:solidFill>
@@ -29870,7 +29461,31 @@
           </a:p>
           <a:p>
             <a:r>
-              <a:rPr lang="ru-RU" sz="2000" b="1" dirty="0" smtClean="0">
+              <a:rPr lang="ru-RU" sz="2000" b="1" dirty="0">
+                <a:solidFill>
+                  <a:srgbClr val="7030A0"/>
+                </a:solidFill>
+              </a:rPr>
+              <a:t>Конечная разность 2 порядка:</a:t>
+            </a:r>
+          </a:p>
+          <a:p>
+            <a:endParaRPr lang="en-US" sz="2000" b="1" dirty="0">
+              <a:solidFill>
+                <a:srgbClr val="7030A0"/>
+              </a:solidFill>
+            </a:endParaRPr>
+          </a:p>
+          <a:p>
+            <a:endParaRPr lang="ru-RU" sz="2000" b="1" dirty="0">
+              <a:solidFill>
+                <a:srgbClr val="7030A0"/>
+              </a:solidFill>
+            </a:endParaRPr>
+          </a:p>
+          <a:p>
+            <a:r>
+              <a:rPr lang="ru-RU" sz="2000" b="1" dirty="0">
                 <a:solidFill>
                   <a:srgbClr val="7030A0"/>
                 </a:solidFill>
@@ -29878,7 +29493,7 @@
               <a:t>Конечная разность порядка </a:t>
             </a:r>
             <a:r>
-              <a:rPr lang="en-US" sz="2000" b="1" i="1" dirty="0" smtClean="0">
+              <a:rPr lang="en-US" sz="2000" b="1" i="1" dirty="0">
                 <a:solidFill>
                   <a:srgbClr val="7030A0"/>
                 </a:solidFill>
@@ -29888,14 +29503,14 @@
               <a:t>m</a:t>
             </a:r>
             <a:r>
-              <a:rPr lang="en-US" sz="2000" b="1" dirty="0" smtClean="0">
+              <a:rPr lang="en-US" sz="2000" b="1" dirty="0">
                 <a:solidFill>
                   <a:srgbClr val="7030A0"/>
                 </a:solidFill>
               </a:rPr>
               <a:t>:</a:t>
             </a:r>
-            <a:endParaRPr lang="ru-RU" sz="2000" b="1" dirty="0" smtClean="0">
+            <a:endParaRPr lang="ru-RU" sz="2000" b="1" dirty="0">
               <a:solidFill>
                 <a:srgbClr val="7030A0"/>
               </a:solidFill>
@@ -29988,12 +29603,12 @@
           <a:graphicData uri="http://schemas.openxmlformats.org/presentationml/2006/ole">
             <mc:AlternateContent xmlns:mc="http://schemas.openxmlformats.org/markup-compatibility/2006">
               <mc:Choice xmlns:v="urn:schemas-microsoft-com:vml" Requires="v">
-                <p:oleObj spid="_x0000_s33938" name="Формула" r:id="rId6" imgW="965160" imgH="241200" progId="Equation.3">
+                <p:oleObj name="Формула" r:id="rId5" imgW="965160" imgH="241200" progId="Equation.3">
                   <p:embed/>
                 </p:oleObj>
               </mc:Choice>
               <mc:Fallback>
-                <p:oleObj name="Формула" r:id="rId6" imgW="965160" imgH="241200" progId="Equation.3">
+                <p:oleObj name="Формула" r:id="rId5" imgW="965160" imgH="241200" progId="Equation.3">
                   <p:embed/>
                   <p:pic>
                     <p:nvPicPr>
@@ -30004,7 +29619,7 @@
                       <p:nvPr/>
                     </p:nvPicPr>
                     <p:blipFill>
-                      <a:blip r:embed="rId7"/>
+                      <a:blip r:embed="rId6"/>
                       <a:srcRect/>
                       <a:stretch>
                         <a:fillRect/>
@@ -30112,12 +29727,12 @@
           <a:graphicData uri="http://schemas.openxmlformats.org/presentationml/2006/ole">
             <mc:AlternateContent xmlns:mc="http://schemas.openxmlformats.org/markup-compatibility/2006">
               <mc:Choice xmlns:v="urn:schemas-microsoft-com:vml" Requires="v">
-                <p:oleObj spid="_x0000_s33939" name="Формула" r:id="rId8" imgW="1562040" imgH="253800" progId="Equation.3">
+                <p:oleObj name="Формула" r:id="rId7" imgW="1562040" imgH="253800" progId="Equation.3">
                   <p:embed/>
                 </p:oleObj>
               </mc:Choice>
               <mc:Fallback>
-                <p:oleObj name="Формула" r:id="rId8" imgW="1562040" imgH="253800" progId="Equation.3">
+                <p:oleObj name="Формула" r:id="rId7" imgW="1562040" imgH="253800" progId="Equation.3">
                   <p:embed/>
                   <p:pic>
                     <p:nvPicPr>
@@ -30128,7 +29743,7 @@
                       <p:nvPr/>
                     </p:nvPicPr>
                     <p:blipFill>
-                      <a:blip r:embed="rId9"/>
+                      <a:blip r:embed="rId8"/>
                       <a:srcRect/>
                       <a:stretch>
                         <a:fillRect/>
@@ -30173,12 +29788,12 @@
           <a:graphicData uri="http://schemas.openxmlformats.org/presentationml/2006/ole">
             <mc:AlternateContent xmlns:mc="http://schemas.openxmlformats.org/markup-compatibility/2006">
               <mc:Choice xmlns:v="urn:schemas-microsoft-com:vml" Requires="v">
-                <p:oleObj spid="_x0000_s33940" name="Формула" r:id="rId10" imgW="1206360" imgH="253800" progId="Equation.3">
+                <p:oleObj name="Формула" r:id="rId9" imgW="1206360" imgH="253800" progId="Equation.3">
                   <p:embed/>
                 </p:oleObj>
               </mc:Choice>
               <mc:Fallback>
-                <p:oleObj name="Формула" r:id="rId10" imgW="1206360" imgH="253800" progId="Equation.3">
+                <p:oleObj name="Формула" r:id="rId9" imgW="1206360" imgH="253800" progId="Equation.3">
                   <p:embed/>
                   <p:pic>
                     <p:nvPicPr>
@@ -30189,7 +29804,7 @@
                       <p:nvPr/>
                     </p:nvPicPr>
                     <p:blipFill>
-                      <a:blip r:embed="rId11"/>
+                      <a:blip r:embed="rId10"/>
                       <a:srcRect/>
                       <a:stretch>
                         <a:fillRect/>
@@ -30290,13 +29905,6 @@
   <p:clrMapOvr>
     <a:masterClrMapping/>
   </p:clrMapOvr>
-  <p:timing>
-    <p:tnLst>
-      <p:par>
-        <p:cTn id="1" dur="indefinite" restart="never" nodeType="tmRoot"/>
-      </p:par>
-    </p:tnLst>
-  </p:timing>
 </p:sld>
 </file>
 
@@ -30341,7 +29949,7 @@
           <a:p>
             <a:pPr algn="ctr"/>
             <a:r>
-              <a:rPr lang="ru-RU" sz="3600" b="1" dirty="0" smtClean="0">
+              <a:rPr lang="ru-RU" sz="3600" b="1" dirty="0">
                 <a:ln w="9000" cmpd="sng">
                   <a:solidFill>
                     <a:schemeClr val="accent4">
@@ -30809,13 +30417,6 @@
   <p:clrMapOvr>
     <a:masterClrMapping/>
   </p:clrMapOvr>
-  <p:timing>
-    <p:tnLst>
-      <p:par>
-        <p:cTn id="1" dur="indefinite" restart="never" nodeType="tmRoot"/>
-      </p:par>
-    </p:tnLst>
-  </p:timing>
 </p:sld>
 </file>
 
